--- a/Documents/FirstClientPresentation.pptx
+++ b/Documents/FirstClientPresentation.pptx
@@ -1,9 +1,12 @@
 
 <file path=ppt/presentation.xml><?xml version="1.0" encoding="utf-8"?>
-<p:presentation xmlns:a="http://schemas.openxmlformats.org/drawingml/2006/main" xmlns:r="http://schemas.openxmlformats.org/officeDocument/2006/relationships" xmlns:mc="http://schemas.openxmlformats.org/markup-compatibility/2006" xmlns:mv="urn:schemas-microsoft-com:mac:vml" xmlns:p="http://schemas.openxmlformats.org/presentationml/2006/main" mc:Ignorable="mv" mc:PreserveAttributes="mv:*" saveSubsetFonts="1" autoCompressPictures="0">
+<p:presentation xmlns:a="http://schemas.openxmlformats.org/drawingml/2006/main" xmlns:r="http://schemas.openxmlformats.org/officeDocument/2006/relationships" xmlns:p="http://schemas.openxmlformats.org/presentationml/2006/main" saveSubsetFonts="1" autoCompressPictures="0">
   <p:sldMasterIdLst>
     <p:sldMasterId id="2147483660" r:id="rId1"/>
   </p:sldMasterIdLst>
+  <p:notesMasterIdLst>
+    <p:notesMasterId r:id="rId20"/>
+  </p:notesMasterIdLst>
   <p:sldIdLst>
     <p:sldId id="256" r:id="rId2"/>
     <p:sldId id="257" r:id="rId3"/>
@@ -16,6 +19,13 @@
     <p:sldId id="265" r:id="rId10"/>
     <p:sldId id="266" r:id="rId11"/>
     <p:sldId id="267" r:id="rId12"/>
+    <p:sldId id="268" r:id="rId13"/>
+    <p:sldId id="269" r:id="rId14"/>
+    <p:sldId id="270" r:id="rId15"/>
+    <p:sldId id="271" r:id="rId16"/>
+    <p:sldId id="272" r:id="rId17"/>
+    <p:sldId id="273" r:id="rId18"/>
+    <p:sldId id="274" r:id="rId19"/>
   </p:sldIdLst>
   <p:sldSz cx="9144000" cy="6858000" type="screen4x3"/>
   <p:notesSz cx="6858000" cy="9144000"/>
@@ -117,8 +127,1723 @@
 </p:presentation>
 </file>
 
+<file path=ppt/notesMasters/notesMaster1.xml><?xml version="1.0" encoding="utf-8"?>
+<p:notesMaster xmlns:a="http://schemas.openxmlformats.org/drawingml/2006/main" xmlns:r="http://schemas.openxmlformats.org/officeDocument/2006/relationships" xmlns:p="http://schemas.openxmlformats.org/presentationml/2006/main">
+  <p:cSld>
+    <p:bg>
+      <p:bgRef idx="1001">
+        <a:schemeClr val="bg1"/>
+      </p:bgRef>
+    </p:bg>
+    <p:spTree>
+      <p:nvGrpSpPr>
+        <p:cNvPr id="1" name=""/>
+        <p:cNvGrpSpPr/>
+        <p:nvPr/>
+      </p:nvGrpSpPr>
+      <p:grpSpPr>
+        <a:xfrm>
+          <a:off x="0" y="0"/>
+          <a:ext cx="0" cy="0"/>
+          <a:chOff x="0" y="0"/>
+          <a:chExt cx="0" cy="0"/>
+        </a:xfrm>
+      </p:grpSpPr>
+      <p:sp>
+        <p:nvSpPr>
+          <p:cNvPr id="2" name="Header Placeholder 1"/>
+          <p:cNvSpPr>
+            <a:spLocks noGrp="1"/>
+          </p:cNvSpPr>
+          <p:nvPr>
+            <p:ph type="hdr" sz="quarter"/>
+          </p:nvPr>
+        </p:nvSpPr>
+        <p:spPr>
+          <a:xfrm>
+            <a:off x="0" y="0"/>
+            <a:ext cx="2971800" cy="457200"/>
+          </a:xfrm>
+          <a:prstGeom prst="rect">
+            <a:avLst/>
+          </a:prstGeom>
+        </p:spPr>
+        <p:txBody>
+          <a:bodyPr vert="horz" lIns="91440" tIns="45720" rIns="91440" bIns="45720" rtlCol="0"/>
+          <a:lstStyle>
+            <a:lvl1pPr algn="l">
+              <a:defRPr sz="1200"/>
+            </a:lvl1pPr>
+          </a:lstStyle>
+          <a:p>
+            <a:endParaRPr lang="en-CA"/>
+          </a:p>
+        </p:txBody>
+      </p:sp>
+      <p:sp>
+        <p:nvSpPr>
+          <p:cNvPr id="3" name="Date Placeholder 2"/>
+          <p:cNvSpPr>
+            <a:spLocks noGrp="1"/>
+          </p:cNvSpPr>
+          <p:nvPr>
+            <p:ph type="dt" idx="1"/>
+          </p:nvPr>
+        </p:nvSpPr>
+        <p:spPr>
+          <a:xfrm>
+            <a:off x="3884613" y="0"/>
+            <a:ext cx="2971800" cy="457200"/>
+          </a:xfrm>
+          <a:prstGeom prst="rect">
+            <a:avLst/>
+          </a:prstGeom>
+        </p:spPr>
+        <p:txBody>
+          <a:bodyPr vert="horz" lIns="91440" tIns="45720" rIns="91440" bIns="45720" rtlCol="0"/>
+          <a:lstStyle>
+            <a:lvl1pPr algn="r">
+              <a:defRPr sz="1200"/>
+            </a:lvl1pPr>
+          </a:lstStyle>
+          <a:p>
+            <a:fld id="{78F7A939-C3D3-43DA-B17C-971F43AAB28A}" type="datetimeFigureOut">
+              <a:rPr lang="en-US" smtClean="0"/>
+              <a:t>6/1/2012</a:t>
+            </a:fld>
+            <a:endParaRPr lang="en-CA"/>
+          </a:p>
+        </p:txBody>
+      </p:sp>
+      <p:sp>
+        <p:nvSpPr>
+          <p:cNvPr id="4" name="Slide Image Placeholder 3"/>
+          <p:cNvSpPr>
+            <a:spLocks noGrp="1" noRot="1" noChangeAspect="1"/>
+          </p:cNvSpPr>
+          <p:nvPr>
+            <p:ph type="sldImg" idx="2"/>
+          </p:nvPr>
+        </p:nvSpPr>
+        <p:spPr>
+          <a:xfrm>
+            <a:off x="1143000" y="685800"/>
+            <a:ext cx="4572000" cy="3429000"/>
+          </a:xfrm>
+          <a:prstGeom prst="rect">
+            <a:avLst/>
+          </a:prstGeom>
+          <a:noFill/>
+          <a:ln w="12700">
+            <a:solidFill>
+              <a:prstClr val="black"/>
+            </a:solidFill>
+          </a:ln>
+        </p:spPr>
+        <p:txBody>
+          <a:bodyPr vert="horz" lIns="91440" tIns="45720" rIns="91440" bIns="45720" rtlCol="0" anchor="ctr"/>
+          <a:lstStyle/>
+          <a:p>
+            <a:endParaRPr lang="en-CA"/>
+          </a:p>
+        </p:txBody>
+      </p:sp>
+      <p:sp>
+        <p:nvSpPr>
+          <p:cNvPr id="5" name="Notes Placeholder 4"/>
+          <p:cNvSpPr>
+            <a:spLocks noGrp="1"/>
+          </p:cNvSpPr>
+          <p:nvPr>
+            <p:ph type="body" sz="quarter" idx="3"/>
+          </p:nvPr>
+        </p:nvSpPr>
+        <p:spPr>
+          <a:xfrm>
+            <a:off x="685800" y="4343400"/>
+            <a:ext cx="5486400" cy="4114800"/>
+          </a:xfrm>
+          <a:prstGeom prst="rect">
+            <a:avLst/>
+          </a:prstGeom>
+        </p:spPr>
+        <p:txBody>
+          <a:bodyPr vert="horz" lIns="91440" tIns="45720" rIns="91440" bIns="45720" rtlCol="0">
+            <a:normAutofit/>
+          </a:bodyPr>
+          <a:lstStyle/>
+          <a:p>
+            <a:pPr lvl="0"/>
+            <a:r>
+              <a:rPr lang="en-US" smtClean="0"/>
+              <a:t>Click to edit Master text styles</a:t>
+            </a:r>
+          </a:p>
+          <a:p>
+            <a:pPr lvl="1"/>
+            <a:r>
+              <a:rPr lang="en-US" smtClean="0"/>
+              <a:t>Second level</a:t>
+            </a:r>
+          </a:p>
+          <a:p>
+            <a:pPr lvl="2"/>
+            <a:r>
+              <a:rPr lang="en-US" smtClean="0"/>
+              <a:t>Third level</a:t>
+            </a:r>
+          </a:p>
+          <a:p>
+            <a:pPr lvl="3"/>
+            <a:r>
+              <a:rPr lang="en-US" smtClean="0"/>
+              <a:t>Fourth level</a:t>
+            </a:r>
+          </a:p>
+          <a:p>
+            <a:pPr lvl="4"/>
+            <a:r>
+              <a:rPr lang="en-US" smtClean="0"/>
+              <a:t>Fifth level</a:t>
+            </a:r>
+            <a:endParaRPr lang="en-CA"/>
+          </a:p>
+        </p:txBody>
+      </p:sp>
+      <p:sp>
+        <p:nvSpPr>
+          <p:cNvPr id="6" name="Footer Placeholder 5"/>
+          <p:cNvSpPr>
+            <a:spLocks noGrp="1"/>
+          </p:cNvSpPr>
+          <p:nvPr>
+            <p:ph type="ftr" sz="quarter" idx="4"/>
+          </p:nvPr>
+        </p:nvSpPr>
+        <p:spPr>
+          <a:xfrm>
+            <a:off x="0" y="8685213"/>
+            <a:ext cx="2971800" cy="457200"/>
+          </a:xfrm>
+          <a:prstGeom prst="rect">
+            <a:avLst/>
+          </a:prstGeom>
+        </p:spPr>
+        <p:txBody>
+          <a:bodyPr vert="horz" lIns="91440" tIns="45720" rIns="91440" bIns="45720" rtlCol="0" anchor="b"/>
+          <a:lstStyle>
+            <a:lvl1pPr algn="l">
+              <a:defRPr sz="1200"/>
+            </a:lvl1pPr>
+          </a:lstStyle>
+          <a:p>
+            <a:endParaRPr lang="en-CA"/>
+          </a:p>
+        </p:txBody>
+      </p:sp>
+      <p:sp>
+        <p:nvSpPr>
+          <p:cNvPr id="7" name="Slide Number Placeholder 6"/>
+          <p:cNvSpPr>
+            <a:spLocks noGrp="1"/>
+          </p:cNvSpPr>
+          <p:nvPr>
+            <p:ph type="sldNum" sz="quarter" idx="5"/>
+          </p:nvPr>
+        </p:nvSpPr>
+        <p:spPr>
+          <a:xfrm>
+            <a:off x="3884613" y="8685213"/>
+            <a:ext cx="2971800" cy="457200"/>
+          </a:xfrm>
+          <a:prstGeom prst="rect">
+            <a:avLst/>
+          </a:prstGeom>
+        </p:spPr>
+        <p:txBody>
+          <a:bodyPr vert="horz" lIns="91440" tIns="45720" rIns="91440" bIns="45720" rtlCol="0" anchor="b"/>
+          <a:lstStyle>
+            <a:lvl1pPr algn="r">
+              <a:defRPr sz="1200"/>
+            </a:lvl1pPr>
+          </a:lstStyle>
+          <a:p>
+            <a:fld id="{FA2883B2-F0E0-44FD-A520-EAF9511062C8}" type="slidenum">
+              <a:rPr lang="en-CA" smtClean="0"/>
+              <a:t>‹#›</a:t>
+            </a:fld>
+            <a:endParaRPr lang="en-CA"/>
+          </a:p>
+        </p:txBody>
+      </p:sp>
+    </p:spTree>
+  </p:cSld>
+  <p:clrMap bg1="lt1" tx1="dk1" bg2="lt2" tx2="dk2" accent1="accent1" accent2="accent2" accent3="accent3" accent4="accent4" accent5="accent5" accent6="accent6" hlink="hlink" folHlink="folHlink"/>
+  <p:notesStyle>
+    <a:lvl1pPr marL="0" algn="l" defTabSz="914400" rtl="0" eaLnBrk="1" latinLnBrk="0" hangingPunct="1">
+      <a:defRPr sz="1200" kern="1200">
+        <a:solidFill>
+          <a:schemeClr val="tx1"/>
+        </a:solidFill>
+        <a:latin typeface="+mn-lt"/>
+        <a:ea typeface="+mn-ea"/>
+        <a:cs typeface="+mn-cs"/>
+      </a:defRPr>
+    </a:lvl1pPr>
+    <a:lvl2pPr marL="457200" algn="l" defTabSz="914400" rtl="0" eaLnBrk="1" latinLnBrk="0" hangingPunct="1">
+      <a:defRPr sz="1200" kern="1200">
+        <a:solidFill>
+          <a:schemeClr val="tx1"/>
+        </a:solidFill>
+        <a:latin typeface="+mn-lt"/>
+        <a:ea typeface="+mn-ea"/>
+        <a:cs typeface="+mn-cs"/>
+      </a:defRPr>
+    </a:lvl2pPr>
+    <a:lvl3pPr marL="914400" algn="l" defTabSz="914400" rtl="0" eaLnBrk="1" latinLnBrk="0" hangingPunct="1">
+      <a:defRPr sz="1200" kern="1200">
+        <a:solidFill>
+          <a:schemeClr val="tx1"/>
+        </a:solidFill>
+        <a:latin typeface="+mn-lt"/>
+        <a:ea typeface="+mn-ea"/>
+        <a:cs typeface="+mn-cs"/>
+      </a:defRPr>
+    </a:lvl3pPr>
+    <a:lvl4pPr marL="1371600" algn="l" defTabSz="914400" rtl="0" eaLnBrk="1" latinLnBrk="0" hangingPunct="1">
+      <a:defRPr sz="1200" kern="1200">
+        <a:solidFill>
+          <a:schemeClr val="tx1"/>
+        </a:solidFill>
+        <a:latin typeface="+mn-lt"/>
+        <a:ea typeface="+mn-ea"/>
+        <a:cs typeface="+mn-cs"/>
+      </a:defRPr>
+    </a:lvl4pPr>
+    <a:lvl5pPr marL="1828800" algn="l" defTabSz="914400" rtl="0" eaLnBrk="1" latinLnBrk="0" hangingPunct="1">
+      <a:defRPr sz="1200" kern="1200">
+        <a:solidFill>
+          <a:schemeClr val="tx1"/>
+        </a:solidFill>
+        <a:latin typeface="+mn-lt"/>
+        <a:ea typeface="+mn-ea"/>
+        <a:cs typeface="+mn-cs"/>
+      </a:defRPr>
+    </a:lvl5pPr>
+    <a:lvl6pPr marL="2286000" algn="l" defTabSz="914400" rtl="0" eaLnBrk="1" latinLnBrk="0" hangingPunct="1">
+      <a:defRPr sz="1200" kern="1200">
+        <a:solidFill>
+          <a:schemeClr val="tx1"/>
+        </a:solidFill>
+        <a:latin typeface="+mn-lt"/>
+        <a:ea typeface="+mn-ea"/>
+        <a:cs typeface="+mn-cs"/>
+      </a:defRPr>
+    </a:lvl6pPr>
+    <a:lvl7pPr marL="2743200" algn="l" defTabSz="914400" rtl="0" eaLnBrk="1" latinLnBrk="0" hangingPunct="1">
+      <a:defRPr sz="1200" kern="1200">
+        <a:solidFill>
+          <a:schemeClr val="tx1"/>
+        </a:solidFill>
+        <a:latin typeface="+mn-lt"/>
+        <a:ea typeface="+mn-ea"/>
+        <a:cs typeface="+mn-cs"/>
+      </a:defRPr>
+    </a:lvl7pPr>
+    <a:lvl8pPr marL="3200400" algn="l" defTabSz="914400" rtl="0" eaLnBrk="1" latinLnBrk="0" hangingPunct="1">
+      <a:defRPr sz="1200" kern="1200">
+        <a:solidFill>
+          <a:schemeClr val="tx1"/>
+        </a:solidFill>
+        <a:latin typeface="+mn-lt"/>
+        <a:ea typeface="+mn-ea"/>
+        <a:cs typeface="+mn-cs"/>
+      </a:defRPr>
+    </a:lvl8pPr>
+    <a:lvl9pPr marL="3657600" algn="l" defTabSz="914400" rtl="0" eaLnBrk="1" latinLnBrk="0" hangingPunct="1">
+      <a:defRPr sz="1200" kern="1200">
+        <a:solidFill>
+          <a:schemeClr val="tx1"/>
+        </a:solidFill>
+        <a:latin typeface="+mn-lt"/>
+        <a:ea typeface="+mn-ea"/>
+        <a:cs typeface="+mn-cs"/>
+      </a:defRPr>
+    </a:lvl9pPr>
+  </p:notesStyle>
+</p:notesMaster>
+</file>
+
+<file path=ppt/notesSlides/notesSlide1.xml><?xml version="1.0" encoding="utf-8"?>
+<p:notes xmlns:a="http://schemas.openxmlformats.org/drawingml/2006/main" xmlns:r="http://schemas.openxmlformats.org/officeDocument/2006/relationships" xmlns:p="http://schemas.openxmlformats.org/presentationml/2006/main">
+  <p:cSld>
+    <p:spTree>
+      <p:nvGrpSpPr>
+        <p:cNvPr id="1" name=""/>
+        <p:cNvGrpSpPr/>
+        <p:nvPr/>
+      </p:nvGrpSpPr>
+      <p:grpSpPr>
+        <a:xfrm>
+          <a:off x="0" y="0"/>
+          <a:ext cx="0" cy="0"/>
+          <a:chOff x="0" y="0"/>
+          <a:chExt cx="0" cy="0"/>
+        </a:xfrm>
+      </p:grpSpPr>
+      <p:sp>
+        <p:nvSpPr>
+          <p:cNvPr id="2" name="Slide Image Placeholder 1"/>
+          <p:cNvSpPr>
+            <a:spLocks noGrp="1" noRot="1" noChangeAspect="1"/>
+          </p:cNvSpPr>
+          <p:nvPr>
+            <p:ph type="sldImg"/>
+          </p:nvPr>
+        </p:nvSpPr>
+        <p:spPr/>
+      </p:sp>
+      <p:sp>
+        <p:nvSpPr>
+          <p:cNvPr id="3" name="Notes Placeholder 2"/>
+          <p:cNvSpPr>
+            <a:spLocks noGrp="1"/>
+          </p:cNvSpPr>
+          <p:nvPr>
+            <p:ph type="body" idx="1"/>
+          </p:nvPr>
+        </p:nvSpPr>
+        <p:spPr/>
+        <p:txBody>
+          <a:bodyPr>
+            <a:normAutofit/>
+          </a:bodyPr>
+          <a:lstStyle/>
+          <a:p>
+            <a:endParaRPr lang="en-CA"/>
+          </a:p>
+        </p:txBody>
+      </p:sp>
+      <p:sp>
+        <p:nvSpPr>
+          <p:cNvPr id="4" name="Slide Number Placeholder 3"/>
+          <p:cNvSpPr>
+            <a:spLocks noGrp="1"/>
+          </p:cNvSpPr>
+          <p:nvPr>
+            <p:ph type="sldNum" sz="quarter" idx="10"/>
+          </p:nvPr>
+        </p:nvSpPr>
+        <p:spPr/>
+        <p:txBody>
+          <a:bodyPr/>
+          <a:lstStyle/>
+          <a:p>
+            <a:fld id="{FA2883B2-F0E0-44FD-A520-EAF9511062C8}" type="slidenum">
+              <a:rPr lang="en-CA" smtClean="0"/>
+              <a:t>1</a:t>
+            </a:fld>
+            <a:endParaRPr lang="en-CA"/>
+          </a:p>
+        </p:txBody>
+      </p:sp>
+    </p:spTree>
+  </p:cSld>
+  <p:clrMapOvr>
+    <a:masterClrMapping/>
+  </p:clrMapOvr>
+</p:notes>
+</file>
+
+<file path=ppt/notesSlides/notesSlide10.xml><?xml version="1.0" encoding="utf-8"?>
+<p:notes xmlns:a="http://schemas.openxmlformats.org/drawingml/2006/main" xmlns:r="http://schemas.openxmlformats.org/officeDocument/2006/relationships" xmlns:p="http://schemas.openxmlformats.org/presentationml/2006/main">
+  <p:cSld>
+    <p:spTree>
+      <p:nvGrpSpPr>
+        <p:cNvPr id="1" name=""/>
+        <p:cNvGrpSpPr/>
+        <p:nvPr/>
+      </p:nvGrpSpPr>
+      <p:grpSpPr>
+        <a:xfrm>
+          <a:off x="0" y="0"/>
+          <a:ext cx="0" cy="0"/>
+          <a:chOff x="0" y="0"/>
+          <a:chExt cx="0" cy="0"/>
+        </a:xfrm>
+      </p:grpSpPr>
+      <p:sp>
+        <p:nvSpPr>
+          <p:cNvPr id="2" name="Slide Image Placeholder 1"/>
+          <p:cNvSpPr>
+            <a:spLocks noGrp="1" noRot="1" noChangeAspect="1"/>
+          </p:cNvSpPr>
+          <p:nvPr>
+            <p:ph type="sldImg"/>
+          </p:nvPr>
+        </p:nvSpPr>
+        <p:spPr/>
+      </p:sp>
+      <p:sp>
+        <p:nvSpPr>
+          <p:cNvPr id="3" name="Notes Placeholder 2"/>
+          <p:cNvSpPr>
+            <a:spLocks noGrp="1"/>
+          </p:cNvSpPr>
+          <p:nvPr>
+            <p:ph type="body" idx="1"/>
+          </p:nvPr>
+        </p:nvSpPr>
+        <p:spPr/>
+        <p:txBody>
+          <a:bodyPr>
+            <a:normAutofit/>
+          </a:bodyPr>
+          <a:lstStyle/>
+          <a:p>
+            <a:r>
+              <a:rPr lang="en-CA" dirty="0" smtClean="0"/>
+              <a:t>The </a:t>
+            </a:r>
+            <a:r>
+              <a:rPr lang="en-CA" baseline="0" dirty="0" smtClean="0"/>
+              <a:t>design concept for the film gate is to sandwich the film between a base plate and a pressure plate. To minimize wear and tear of the film, slots are cut in both plates so only the side edges of the film is in contact. The pressure plate is also spring loaded for a secure press on the film. This design is fairly easy to machine but it is missing any side to side alignment. With film that is this old it is very likely for the film to miss-align by more than thousand of an inch.</a:t>
+            </a:r>
+            <a:endParaRPr lang="en-CA" dirty="0"/>
+          </a:p>
+        </p:txBody>
+      </p:sp>
+      <p:sp>
+        <p:nvSpPr>
+          <p:cNvPr id="4" name="Slide Number Placeholder 3"/>
+          <p:cNvSpPr>
+            <a:spLocks noGrp="1"/>
+          </p:cNvSpPr>
+          <p:nvPr>
+            <p:ph type="sldNum" sz="quarter" idx="10"/>
+          </p:nvPr>
+        </p:nvSpPr>
+        <p:spPr/>
+        <p:txBody>
+          <a:bodyPr/>
+          <a:lstStyle/>
+          <a:p>
+            <a:fld id="{FA2883B2-F0E0-44FD-A520-EAF9511062C8}" type="slidenum">
+              <a:rPr lang="en-CA" smtClean="0"/>
+              <a:t>12</a:t>
+            </a:fld>
+            <a:endParaRPr lang="en-CA"/>
+          </a:p>
+        </p:txBody>
+      </p:sp>
+    </p:spTree>
+  </p:cSld>
+  <p:clrMapOvr>
+    <a:masterClrMapping/>
+  </p:clrMapOvr>
+</p:notes>
+</file>
+
+<file path=ppt/notesSlides/notesSlide11.xml><?xml version="1.0" encoding="utf-8"?>
+<p:notes xmlns:a="http://schemas.openxmlformats.org/drawingml/2006/main" xmlns:r="http://schemas.openxmlformats.org/officeDocument/2006/relationships" xmlns:p="http://schemas.openxmlformats.org/presentationml/2006/main">
+  <p:cSld>
+    <p:spTree>
+      <p:nvGrpSpPr>
+        <p:cNvPr id="1" name=""/>
+        <p:cNvGrpSpPr/>
+        <p:nvPr/>
+      </p:nvGrpSpPr>
+      <p:grpSpPr>
+        <a:xfrm>
+          <a:off x="0" y="0"/>
+          <a:ext cx="0" cy="0"/>
+          <a:chOff x="0" y="0"/>
+          <a:chExt cx="0" cy="0"/>
+        </a:xfrm>
+      </p:grpSpPr>
+      <p:sp>
+        <p:nvSpPr>
+          <p:cNvPr id="2" name="Slide Image Placeholder 1"/>
+          <p:cNvSpPr>
+            <a:spLocks noGrp="1" noRot="1" noChangeAspect="1"/>
+          </p:cNvSpPr>
+          <p:nvPr>
+            <p:ph type="sldImg"/>
+          </p:nvPr>
+        </p:nvSpPr>
+        <p:spPr/>
+      </p:sp>
+      <p:sp>
+        <p:nvSpPr>
+          <p:cNvPr id="3" name="Notes Placeholder 2"/>
+          <p:cNvSpPr>
+            <a:spLocks noGrp="1"/>
+          </p:cNvSpPr>
+          <p:nvPr>
+            <p:ph type="body" idx="1"/>
+          </p:nvPr>
+        </p:nvSpPr>
+        <p:spPr/>
+        <p:txBody>
+          <a:bodyPr>
+            <a:normAutofit/>
+          </a:bodyPr>
+          <a:lstStyle/>
+          <a:p>
+            <a:r>
+              <a:rPr lang="en-CA" dirty="0" smtClean="0"/>
+              <a:t>The second design improves on the first design by adding</a:t>
+            </a:r>
+            <a:r>
+              <a:rPr lang="en-CA" baseline="0" dirty="0" smtClean="0"/>
+              <a:t> a side plate for the side alignment of the film. Similar to the pressure plate on top, the side plate is spring actuated and can be adjusted by turning the screws. The issues with this concept is that the side plate is in contact with the base plate so if there is a gap between the two the film might catch on the device and damage the film. Since the side plate is in a single piece there is also the possibility of the alignment at one end of the gate interfering with the other end.</a:t>
+            </a:r>
+            <a:endParaRPr lang="en-CA" dirty="0"/>
+          </a:p>
+        </p:txBody>
+      </p:sp>
+      <p:sp>
+        <p:nvSpPr>
+          <p:cNvPr id="4" name="Slide Number Placeholder 3"/>
+          <p:cNvSpPr>
+            <a:spLocks noGrp="1"/>
+          </p:cNvSpPr>
+          <p:nvPr>
+            <p:ph type="sldNum" sz="quarter" idx="10"/>
+          </p:nvPr>
+        </p:nvSpPr>
+        <p:spPr/>
+        <p:txBody>
+          <a:bodyPr/>
+          <a:lstStyle/>
+          <a:p>
+            <a:fld id="{FA2883B2-F0E0-44FD-A520-EAF9511062C8}" type="slidenum">
+              <a:rPr lang="en-CA" smtClean="0"/>
+              <a:t>13</a:t>
+            </a:fld>
+            <a:endParaRPr lang="en-CA"/>
+          </a:p>
+        </p:txBody>
+      </p:sp>
+    </p:spTree>
+  </p:cSld>
+  <p:clrMapOvr>
+    <a:masterClrMapping/>
+  </p:clrMapOvr>
+</p:notes>
+</file>
+
+<file path=ppt/notesSlides/notesSlide12.xml><?xml version="1.0" encoding="utf-8"?>
+<p:notes xmlns:a="http://schemas.openxmlformats.org/drawingml/2006/main" xmlns:r="http://schemas.openxmlformats.org/officeDocument/2006/relationships" xmlns:p="http://schemas.openxmlformats.org/presentationml/2006/main">
+  <p:cSld>
+    <p:spTree>
+      <p:nvGrpSpPr>
+        <p:cNvPr id="1" name=""/>
+        <p:cNvGrpSpPr/>
+        <p:nvPr/>
+      </p:nvGrpSpPr>
+      <p:grpSpPr>
+        <a:xfrm>
+          <a:off x="0" y="0"/>
+          <a:ext cx="0" cy="0"/>
+          <a:chOff x="0" y="0"/>
+          <a:chExt cx="0" cy="0"/>
+        </a:xfrm>
+      </p:grpSpPr>
+      <p:sp>
+        <p:nvSpPr>
+          <p:cNvPr id="2" name="Slide Image Placeholder 1"/>
+          <p:cNvSpPr>
+            <a:spLocks noGrp="1" noRot="1" noChangeAspect="1"/>
+          </p:cNvSpPr>
+          <p:nvPr>
+            <p:ph type="sldImg"/>
+          </p:nvPr>
+        </p:nvSpPr>
+        <p:spPr/>
+      </p:sp>
+      <p:sp>
+        <p:nvSpPr>
+          <p:cNvPr id="3" name="Notes Placeholder 2"/>
+          <p:cNvSpPr>
+            <a:spLocks noGrp="1"/>
+          </p:cNvSpPr>
+          <p:nvPr>
+            <p:ph type="body" idx="1"/>
+          </p:nvPr>
+        </p:nvSpPr>
+        <p:spPr/>
+        <p:txBody>
+          <a:bodyPr>
+            <a:normAutofit/>
+          </a:bodyPr>
+          <a:lstStyle/>
+          <a:p>
+            <a:r>
+              <a:rPr lang="en-CA" dirty="0" smtClean="0"/>
+              <a:t>In</a:t>
+            </a:r>
+            <a:r>
+              <a:rPr lang="en-CA" baseline="0" dirty="0" smtClean="0"/>
+              <a:t> the third design attempts were made to fix the issues presented in the second design. The side plate is now split into two for a more flexible and independent alignment. An extra slot is also cut into the base plate for the side plate to overlap, leaving no gaps for the film to catch. This design is the safest in terms of film handling and machine </a:t>
+            </a:r>
+            <a:r>
+              <a:rPr lang="en-CA" baseline="0" dirty="0" err="1" smtClean="0"/>
+              <a:t>tolerancing</a:t>
+            </a:r>
+            <a:r>
+              <a:rPr lang="en-CA" baseline="0" dirty="0" smtClean="0"/>
+              <a:t>.  </a:t>
+            </a:r>
+            <a:endParaRPr lang="en-CA" dirty="0"/>
+          </a:p>
+        </p:txBody>
+      </p:sp>
+      <p:sp>
+        <p:nvSpPr>
+          <p:cNvPr id="4" name="Slide Number Placeholder 3"/>
+          <p:cNvSpPr>
+            <a:spLocks noGrp="1"/>
+          </p:cNvSpPr>
+          <p:nvPr>
+            <p:ph type="sldNum" sz="quarter" idx="10"/>
+          </p:nvPr>
+        </p:nvSpPr>
+        <p:spPr/>
+        <p:txBody>
+          <a:bodyPr/>
+          <a:lstStyle/>
+          <a:p>
+            <a:fld id="{FA2883B2-F0E0-44FD-A520-EAF9511062C8}" type="slidenum">
+              <a:rPr lang="en-CA" smtClean="0"/>
+              <a:t>14</a:t>
+            </a:fld>
+            <a:endParaRPr lang="en-CA"/>
+          </a:p>
+        </p:txBody>
+      </p:sp>
+    </p:spTree>
+  </p:cSld>
+  <p:clrMapOvr>
+    <a:masterClrMapping/>
+  </p:clrMapOvr>
+</p:notes>
+</file>
+
+<file path=ppt/notesSlides/notesSlide13.xml><?xml version="1.0" encoding="utf-8"?>
+<p:notes xmlns:a="http://schemas.openxmlformats.org/drawingml/2006/main" xmlns:r="http://schemas.openxmlformats.org/officeDocument/2006/relationships" xmlns:p="http://schemas.openxmlformats.org/presentationml/2006/main">
+  <p:cSld>
+    <p:spTree>
+      <p:nvGrpSpPr>
+        <p:cNvPr id="1" name=""/>
+        <p:cNvGrpSpPr/>
+        <p:nvPr/>
+      </p:nvGrpSpPr>
+      <p:grpSpPr>
+        <a:xfrm>
+          <a:off x="0" y="0"/>
+          <a:ext cx="0" cy="0"/>
+          <a:chOff x="0" y="0"/>
+          <a:chExt cx="0" cy="0"/>
+        </a:xfrm>
+      </p:grpSpPr>
+      <p:sp>
+        <p:nvSpPr>
+          <p:cNvPr id="2" name="Slide Image Placeholder 1"/>
+          <p:cNvSpPr>
+            <a:spLocks noGrp="1" noRot="1" noChangeAspect="1"/>
+          </p:cNvSpPr>
+          <p:nvPr>
+            <p:ph type="sldImg"/>
+          </p:nvPr>
+        </p:nvSpPr>
+        <p:spPr/>
+      </p:sp>
+      <p:sp>
+        <p:nvSpPr>
+          <p:cNvPr id="3" name="Notes Placeholder 2"/>
+          <p:cNvSpPr>
+            <a:spLocks noGrp="1"/>
+          </p:cNvSpPr>
+          <p:nvPr>
+            <p:ph type="body" idx="1"/>
+          </p:nvPr>
+        </p:nvSpPr>
+        <p:spPr/>
+        <p:txBody>
+          <a:bodyPr>
+            <a:normAutofit/>
+          </a:bodyPr>
+          <a:lstStyle/>
+          <a:p>
+            <a:r>
+              <a:rPr lang="en-CA" dirty="0" smtClean="0"/>
+              <a:t>There are two ways to mount the frame</a:t>
+            </a:r>
+            <a:r>
+              <a:rPr lang="en-CA" baseline="0" dirty="0" smtClean="0"/>
+              <a:t> components. The first is the parallel method as shown before with the camera mount on top. Another concept is to mount it upright so the camera can be mounted at the side. The benefits of the upright method is that it gives you better camera adjustments. However this design is very dependent on the components and it is not very flexible for changes. Therefore the parallel mounting is preferred for the first prototype.</a:t>
+            </a:r>
+            <a:endParaRPr lang="en-CA" dirty="0"/>
+          </a:p>
+        </p:txBody>
+      </p:sp>
+      <p:sp>
+        <p:nvSpPr>
+          <p:cNvPr id="4" name="Slide Number Placeholder 3"/>
+          <p:cNvSpPr>
+            <a:spLocks noGrp="1"/>
+          </p:cNvSpPr>
+          <p:nvPr>
+            <p:ph type="sldNum" sz="quarter" idx="10"/>
+          </p:nvPr>
+        </p:nvSpPr>
+        <p:spPr/>
+        <p:txBody>
+          <a:bodyPr/>
+          <a:lstStyle/>
+          <a:p>
+            <a:fld id="{FA2883B2-F0E0-44FD-A520-EAF9511062C8}" type="slidenum">
+              <a:rPr lang="en-CA" smtClean="0"/>
+              <a:t>15</a:t>
+            </a:fld>
+            <a:endParaRPr lang="en-CA"/>
+          </a:p>
+        </p:txBody>
+      </p:sp>
+    </p:spTree>
+  </p:cSld>
+  <p:clrMapOvr>
+    <a:masterClrMapping/>
+  </p:clrMapOvr>
+</p:notes>
+</file>
+
+<file path=ppt/notesSlides/notesSlide14.xml><?xml version="1.0" encoding="utf-8"?>
+<p:notes xmlns:a="http://schemas.openxmlformats.org/drawingml/2006/main" xmlns:r="http://schemas.openxmlformats.org/officeDocument/2006/relationships" xmlns:p="http://schemas.openxmlformats.org/presentationml/2006/main">
+  <p:cSld>
+    <p:spTree>
+      <p:nvGrpSpPr>
+        <p:cNvPr id="1" name=""/>
+        <p:cNvGrpSpPr/>
+        <p:nvPr/>
+      </p:nvGrpSpPr>
+      <p:grpSpPr>
+        <a:xfrm>
+          <a:off x="0" y="0"/>
+          <a:ext cx="0" cy="0"/>
+          <a:chOff x="0" y="0"/>
+          <a:chExt cx="0" cy="0"/>
+        </a:xfrm>
+      </p:grpSpPr>
+      <p:sp>
+        <p:nvSpPr>
+          <p:cNvPr id="2" name="Slide Image Placeholder 1"/>
+          <p:cNvSpPr>
+            <a:spLocks noGrp="1" noRot="1" noChangeAspect="1"/>
+          </p:cNvSpPr>
+          <p:nvPr>
+            <p:ph type="sldImg"/>
+          </p:nvPr>
+        </p:nvSpPr>
+        <p:spPr/>
+      </p:sp>
+      <p:sp>
+        <p:nvSpPr>
+          <p:cNvPr id="3" name="Notes Placeholder 2"/>
+          <p:cNvSpPr>
+            <a:spLocks noGrp="1"/>
+          </p:cNvSpPr>
+          <p:nvPr>
+            <p:ph type="body" idx="1"/>
+          </p:nvPr>
+        </p:nvSpPr>
+        <p:spPr/>
+        <p:txBody>
+          <a:bodyPr>
+            <a:normAutofit/>
+          </a:bodyPr>
+          <a:lstStyle/>
+          <a:p>
+            <a:r>
+              <a:rPr lang="en-CA" dirty="0" smtClean="0"/>
+              <a:t>The preferred type of light source is LEDs because of its longer lifespan and</a:t>
+            </a:r>
+            <a:r>
+              <a:rPr lang="en-CA" baseline="0" dirty="0" smtClean="0"/>
+              <a:t> low heat output that will last for the long durations of the film transport. They are easily obtainable from flashlight and all needs is a light filter.</a:t>
+            </a:r>
+            <a:endParaRPr lang="en-CA" dirty="0"/>
+          </a:p>
+        </p:txBody>
+      </p:sp>
+      <p:sp>
+        <p:nvSpPr>
+          <p:cNvPr id="4" name="Slide Number Placeholder 3"/>
+          <p:cNvSpPr>
+            <a:spLocks noGrp="1"/>
+          </p:cNvSpPr>
+          <p:nvPr>
+            <p:ph type="sldNum" sz="quarter" idx="10"/>
+          </p:nvPr>
+        </p:nvSpPr>
+        <p:spPr/>
+        <p:txBody>
+          <a:bodyPr/>
+          <a:lstStyle/>
+          <a:p>
+            <a:fld id="{FA2883B2-F0E0-44FD-A520-EAF9511062C8}" type="slidenum">
+              <a:rPr lang="en-CA" smtClean="0"/>
+              <a:t>16</a:t>
+            </a:fld>
+            <a:endParaRPr lang="en-CA"/>
+          </a:p>
+        </p:txBody>
+      </p:sp>
+    </p:spTree>
+  </p:cSld>
+  <p:clrMapOvr>
+    <a:masterClrMapping/>
+  </p:clrMapOvr>
+</p:notes>
+</file>
+
+<file path=ppt/notesSlides/notesSlide15.xml><?xml version="1.0" encoding="utf-8"?>
+<p:notes xmlns:a="http://schemas.openxmlformats.org/drawingml/2006/main" xmlns:r="http://schemas.openxmlformats.org/officeDocument/2006/relationships" xmlns:p="http://schemas.openxmlformats.org/presentationml/2006/main">
+  <p:cSld>
+    <p:spTree>
+      <p:nvGrpSpPr>
+        <p:cNvPr id="1" name=""/>
+        <p:cNvGrpSpPr/>
+        <p:nvPr/>
+      </p:nvGrpSpPr>
+      <p:grpSpPr>
+        <a:xfrm>
+          <a:off x="0" y="0"/>
+          <a:ext cx="0" cy="0"/>
+          <a:chOff x="0" y="0"/>
+          <a:chExt cx="0" cy="0"/>
+        </a:xfrm>
+      </p:grpSpPr>
+      <p:sp>
+        <p:nvSpPr>
+          <p:cNvPr id="2" name="Slide Image Placeholder 1"/>
+          <p:cNvSpPr>
+            <a:spLocks noGrp="1" noRot="1" noChangeAspect="1"/>
+          </p:cNvSpPr>
+          <p:nvPr>
+            <p:ph type="sldImg"/>
+          </p:nvPr>
+        </p:nvSpPr>
+        <p:spPr/>
+      </p:sp>
+      <p:sp>
+        <p:nvSpPr>
+          <p:cNvPr id="3" name="Notes Placeholder 2"/>
+          <p:cNvSpPr>
+            <a:spLocks noGrp="1"/>
+          </p:cNvSpPr>
+          <p:nvPr>
+            <p:ph type="body" idx="1"/>
+          </p:nvPr>
+        </p:nvSpPr>
+        <p:spPr/>
+        <p:txBody>
+          <a:bodyPr>
+            <a:normAutofit/>
+          </a:bodyPr>
+          <a:lstStyle/>
+          <a:p>
+            <a:r>
+              <a:rPr lang="en-CA" dirty="0" smtClean="0"/>
+              <a:t>The choice of</a:t>
+            </a:r>
+            <a:r>
+              <a:rPr lang="en-CA" baseline="0" dirty="0" smtClean="0"/>
+              <a:t> micro controller for the control system is the </a:t>
+            </a:r>
+            <a:r>
+              <a:rPr lang="en-CA" baseline="0" dirty="0" err="1" smtClean="0"/>
+              <a:t>Arduino</a:t>
+            </a:r>
+            <a:r>
+              <a:rPr lang="en-CA" baseline="0" dirty="0" smtClean="0"/>
+              <a:t> Uno due to its ease of implementation, large supporting library and most importantly our past experience with the controller because of the time it would take to get used to a new controller.</a:t>
+            </a:r>
+            <a:endParaRPr lang="en-CA" dirty="0"/>
+          </a:p>
+        </p:txBody>
+      </p:sp>
+      <p:sp>
+        <p:nvSpPr>
+          <p:cNvPr id="4" name="Slide Number Placeholder 3"/>
+          <p:cNvSpPr>
+            <a:spLocks noGrp="1"/>
+          </p:cNvSpPr>
+          <p:nvPr>
+            <p:ph type="sldNum" sz="quarter" idx="10"/>
+          </p:nvPr>
+        </p:nvSpPr>
+        <p:spPr/>
+        <p:txBody>
+          <a:bodyPr/>
+          <a:lstStyle/>
+          <a:p>
+            <a:fld id="{FA2883B2-F0E0-44FD-A520-EAF9511062C8}" type="slidenum">
+              <a:rPr lang="en-CA" smtClean="0"/>
+              <a:t>17</a:t>
+            </a:fld>
+            <a:endParaRPr lang="en-CA"/>
+          </a:p>
+        </p:txBody>
+      </p:sp>
+    </p:spTree>
+  </p:cSld>
+  <p:clrMapOvr>
+    <a:masterClrMapping/>
+  </p:clrMapOvr>
+</p:notes>
+</file>
+
+<file path=ppt/notesSlides/notesSlide16.xml><?xml version="1.0" encoding="utf-8"?>
+<p:notes xmlns:a="http://schemas.openxmlformats.org/drawingml/2006/main" xmlns:r="http://schemas.openxmlformats.org/officeDocument/2006/relationships" xmlns:p="http://schemas.openxmlformats.org/presentationml/2006/main">
+  <p:cSld>
+    <p:spTree>
+      <p:nvGrpSpPr>
+        <p:cNvPr id="1" name=""/>
+        <p:cNvGrpSpPr/>
+        <p:nvPr/>
+      </p:nvGrpSpPr>
+      <p:grpSpPr>
+        <a:xfrm>
+          <a:off x="0" y="0"/>
+          <a:ext cx="0" cy="0"/>
+          <a:chOff x="0" y="0"/>
+          <a:chExt cx="0" cy="0"/>
+        </a:xfrm>
+      </p:grpSpPr>
+      <p:sp>
+        <p:nvSpPr>
+          <p:cNvPr id="2" name="Slide Image Placeholder 1"/>
+          <p:cNvSpPr>
+            <a:spLocks noGrp="1" noRot="1" noChangeAspect="1"/>
+          </p:cNvSpPr>
+          <p:nvPr>
+            <p:ph type="sldImg"/>
+          </p:nvPr>
+        </p:nvSpPr>
+        <p:spPr/>
+      </p:sp>
+      <p:sp>
+        <p:nvSpPr>
+          <p:cNvPr id="3" name="Notes Placeholder 2"/>
+          <p:cNvSpPr>
+            <a:spLocks noGrp="1"/>
+          </p:cNvSpPr>
+          <p:nvPr>
+            <p:ph type="body" idx="1"/>
+          </p:nvPr>
+        </p:nvSpPr>
+        <p:spPr/>
+        <p:txBody>
+          <a:bodyPr>
+            <a:normAutofit/>
+          </a:bodyPr>
+          <a:lstStyle/>
+          <a:p>
+            <a:endParaRPr lang="en-CA"/>
+          </a:p>
+        </p:txBody>
+      </p:sp>
+      <p:sp>
+        <p:nvSpPr>
+          <p:cNvPr id="4" name="Slide Number Placeholder 3"/>
+          <p:cNvSpPr>
+            <a:spLocks noGrp="1"/>
+          </p:cNvSpPr>
+          <p:nvPr>
+            <p:ph type="sldNum" sz="quarter" idx="10"/>
+          </p:nvPr>
+        </p:nvSpPr>
+        <p:spPr/>
+        <p:txBody>
+          <a:bodyPr/>
+          <a:lstStyle/>
+          <a:p>
+            <a:fld id="{FA2883B2-F0E0-44FD-A520-EAF9511062C8}" type="slidenum">
+              <a:rPr lang="en-CA" smtClean="0"/>
+              <a:t>18</a:t>
+            </a:fld>
+            <a:endParaRPr lang="en-CA"/>
+          </a:p>
+        </p:txBody>
+      </p:sp>
+    </p:spTree>
+  </p:cSld>
+  <p:clrMapOvr>
+    <a:masterClrMapping/>
+  </p:clrMapOvr>
+</p:notes>
+</file>
+
+<file path=ppt/notesSlides/notesSlide2.xml><?xml version="1.0" encoding="utf-8"?>
+<p:notes xmlns:a="http://schemas.openxmlformats.org/drawingml/2006/main" xmlns:r="http://schemas.openxmlformats.org/officeDocument/2006/relationships" xmlns:p="http://schemas.openxmlformats.org/presentationml/2006/main">
+  <p:cSld>
+    <p:spTree>
+      <p:nvGrpSpPr>
+        <p:cNvPr id="1" name=""/>
+        <p:cNvGrpSpPr/>
+        <p:nvPr/>
+      </p:nvGrpSpPr>
+      <p:grpSpPr>
+        <a:xfrm>
+          <a:off x="0" y="0"/>
+          <a:ext cx="0" cy="0"/>
+          <a:chOff x="0" y="0"/>
+          <a:chExt cx="0" cy="0"/>
+        </a:xfrm>
+      </p:grpSpPr>
+      <p:sp>
+        <p:nvSpPr>
+          <p:cNvPr id="2" name="Slide Image Placeholder 1"/>
+          <p:cNvSpPr>
+            <a:spLocks noGrp="1" noRot="1" noChangeAspect="1"/>
+          </p:cNvSpPr>
+          <p:nvPr>
+            <p:ph type="sldImg"/>
+          </p:nvPr>
+        </p:nvSpPr>
+        <p:spPr/>
+      </p:sp>
+      <p:sp>
+        <p:nvSpPr>
+          <p:cNvPr id="3" name="Notes Placeholder 2"/>
+          <p:cNvSpPr>
+            <a:spLocks noGrp="1"/>
+          </p:cNvSpPr>
+          <p:nvPr>
+            <p:ph type="body" idx="1"/>
+          </p:nvPr>
+        </p:nvSpPr>
+        <p:spPr/>
+        <p:txBody>
+          <a:bodyPr>
+            <a:normAutofit/>
+          </a:bodyPr>
+          <a:lstStyle/>
+          <a:p>
+            <a:endParaRPr lang="en-CA"/>
+          </a:p>
+        </p:txBody>
+      </p:sp>
+      <p:sp>
+        <p:nvSpPr>
+          <p:cNvPr id="4" name="Slide Number Placeholder 3"/>
+          <p:cNvSpPr>
+            <a:spLocks noGrp="1"/>
+          </p:cNvSpPr>
+          <p:nvPr>
+            <p:ph type="sldNum" sz="quarter" idx="10"/>
+          </p:nvPr>
+        </p:nvSpPr>
+        <p:spPr/>
+        <p:txBody>
+          <a:bodyPr/>
+          <a:lstStyle/>
+          <a:p>
+            <a:fld id="{FA2883B2-F0E0-44FD-A520-EAF9511062C8}" type="slidenum">
+              <a:rPr lang="en-CA" smtClean="0"/>
+              <a:t>2</a:t>
+            </a:fld>
+            <a:endParaRPr lang="en-CA"/>
+          </a:p>
+        </p:txBody>
+      </p:sp>
+    </p:spTree>
+  </p:cSld>
+  <p:clrMapOvr>
+    <a:masterClrMapping/>
+  </p:clrMapOvr>
+</p:notes>
+</file>
+
+<file path=ppt/notesSlides/notesSlide3.xml><?xml version="1.0" encoding="utf-8"?>
+<p:notes xmlns:a="http://schemas.openxmlformats.org/drawingml/2006/main" xmlns:r="http://schemas.openxmlformats.org/officeDocument/2006/relationships" xmlns:p="http://schemas.openxmlformats.org/presentationml/2006/main">
+  <p:cSld>
+    <p:spTree>
+      <p:nvGrpSpPr>
+        <p:cNvPr id="1" name=""/>
+        <p:cNvGrpSpPr/>
+        <p:nvPr/>
+      </p:nvGrpSpPr>
+      <p:grpSpPr>
+        <a:xfrm>
+          <a:off x="0" y="0"/>
+          <a:ext cx="0" cy="0"/>
+          <a:chOff x="0" y="0"/>
+          <a:chExt cx="0" cy="0"/>
+        </a:xfrm>
+      </p:grpSpPr>
+      <p:sp>
+        <p:nvSpPr>
+          <p:cNvPr id="2" name="Slide Image Placeholder 1"/>
+          <p:cNvSpPr>
+            <a:spLocks noGrp="1" noRot="1" noChangeAspect="1"/>
+          </p:cNvSpPr>
+          <p:nvPr>
+            <p:ph type="sldImg"/>
+          </p:nvPr>
+        </p:nvSpPr>
+        <p:spPr/>
+      </p:sp>
+      <p:sp>
+        <p:nvSpPr>
+          <p:cNvPr id="3" name="Notes Placeholder 2"/>
+          <p:cNvSpPr>
+            <a:spLocks noGrp="1"/>
+          </p:cNvSpPr>
+          <p:nvPr>
+            <p:ph type="body" idx="1"/>
+          </p:nvPr>
+        </p:nvSpPr>
+        <p:spPr/>
+        <p:txBody>
+          <a:bodyPr>
+            <a:normAutofit/>
+          </a:bodyPr>
+          <a:lstStyle/>
+          <a:p>
+            <a:endParaRPr lang="en-CA"/>
+          </a:p>
+        </p:txBody>
+      </p:sp>
+      <p:sp>
+        <p:nvSpPr>
+          <p:cNvPr id="4" name="Slide Number Placeholder 3"/>
+          <p:cNvSpPr>
+            <a:spLocks noGrp="1"/>
+          </p:cNvSpPr>
+          <p:nvPr>
+            <p:ph type="sldNum" sz="quarter" idx="10"/>
+          </p:nvPr>
+        </p:nvSpPr>
+        <p:spPr/>
+        <p:txBody>
+          <a:bodyPr/>
+          <a:lstStyle/>
+          <a:p>
+            <a:fld id="{FA2883B2-F0E0-44FD-A520-EAF9511062C8}" type="slidenum">
+              <a:rPr lang="en-CA" smtClean="0"/>
+              <a:t>3</a:t>
+            </a:fld>
+            <a:endParaRPr lang="en-CA"/>
+          </a:p>
+        </p:txBody>
+      </p:sp>
+    </p:spTree>
+  </p:cSld>
+  <p:clrMapOvr>
+    <a:masterClrMapping/>
+  </p:clrMapOvr>
+</p:notes>
+</file>
+
+<file path=ppt/notesSlides/notesSlide4.xml><?xml version="1.0" encoding="utf-8"?>
+<p:notes xmlns:a="http://schemas.openxmlformats.org/drawingml/2006/main" xmlns:r="http://schemas.openxmlformats.org/officeDocument/2006/relationships" xmlns:p="http://schemas.openxmlformats.org/presentationml/2006/main">
+  <p:cSld>
+    <p:spTree>
+      <p:nvGrpSpPr>
+        <p:cNvPr id="1" name=""/>
+        <p:cNvGrpSpPr/>
+        <p:nvPr/>
+      </p:nvGrpSpPr>
+      <p:grpSpPr>
+        <a:xfrm>
+          <a:off x="0" y="0"/>
+          <a:ext cx="0" cy="0"/>
+          <a:chOff x="0" y="0"/>
+          <a:chExt cx="0" cy="0"/>
+        </a:xfrm>
+      </p:grpSpPr>
+      <p:sp>
+        <p:nvSpPr>
+          <p:cNvPr id="2" name="Slide Image Placeholder 1"/>
+          <p:cNvSpPr>
+            <a:spLocks noGrp="1" noRot="1" noChangeAspect="1"/>
+          </p:cNvSpPr>
+          <p:nvPr>
+            <p:ph type="sldImg"/>
+          </p:nvPr>
+        </p:nvSpPr>
+        <p:spPr/>
+      </p:sp>
+      <p:sp>
+        <p:nvSpPr>
+          <p:cNvPr id="3" name="Notes Placeholder 2"/>
+          <p:cNvSpPr>
+            <a:spLocks noGrp="1"/>
+          </p:cNvSpPr>
+          <p:nvPr>
+            <p:ph type="body" idx="1"/>
+          </p:nvPr>
+        </p:nvSpPr>
+        <p:spPr/>
+        <p:txBody>
+          <a:bodyPr>
+            <a:normAutofit/>
+          </a:bodyPr>
+          <a:lstStyle/>
+          <a:p>
+            <a:endParaRPr lang="en-CA"/>
+          </a:p>
+        </p:txBody>
+      </p:sp>
+      <p:sp>
+        <p:nvSpPr>
+          <p:cNvPr id="4" name="Slide Number Placeholder 3"/>
+          <p:cNvSpPr>
+            <a:spLocks noGrp="1"/>
+          </p:cNvSpPr>
+          <p:nvPr>
+            <p:ph type="sldNum" sz="quarter" idx="10"/>
+          </p:nvPr>
+        </p:nvSpPr>
+        <p:spPr/>
+        <p:txBody>
+          <a:bodyPr/>
+          <a:lstStyle/>
+          <a:p>
+            <a:fld id="{FA2883B2-F0E0-44FD-A520-EAF9511062C8}" type="slidenum">
+              <a:rPr lang="en-CA" smtClean="0"/>
+              <a:t>5</a:t>
+            </a:fld>
+            <a:endParaRPr lang="en-CA"/>
+          </a:p>
+        </p:txBody>
+      </p:sp>
+    </p:spTree>
+  </p:cSld>
+  <p:clrMapOvr>
+    <a:masterClrMapping/>
+  </p:clrMapOvr>
+</p:notes>
+</file>
+
+<file path=ppt/notesSlides/notesSlide5.xml><?xml version="1.0" encoding="utf-8"?>
+<p:notes xmlns:a="http://schemas.openxmlformats.org/drawingml/2006/main" xmlns:r="http://schemas.openxmlformats.org/officeDocument/2006/relationships" xmlns:p="http://schemas.openxmlformats.org/presentationml/2006/main">
+  <p:cSld>
+    <p:spTree>
+      <p:nvGrpSpPr>
+        <p:cNvPr id="1" name=""/>
+        <p:cNvGrpSpPr/>
+        <p:nvPr/>
+      </p:nvGrpSpPr>
+      <p:grpSpPr>
+        <a:xfrm>
+          <a:off x="0" y="0"/>
+          <a:ext cx="0" cy="0"/>
+          <a:chOff x="0" y="0"/>
+          <a:chExt cx="0" cy="0"/>
+        </a:xfrm>
+      </p:grpSpPr>
+      <p:sp>
+        <p:nvSpPr>
+          <p:cNvPr id="2" name="Slide Image Placeholder 1"/>
+          <p:cNvSpPr>
+            <a:spLocks noGrp="1" noRot="1" noChangeAspect="1"/>
+          </p:cNvSpPr>
+          <p:nvPr>
+            <p:ph type="sldImg"/>
+          </p:nvPr>
+        </p:nvSpPr>
+        <p:spPr/>
+      </p:sp>
+      <p:sp>
+        <p:nvSpPr>
+          <p:cNvPr id="3" name="Notes Placeholder 2"/>
+          <p:cNvSpPr>
+            <a:spLocks noGrp="1"/>
+          </p:cNvSpPr>
+          <p:nvPr>
+            <p:ph type="body" idx="1"/>
+          </p:nvPr>
+        </p:nvSpPr>
+        <p:spPr/>
+        <p:txBody>
+          <a:bodyPr>
+            <a:normAutofit/>
+          </a:bodyPr>
+          <a:lstStyle/>
+          <a:p>
+            <a:endParaRPr lang="en-CA"/>
+          </a:p>
+        </p:txBody>
+      </p:sp>
+      <p:sp>
+        <p:nvSpPr>
+          <p:cNvPr id="4" name="Slide Number Placeholder 3"/>
+          <p:cNvSpPr>
+            <a:spLocks noGrp="1"/>
+          </p:cNvSpPr>
+          <p:nvPr>
+            <p:ph type="sldNum" sz="quarter" idx="10"/>
+          </p:nvPr>
+        </p:nvSpPr>
+        <p:spPr/>
+        <p:txBody>
+          <a:bodyPr/>
+          <a:lstStyle/>
+          <a:p>
+            <a:fld id="{FA2883B2-F0E0-44FD-A520-EAF9511062C8}" type="slidenum">
+              <a:rPr lang="en-CA" smtClean="0"/>
+              <a:t>7</a:t>
+            </a:fld>
+            <a:endParaRPr lang="en-CA"/>
+          </a:p>
+        </p:txBody>
+      </p:sp>
+    </p:spTree>
+  </p:cSld>
+  <p:clrMapOvr>
+    <a:masterClrMapping/>
+  </p:clrMapOvr>
+</p:notes>
+</file>
+
+<file path=ppt/notesSlides/notesSlide6.xml><?xml version="1.0" encoding="utf-8"?>
+<p:notes xmlns:a="http://schemas.openxmlformats.org/drawingml/2006/main" xmlns:r="http://schemas.openxmlformats.org/officeDocument/2006/relationships" xmlns:p="http://schemas.openxmlformats.org/presentationml/2006/main">
+  <p:cSld>
+    <p:spTree>
+      <p:nvGrpSpPr>
+        <p:cNvPr id="1" name=""/>
+        <p:cNvGrpSpPr/>
+        <p:nvPr/>
+      </p:nvGrpSpPr>
+      <p:grpSpPr>
+        <a:xfrm>
+          <a:off x="0" y="0"/>
+          <a:ext cx="0" cy="0"/>
+          <a:chOff x="0" y="0"/>
+          <a:chExt cx="0" cy="0"/>
+        </a:xfrm>
+      </p:grpSpPr>
+      <p:sp>
+        <p:nvSpPr>
+          <p:cNvPr id="2" name="Slide Image Placeholder 1"/>
+          <p:cNvSpPr>
+            <a:spLocks noGrp="1" noRot="1" noChangeAspect="1"/>
+          </p:cNvSpPr>
+          <p:nvPr>
+            <p:ph type="sldImg"/>
+          </p:nvPr>
+        </p:nvSpPr>
+        <p:spPr/>
+      </p:sp>
+      <p:sp>
+        <p:nvSpPr>
+          <p:cNvPr id="3" name="Notes Placeholder 2"/>
+          <p:cNvSpPr>
+            <a:spLocks noGrp="1"/>
+          </p:cNvSpPr>
+          <p:nvPr>
+            <p:ph type="body" idx="1"/>
+          </p:nvPr>
+        </p:nvSpPr>
+        <p:spPr/>
+        <p:txBody>
+          <a:bodyPr>
+            <a:normAutofit/>
+          </a:bodyPr>
+          <a:lstStyle/>
+          <a:p>
+            <a:endParaRPr lang="en-CA"/>
+          </a:p>
+        </p:txBody>
+      </p:sp>
+      <p:sp>
+        <p:nvSpPr>
+          <p:cNvPr id="4" name="Slide Number Placeholder 3"/>
+          <p:cNvSpPr>
+            <a:spLocks noGrp="1"/>
+          </p:cNvSpPr>
+          <p:nvPr>
+            <p:ph type="sldNum" sz="quarter" idx="10"/>
+          </p:nvPr>
+        </p:nvSpPr>
+        <p:spPr/>
+        <p:txBody>
+          <a:bodyPr/>
+          <a:lstStyle/>
+          <a:p>
+            <a:fld id="{FA2883B2-F0E0-44FD-A520-EAF9511062C8}" type="slidenum">
+              <a:rPr lang="en-CA" smtClean="0"/>
+              <a:t>8</a:t>
+            </a:fld>
+            <a:endParaRPr lang="en-CA"/>
+          </a:p>
+        </p:txBody>
+      </p:sp>
+    </p:spTree>
+  </p:cSld>
+  <p:clrMapOvr>
+    <a:masterClrMapping/>
+  </p:clrMapOvr>
+</p:notes>
+</file>
+
+<file path=ppt/notesSlides/notesSlide7.xml><?xml version="1.0" encoding="utf-8"?>
+<p:notes xmlns:a="http://schemas.openxmlformats.org/drawingml/2006/main" xmlns:r="http://schemas.openxmlformats.org/officeDocument/2006/relationships" xmlns:p="http://schemas.openxmlformats.org/presentationml/2006/main">
+  <p:cSld>
+    <p:spTree>
+      <p:nvGrpSpPr>
+        <p:cNvPr id="1" name=""/>
+        <p:cNvGrpSpPr/>
+        <p:nvPr/>
+      </p:nvGrpSpPr>
+      <p:grpSpPr>
+        <a:xfrm>
+          <a:off x="0" y="0"/>
+          <a:ext cx="0" cy="0"/>
+          <a:chOff x="0" y="0"/>
+          <a:chExt cx="0" cy="0"/>
+        </a:xfrm>
+      </p:grpSpPr>
+      <p:sp>
+        <p:nvSpPr>
+          <p:cNvPr id="2" name="Slide Image Placeholder 1"/>
+          <p:cNvSpPr>
+            <a:spLocks noGrp="1" noRot="1" noChangeAspect="1"/>
+          </p:cNvSpPr>
+          <p:nvPr>
+            <p:ph type="sldImg"/>
+          </p:nvPr>
+        </p:nvSpPr>
+        <p:spPr/>
+      </p:sp>
+      <p:sp>
+        <p:nvSpPr>
+          <p:cNvPr id="3" name="Notes Placeholder 2"/>
+          <p:cNvSpPr>
+            <a:spLocks noGrp="1"/>
+          </p:cNvSpPr>
+          <p:nvPr>
+            <p:ph type="body" idx="1"/>
+          </p:nvPr>
+        </p:nvSpPr>
+        <p:spPr/>
+        <p:txBody>
+          <a:bodyPr>
+            <a:normAutofit/>
+          </a:bodyPr>
+          <a:lstStyle/>
+          <a:p>
+            <a:endParaRPr lang="en-CA"/>
+          </a:p>
+        </p:txBody>
+      </p:sp>
+      <p:sp>
+        <p:nvSpPr>
+          <p:cNvPr id="4" name="Slide Number Placeholder 3"/>
+          <p:cNvSpPr>
+            <a:spLocks noGrp="1"/>
+          </p:cNvSpPr>
+          <p:nvPr>
+            <p:ph type="sldNum" sz="quarter" idx="10"/>
+          </p:nvPr>
+        </p:nvSpPr>
+        <p:spPr/>
+        <p:txBody>
+          <a:bodyPr/>
+          <a:lstStyle/>
+          <a:p>
+            <a:fld id="{FA2883B2-F0E0-44FD-A520-EAF9511062C8}" type="slidenum">
+              <a:rPr lang="en-CA" smtClean="0"/>
+              <a:t>9</a:t>
+            </a:fld>
+            <a:endParaRPr lang="en-CA"/>
+          </a:p>
+        </p:txBody>
+      </p:sp>
+    </p:spTree>
+  </p:cSld>
+  <p:clrMapOvr>
+    <a:masterClrMapping/>
+  </p:clrMapOvr>
+</p:notes>
+</file>
+
+<file path=ppt/notesSlides/notesSlide8.xml><?xml version="1.0" encoding="utf-8"?>
+<p:notes xmlns:a="http://schemas.openxmlformats.org/drawingml/2006/main" xmlns:r="http://schemas.openxmlformats.org/officeDocument/2006/relationships" xmlns:p="http://schemas.openxmlformats.org/presentationml/2006/main">
+  <p:cSld>
+    <p:spTree>
+      <p:nvGrpSpPr>
+        <p:cNvPr id="1" name=""/>
+        <p:cNvGrpSpPr/>
+        <p:nvPr/>
+      </p:nvGrpSpPr>
+      <p:grpSpPr>
+        <a:xfrm>
+          <a:off x="0" y="0"/>
+          <a:ext cx="0" cy="0"/>
+          <a:chOff x="0" y="0"/>
+          <a:chExt cx="0" cy="0"/>
+        </a:xfrm>
+      </p:grpSpPr>
+      <p:sp>
+        <p:nvSpPr>
+          <p:cNvPr id="2" name="Slide Image Placeholder 1"/>
+          <p:cNvSpPr>
+            <a:spLocks noGrp="1" noRot="1" noChangeAspect="1"/>
+          </p:cNvSpPr>
+          <p:nvPr>
+            <p:ph type="sldImg"/>
+          </p:nvPr>
+        </p:nvSpPr>
+        <p:spPr/>
+      </p:sp>
+      <p:sp>
+        <p:nvSpPr>
+          <p:cNvPr id="3" name="Notes Placeholder 2"/>
+          <p:cNvSpPr>
+            <a:spLocks noGrp="1"/>
+          </p:cNvSpPr>
+          <p:nvPr>
+            <p:ph type="body" idx="1"/>
+          </p:nvPr>
+        </p:nvSpPr>
+        <p:spPr/>
+        <p:txBody>
+          <a:bodyPr>
+            <a:normAutofit/>
+          </a:bodyPr>
+          <a:lstStyle/>
+          <a:p>
+            <a:endParaRPr lang="en-CA"/>
+          </a:p>
+        </p:txBody>
+      </p:sp>
+      <p:sp>
+        <p:nvSpPr>
+          <p:cNvPr id="4" name="Slide Number Placeholder 3"/>
+          <p:cNvSpPr>
+            <a:spLocks noGrp="1"/>
+          </p:cNvSpPr>
+          <p:nvPr>
+            <p:ph type="sldNum" sz="quarter" idx="10"/>
+          </p:nvPr>
+        </p:nvSpPr>
+        <p:spPr/>
+        <p:txBody>
+          <a:bodyPr/>
+          <a:lstStyle/>
+          <a:p>
+            <a:fld id="{FA2883B2-F0E0-44FD-A520-EAF9511062C8}" type="slidenum">
+              <a:rPr lang="en-CA" smtClean="0"/>
+              <a:t>10</a:t>
+            </a:fld>
+            <a:endParaRPr lang="en-CA"/>
+          </a:p>
+        </p:txBody>
+      </p:sp>
+    </p:spTree>
+  </p:cSld>
+  <p:clrMapOvr>
+    <a:masterClrMapping/>
+  </p:clrMapOvr>
+</p:notes>
+</file>
+
+<file path=ppt/notesSlides/notesSlide9.xml><?xml version="1.0" encoding="utf-8"?>
+<p:notes xmlns:a="http://schemas.openxmlformats.org/drawingml/2006/main" xmlns:r="http://schemas.openxmlformats.org/officeDocument/2006/relationships" xmlns:p="http://schemas.openxmlformats.org/presentationml/2006/main">
+  <p:cSld>
+    <p:spTree>
+      <p:nvGrpSpPr>
+        <p:cNvPr id="1" name=""/>
+        <p:cNvGrpSpPr/>
+        <p:nvPr/>
+      </p:nvGrpSpPr>
+      <p:grpSpPr>
+        <a:xfrm>
+          <a:off x="0" y="0"/>
+          <a:ext cx="0" cy="0"/>
+          <a:chOff x="0" y="0"/>
+          <a:chExt cx="0" cy="0"/>
+        </a:xfrm>
+      </p:grpSpPr>
+      <p:sp>
+        <p:nvSpPr>
+          <p:cNvPr id="2" name="Slide Image Placeholder 1"/>
+          <p:cNvSpPr>
+            <a:spLocks noGrp="1" noRot="1" noChangeAspect="1"/>
+          </p:cNvSpPr>
+          <p:nvPr>
+            <p:ph type="sldImg"/>
+          </p:nvPr>
+        </p:nvSpPr>
+        <p:spPr/>
+      </p:sp>
+      <p:sp>
+        <p:nvSpPr>
+          <p:cNvPr id="3" name="Notes Placeholder 2"/>
+          <p:cNvSpPr>
+            <a:spLocks noGrp="1"/>
+          </p:cNvSpPr>
+          <p:nvPr>
+            <p:ph type="body" idx="1"/>
+          </p:nvPr>
+        </p:nvSpPr>
+        <p:spPr/>
+        <p:txBody>
+          <a:bodyPr>
+            <a:normAutofit/>
+          </a:bodyPr>
+          <a:lstStyle/>
+          <a:p>
+            <a:r>
+              <a:rPr lang="en-CA" dirty="0" smtClean="0"/>
+              <a:t>The purpose of a film gate is to align and center the film while the image being projected through a hole in the film gate. In most projectors the film gate also advances the film using a claw mechanism driven</a:t>
+            </a:r>
+            <a:r>
+              <a:rPr lang="en-CA" baseline="0" dirty="0" smtClean="0"/>
+              <a:t> by a cam as shown in the diagram above. However for this project the advancement of the film is to be driven by a stepper motor. Therefore the objective for this mechanism is to strictly center and align the film within an error less than a thousandth of an inch and let the film slide across the gate with minimum wear on the film.</a:t>
+            </a:r>
+            <a:endParaRPr lang="en-CA" dirty="0"/>
+          </a:p>
+        </p:txBody>
+      </p:sp>
+      <p:sp>
+        <p:nvSpPr>
+          <p:cNvPr id="4" name="Slide Number Placeholder 3"/>
+          <p:cNvSpPr>
+            <a:spLocks noGrp="1"/>
+          </p:cNvSpPr>
+          <p:nvPr>
+            <p:ph type="sldNum" sz="quarter" idx="10"/>
+          </p:nvPr>
+        </p:nvSpPr>
+        <p:spPr/>
+        <p:txBody>
+          <a:bodyPr/>
+          <a:lstStyle/>
+          <a:p>
+            <a:fld id="{FA2883B2-F0E0-44FD-A520-EAF9511062C8}" type="slidenum">
+              <a:rPr lang="en-CA" smtClean="0"/>
+              <a:t>11</a:t>
+            </a:fld>
+            <a:endParaRPr lang="en-CA"/>
+          </a:p>
+        </p:txBody>
+      </p:sp>
+    </p:spTree>
+  </p:cSld>
+  <p:clrMapOvr>
+    <a:masterClrMapping/>
+  </p:clrMapOvr>
+</p:notes>
+</file>
+
 <file path=ppt/slideLayouts/slideLayout1.xml><?xml version="1.0" encoding="utf-8"?>
-<p:sldLayout xmlns:a="http://schemas.openxmlformats.org/drawingml/2006/main" xmlns:r="http://schemas.openxmlformats.org/officeDocument/2006/relationships" xmlns:mc="http://schemas.openxmlformats.org/markup-compatibility/2006" xmlns:mv="urn:schemas-microsoft-com:mac:vml" xmlns:p="http://schemas.openxmlformats.org/presentationml/2006/main" mc:Ignorable="mv" mc:PreserveAttributes="mv:*" showMasterSp="0" type="title" preserve="1">
+<p:sldLayout xmlns:a="http://schemas.openxmlformats.org/drawingml/2006/main" xmlns:r="http://schemas.openxmlformats.org/officeDocument/2006/relationships" xmlns:p="http://schemas.openxmlformats.org/presentationml/2006/main" showMasterSp="0" type="title" preserve="1">
   <p:cSld name="Title Slide">
     <p:spTree>
       <p:nvGrpSpPr>
@@ -731,7 +2456,8 @@
           <a:p>
             <a:fld id="{F9E71D15-EF41-4106-960D-154254672CEF}" type="datetimeFigureOut">
               <a:rPr lang="en-US" smtClean="0"/>
-              <a:t>5/29/12</a:t>
+              <a:pPr/>
+              <a:t>6/1/2012</a:t>
             </a:fld>
             <a:endParaRPr lang="en-US"/>
           </a:p>
@@ -791,6 +2517,7 @@
           <a:p>
             <a:fld id="{CB2E8A02-3747-4021-B451-3751975C80F6}" type="slidenum">
               <a:rPr lang="en-US" smtClean="0"/>
+              <a:pPr/>
               <a:t>‹#›</a:t>
             </a:fld>
             <a:endParaRPr lang="en-US"/>
@@ -806,7 +2533,7 @@
 </file>
 
 <file path=ppt/slideLayouts/slideLayout10.xml><?xml version="1.0" encoding="utf-8"?>
-<p:sldLayout xmlns:a="http://schemas.openxmlformats.org/drawingml/2006/main" xmlns:r="http://schemas.openxmlformats.org/officeDocument/2006/relationships" xmlns:mc="http://schemas.openxmlformats.org/markup-compatibility/2006" xmlns:mv="urn:schemas-microsoft-com:mac:vml" xmlns:p="http://schemas.openxmlformats.org/presentationml/2006/main" mc:Ignorable="mv" mc:PreserveAttributes="mv:*" type="vertTx" preserve="1">
+<p:sldLayout xmlns:a="http://schemas.openxmlformats.org/drawingml/2006/main" xmlns:r="http://schemas.openxmlformats.org/officeDocument/2006/relationships" xmlns:p="http://schemas.openxmlformats.org/presentationml/2006/main" type="vertTx" preserve="1">
   <p:cSld name="Title and Vertical Text">
     <p:spTree>
       <p:nvGrpSpPr>
@@ -919,7 +2646,8 @@
           <a:p>
             <a:fld id="{F9E71D15-EF41-4106-960D-154254672CEF}" type="datetimeFigureOut">
               <a:rPr lang="en-US" smtClean="0"/>
-              <a:t>5/29/12</a:t>
+              <a:pPr/>
+              <a:t>6/1/2012</a:t>
             </a:fld>
             <a:endParaRPr lang="en-US"/>
           </a:p>
@@ -961,6 +2689,7 @@
           <a:p>
             <a:fld id="{CB2E8A02-3747-4021-B451-3751975C80F6}" type="slidenum">
               <a:rPr lang="en-US" smtClean="0"/>
+              <a:pPr/>
               <a:t>‹#›</a:t>
             </a:fld>
             <a:endParaRPr lang="en-US"/>
@@ -976,7 +2705,7 @@
 </file>
 
 <file path=ppt/slideLayouts/slideLayout11.xml><?xml version="1.0" encoding="utf-8"?>
-<p:sldLayout xmlns:a="http://schemas.openxmlformats.org/drawingml/2006/main" xmlns:r="http://schemas.openxmlformats.org/officeDocument/2006/relationships" xmlns:mc="http://schemas.openxmlformats.org/markup-compatibility/2006" xmlns:mv="urn:schemas-microsoft-com:mac:vml" xmlns:p="http://schemas.openxmlformats.org/presentationml/2006/main" mc:Ignorable="mv" mc:PreserveAttributes="mv:*" type="vertTitleAndTx" preserve="1">
+<p:sldLayout xmlns:a="http://schemas.openxmlformats.org/drawingml/2006/main" xmlns:r="http://schemas.openxmlformats.org/officeDocument/2006/relationships" xmlns:p="http://schemas.openxmlformats.org/presentationml/2006/main" type="vertTitleAndTx" preserve="1">
   <p:cSld name="Vertical Title and Text">
     <p:spTree>
       <p:nvGrpSpPr>
@@ -1094,7 +2823,8 @@
           <a:p>
             <a:fld id="{F9E71D15-EF41-4106-960D-154254672CEF}" type="datetimeFigureOut">
               <a:rPr lang="en-US" smtClean="0"/>
-              <a:t>5/29/12</a:t>
+              <a:pPr/>
+              <a:t>6/1/2012</a:t>
             </a:fld>
             <a:endParaRPr lang="en-US"/>
           </a:p>
@@ -1136,6 +2866,7 @@
           <a:p>
             <a:fld id="{CB2E8A02-3747-4021-B451-3751975C80F6}" type="slidenum">
               <a:rPr lang="en-US" smtClean="0"/>
+              <a:pPr/>
               <a:t>‹#›</a:t>
             </a:fld>
             <a:endParaRPr lang="en-US"/>
@@ -1151,7 +2882,7 @@
 </file>
 
 <file path=ppt/slideLayouts/slideLayout2.xml><?xml version="1.0" encoding="utf-8"?>
-<p:sldLayout xmlns:a="http://schemas.openxmlformats.org/drawingml/2006/main" xmlns:r="http://schemas.openxmlformats.org/officeDocument/2006/relationships" xmlns:mc="http://schemas.openxmlformats.org/markup-compatibility/2006" xmlns:mv="urn:schemas-microsoft-com:mac:vml" xmlns:p="http://schemas.openxmlformats.org/presentationml/2006/main" mc:Ignorable="mv" mc:PreserveAttributes="mv:*" type="obj" preserve="1">
+<p:sldLayout xmlns:a="http://schemas.openxmlformats.org/drawingml/2006/main" xmlns:r="http://schemas.openxmlformats.org/officeDocument/2006/relationships" xmlns:p="http://schemas.openxmlformats.org/presentationml/2006/main" type="obj" preserve="1">
   <p:cSld name="Title and Content">
     <p:spTree>
       <p:nvGrpSpPr>
@@ -1236,7 +2967,8 @@
           <a:p>
             <a:fld id="{F9E71D15-EF41-4106-960D-154254672CEF}" type="datetimeFigureOut">
               <a:rPr lang="en-US" smtClean="0"/>
-              <a:t>5/29/12</a:t>
+              <a:pPr/>
+              <a:t>6/1/2012</a:t>
             </a:fld>
             <a:endParaRPr lang="en-US"/>
           </a:p>
@@ -1278,6 +3010,7 @@
           <a:p>
             <a:fld id="{CB2E8A02-3747-4021-B451-3751975C80F6}" type="slidenum">
               <a:rPr lang="en-US" smtClean="0"/>
+              <a:pPr/>
               <a:t>‹#›</a:t>
             </a:fld>
             <a:endParaRPr lang="en-US"/>
@@ -1316,7 +3049,7 @@
 </file>
 
 <file path=ppt/slideLayouts/slideLayout3.xml><?xml version="1.0" encoding="utf-8"?>
-<p:sldLayout xmlns:a="http://schemas.openxmlformats.org/drawingml/2006/main" xmlns:r="http://schemas.openxmlformats.org/officeDocument/2006/relationships" xmlns:mc="http://schemas.openxmlformats.org/markup-compatibility/2006" xmlns:mv="urn:schemas-microsoft-com:mac:vml" xmlns:p="http://schemas.openxmlformats.org/presentationml/2006/main" mc:Ignorable="mv" mc:PreserveAttributes="mv:*" type="secHead" preserve="1">
+<p:sldLayout xmlns:a="http://schemas.openxmlformats.org/drawingml/2006/main" xmlns:r="http://schemas.openxmlformats.org/officeDocument/2006/relationships" xmlns:p="http://schemas.openxmlformats.org/presentationml/2006/main" type="secHead" preserve="1">
   <p:cSld name="Section Header">
     <p:bg>
       <p:bgRef idx="1002">
@@ -1481,7 +3214,8 @@
           <a:p>
             <a:fld id="{F9E71D15-EF41-4106-960D-154254672CEF}" type="datetimeFigureOut">
               <a:rPr lang="en-US" smtClean="0"/>
-              <a:t>5/29/12</a:t>
+              <a:pPr/>
+              <a:t>6/1/2012</a:t>
             </a:fld>
             <a:endParaRPr lang="en-US"/>
           </a:p>
@@ -1523,6 +3257,7 @@
           <a:p>
             <a:fld id="{CB2E8A02-3747-4021-B451-3751975C80F6}" type="slidenum">
               <a:rPr lang="en-US" smtClean="0"/>
+              <a:pPr/>
               <a:t>‹#›</a:t>
             </a:fld>
             <a:endParaRPr lang="en-US"/>
@@ -1694,7 +3429,7 @@
 </file>
 
 <file path=ppt/slideLayouts/slideLayout4.xml><?xml version="1.0" encoding="utf-8"?>
-<p:sldLayout xmlns:a="http://schemas.openxmlformats.org/drawingml/2006/main" xmlns:r="http://schemas.openxmlformats.org/officeDocument/2006/relationships" xmlns:mc="http://schemas.openxmlformats.org/markup-compatibility/2006" xmlns:mv="urn:schemas-microsoft-com:mac:vml" xmlns:p="http://schemas.openxmlformats.org/presentationml/2006/main" mc:Ignorable="mv" mc:PreserveAttributes="mv:*" type="twoObj" preserve="1">
+<p:sldLayout xmlns:a="http://schemas.openxmlformats.org/drawingml/2006/main" xmlns:r="http://schemas.openxmlformats.org/officeDocument/2006/relationships" xmlns:p="http://schemas.openxmlformats.org/presentationml/2006/main" type="twoObj" preserve="1">
   <p:cSld name="Two Content">
     <p:bg>
       <p:bgRef idx="1002">
@@ -1878,7 +3613,8 @@
           <a:p>
             <a:fld id="{F9E71D15-EF41-4106-960D-154254672CEF}" type="datetimeFigureOut">
               <a:rPr lang="en-US" smtClean="0"/>
-              <a:t>5/29/12</a:t>
+              <a:pPr/>
+              <a:t>6/1/2012</a:t>
             </a:fld>
             <a:endParaRPr lang="en-US"/>
           </a:p>
@@ -1920,6 +3656,7 @@
           <a:p>
             <a:fld id="{CB2E8A02-3747-4021-B451-3751975C80F6}" type="slidenum">
               <a:rPr lang="en-US" smtClean="0"/>
+              <a:pPr/>
               <a:t>‹#›</a:t>
             </a:fld>
             <a:endParaRPr lang="en-US"/>
@@ -1958,7 +3695,7 @@
 </file>
 
 <file path=ppt/slideLayouts/slideLayout5.xml><?xml version="1.0" encoding="utf-8"?>
-<p:sldLayout xmlns:a="http://schemas.openxmlformats.org/drawingml/2006/main" xmlns:r="http://schemas.openxmlformats.org/officeDocument/2006/relationships" xmlns:mc="http://schemas.openxmlformats.org/markup-compatibility/2006" xmlns:mv="urn:schemas-microsoft-com:mac:vml" xmlns:p="http://schemas.openxmlformats.org/presentationml/2006/main" mc:Ignorable="mv" mc:PreserveAttributes="mv:*" showMasterSp="0" type="twoTxTwoObj" preserve="1">
+<p:sldLayout xmlns:a="http://schemas.openxmlformats.org/drawingml/2006/main" xmlns:r="http://schemas.openxmlformats.org/officeDocument/2006/relationships" xmlns:p="http://schemas.openxmlformats.org/presentationml/2006/main" showMasterSp="0" type="twoTxTwoObj" preserve="1">
   <p:cSld name="Comparison">
     <p:bg>
       <p:bgRef idx="1003">
@@ -2311,7 +4048,8 @@
           <a:p>
             <a:fld id="{F9E71D15-EF41-4106-960D-154254672CEF}" type="datetimeFigureOut">
               <a:rPr lang="en-US" smtClean="0"/>
-              <a:t>5/29/12</a:t>
+              <a:pPr/>
+              <a:t>6/1/2012</a:t>
             </a:fld>
             <a:endParaRPr lang="en-US"/>
           </a:p>
@@ -2353,6 +4091,7 @@
           <a:p>
             <a:fld id="{CB2E8A02-3747-4021-B451-3751975C80F6}" type="slidenum">
               <a:rPr lang="en-US" smtClean="0"/>
+              <a:pPr/>
               <a:t>‹#›</a:t>
             </a:fld>
             <a:endParaRPr lang="en-US"/>
@@ -2368,7 +4107,7 @@
 </file>
 
 <file path=ppt/slideLayouts/slideLayout6.xml><?xml version="1.0" encoding="utf-8"?>
-<p:sldLayout xmlns:a="http://schemas.openxmlformats.org/drawingml/2006/main" xmlns:r="http://schemas.openxmlformats.org/officeDocument/2006/relationships" xmlns:mc="http://schemas.openxmlformats.org/markup-compatibility/2006" xmlns:mv="urn:schemas-microsoft-com:mac:vml" xmlns:p="http://schemas.openxmlformats.org/presentationml/2006/main" mc:Ignorable="mv" mc:PreserveAttributes="mv:*" type="titleOnly" preserve="1">
+<p:sldLayout xmlns:a="http://schemas.openxmlformats.org/drawingml/2006/main" xmlns:r="http://schemas.openxmlformats.org/officeDocument/2006/relationships" xmlns:p="http://schemas.openxmlformats.org/presentationml/2006/main" type="titleOnly" preserve="1">
   <p:cSld name="Title Only">
     <p:bg>
       <p:bgRef idx="1002">
@@ -2406,7 +4145,8 @@
           <a:p>
             <a:fld id="{F9E71D15-EF41-4106-960D-154254672CEF}" type="datetimeFigureOut">
               <a:rPr lang="en-US" smtClean="0"/>
-              <a:t>5/29/12</a:t>
+              <a:pPr/>
+              <a:t>6/1/2012</a:t>
             </a:fld>
             <a:endParaRPr lang="en-US"/>
           </a:p>
@@ -2448,6 +4188,7 @@
           <a:p>
             <a:fld id="{CB2E8A02-3747-4021-B451-3751975C80F6}" type="slidenum">
               <a:rPr lang="en-US" smtClean="0"/>
+              <a:pPr/>
               <a:t>‹#›</a:t>
             </a:fld>
             <a:endParaRPr lang="en-US"/>
@@ -2486,7 +4227,7 @@
 </file>
 
 <file path=ppt/slideLayouts/slideLayout7.xml><?xml version="1.0" encoding="utf-8"?>
-<p:sldLayout xmlns:a="http://schemas.openxmlformats.org/drawingml/2006/main" xmlns:r="http://schemas.openxmlformats.org/officeDocument/2006/relationships" xmlns:mc="http://schemas.openxmlformats.org/markup-compatibility/2006" xmlns:mv="urn:schemas-microsoft-com:mac:vml" xmlns:p="http://schemas.openxmlformats.org/presentationml/2006/main" mc:Ignorable="mv" mc:PreserveAttributes="mv:*" type="blank" preserve="1">
+<p:sldLayout xmlns:a="http://schemas.openxmlformats.org/drawingml/2006/main" xmlns:r="http://schemas.openxmlformats.org/officeDocument/2006/relationships" xmlns:p="http://schemas.openxmlformats.org/presentationml/2006/main" type="blank" preserve="1">
   <p:cSld name="Blank">
     <p:spTree>
       <p:nvGrpSpPr>
@@ -2519,7 +4260,8 @@
           <a:p>
             <a:fld id="{F9E71D15-EF41-4106-960D-154254672CEF}" type="datetimeFigureOut">
               <a:rPr lang="en-US" smtClean="0"/>
-              <a:t>5/29/12</a:t>
+              <a:pPr/>
+              <a:t>6/1/2012</a:t>
             </a:fld>
             <a:endParaRPr lang="en-US"/>
           </a:p>
@@ -2561,6 +4303,7 @@
           <a:p>
             <a:fld id="{CB2E8A02-3747-4021-B451-3751975C80F6}" type="slidenum">
               <a:rPr lang="en-US" smtClean="0"/>
+              <a:pPr/>
               <a:t>‹#›</a:t>
             </a:fld>
             <a:endParaRPr lang="en-US"/>
@@ -2576,7 +4319,7 @@
 </file>
 
 <file path=ppt/slideLayouts/slideLayout8.xml><?xml version="1.0" encoding="utf-8"?>
-<p:sldLayout xmlns:a="http://schemas.openxmlformats.org/drawingml/2006/main" xmlns:r="http://schemas.openxmlformats.org/officeDocument/2006/relationships" xmlns:mc="http://schemas.openxmlformats.org/markup-compatibility/2006" xmlns:mv="urn:schemas-microsoft-com:mac:vml" xmlns:p="http://schemas.openxmlformats.org/presentationml/2006/main" mc:Ignorable="mv" mc:PreserveAttributes="mv:*" showMasterSp="0" type="objTx" preserve="1">
+<p:sldLayout xmlns:a="http://schemas.openxmlformats.org/drawingml/2006/main" xmlns:r="http://schemas.openxmlformats.org/officeDocument/2006/relationships" xmlns:p="http://schemas.openxmlformats.org/presentationml/2006/main" showMasterSp="0" type="objTx" preserve="1">
   <p:cSld name="Content with Caption">
     <p:bg>
       <p:bgRef idx="1003">
@@ -2784,7 +4527,8 @@
           <a:p>
             <a:fld id="{F9E71D15-EF41-4106-960D-154254672CEF}" type="datetimeFigureOut">
               <a:rPr lang="en-US" smtClean="0"/>
-              <a:t>5/29/12</a:t>
+              <a:pPr/>
+              <a:t>6/1/2012</a:t>
             </a:fld>
             <a:endParaRPr lang="en-US"/>
           </a:p>
@@ -2826,6 +4570,7 @@
           <a:p>
             <a:fld id="{CB2E8A02-3747-4021-B451-3751975C80F6}" type="slidenum">
               <a:rPr lang="en-US" smtClean="0"/>
+              <a:pPr/>
               <a:t>‹#›</a:t>
             </a:fld>
             <a:endParaRPr lang="en-US"/>
@@ -2841,7 +4586,7 @@
 </file>
 
 <file path=ppt/slideLayouts/slideLayout9.xml><?xml version="1.0" encoding="utf-8"?>
-<p:sldLayout xmlns:a="http://schemas.openxmlformats.org/drawingml/2006/main" xmlns:r="http://schemas.openxmlformats.org/officeDocument/2006/relationships" xmlns:mc="http://schemas.openxmlformats.org/markup-compatibility/2006" xmlns:mv="urn:schemas-microsoft-com:mac:vml" xmlns:p="http://schemas.openxmlformats.org/presentationml/2006/main" mc:Ignorable="mv" mc:PreserveAttributes="mv:*" showMasterSp="0" type="picTx" preserve="1">
+<p:sldLayout xmlns:a="http://schemas.openxmlformats.org/drawingml/2006/main" xmlns:r="http://schemas.openxmlformats.org/officeDocument/2006/relationships" xmlns:p="http://schemas.openxmlformats.org/presentationml/2006/main" showMasterSp="0" type="picTx" preserve="1">
   <p:cSld name="Picture with Caption">
     <p:bg>
       <p:bgRef idx="1002">
@@ -2982,7 +4727,8 @@
           <a:p>
             <a:fld id="{F9E71D15-EF41-4106-960D-154254672CEF}" type="datetimeFigureOut">
               <a:rPr lang="en-US" smtClean="0"/>
-              <a:t>5/29/12</a:t>
+              <a:pPr/>
+              <a:t>6/1/2012</a:t>
             </a:fld>
             <a:endParaRPr lang="en-US"/>
           </a:p>
@@ -3045,6 +4791,7 @@
           <a:p>
             <a:fld id="{CB2E8A02-3747-4021-B451-3751975C80F6}" type="slidenum">
               <a:rPr lang="en-US" smtClean="0"/>
+              <a:pPr/>
               <a:t>‹#›</a:t>
             </a:fld>
             <a:endParaRPr lang="en-US"/>
@@ -3587,7 +5334,7 @@
 </file>
 
 <file path=ppt/slideMasters/slideMaster1.xml><?xml version="1.0" encoding="utf-8"?>
-<p:sldMaster xmlns:a="http://schemas.openxmlformats.org/drawingml/2006/main" xmlns:r="http://schemas.openxmlformats.org/officeDocument/2006/relationships" xmlns:mc="http://schemas.openxmlformats.org/markup-compatibility/2006" xmlns:mv="urn:schemas-microsoft-com:mac:vml" xmlns:p="http://schemas.openxmlformats.org/presentationml/2006/main" mc:Ignorable="mv" mc:PreserveAttributes="mv:*">
+<p:sldMaster xmlns:a="http://schemas.openxmlformats.org/drawingml/2006/main" xmlns:r="http://schemas.openxmlformats.org/officeDocument/2006/relationships" xmlns:p="http://schemas.openxmlformats.org/presentationml/2006/main">
   <p:cSld>
     <p:bg>
       <p:bgRef idx="1001">
@@ -4067,7 +5814,8 @@
           <a:p>
             <a:fld id="{F9E71D15-EF41-4106-960D-154254672CEF}" type="datetimeFigureOut">
               <a:rPr lang="en-US" smtClean="0"/>
-              <a:t>5/29/12</a:t>
+              <a:pPr/>
+              <a:t>6/1/2012</a:t>
             </a:fld>
             <a:endParaRPr lang="en-US"/>
           </a:p>
@@ -4141,6 +5889,7 @@
           <a:p>
             <a:fld id="{CB2E8A02-3747-4021-B451-3751975C80F6}" type="slidenum">
               <a:rPr lang="en-US" smtClean="0"/>
+              <a:pPr/>
               <a:t>‹#›</a:t>
             </a:fld>
             <a:endParaRPr lang="en-US"/>
@@ -4453,7 +6202,7 @@
 </file>
 
 <file path=ppt/slides/slide1.xml><?xml version="1.0" encoding="utf-8"?>
-<p:sld xmlns:a="http://schemas.openxmlformats.org/drawingml/2006/main" xmlns:r="http://schemas.openxmlformats.org/officeDocument/2006/relationships" xmlns:mc="http://schemas.openxmlformats.org/markup-compatibility/2006" xmlns:mv="urn:schemas-microsoft-com:mac:vml" xmlns:p="http://schemas.openxmlformats.org/presentationml/2006/main" mc:Ignorable="mv" mc:PreserveAttributes="mv:*">
+<p:sld xmlns:a="http://schemas.openxmlformats.org/drawingml/2006/main" xmlns:r="http://schemas.openxmlformats.org/officeDocument/2006/relationships" xmlns:p="http://schemas.openxmlformats.org/presentationml/2006/main">
   <p:cSld>
     <p:spTree>
       <p:nvGrpSpPr>
@@ -4550,7 +6299,7 @@
 </file>
 
 <file path=ppt/slides/slide10.xml><?xml version="1.0" encoding="utf-8"?>
-<p:sld xmlns:a="http://schemas.openxmlformats.org/drawingml/2006/main" xmlns:r="http://schemas.openxmlformats.org/officeDocument/2006/relationships" xmlns:mc="http://schemas.openxmlformats.org/markup-compatibility/2006" xmlns:mv="urn:schemas-microsoft-com:mac:vml" xmlns:p="http://schemas.openxmlformats.org/presentationml/2006/main" mc:Ignorable="mv" mc:PreserveAttributes="mv:*">
+<p:sld xmlns:a="http://schemas.openxmlformats.org/drawingml/2006/main" xmlns:r="http://schemas.openxmlformats.org/officeDocument/2006/relationships" xmlns:p="http://schemas.openxmlformats.org/presentationml/2006/main" show="0">
   <p:cSld>
     <p:spTree>
       <p:nvGrpSpPr>
@@ -4648,7 +6397,7 @@
           </p:nvPr>
         </p:nvPicPr>
         <p:blipFill>
-          <a:blip r:embed="rId2" cstate="print"/>
+          <a:blip r:embed="rId3" cstate="print"/>
           <a:srcRect l="-19463" r="-19463"/>
           <a:stretch>
             <a:fillRect/>
@@ -4678,7 +6427,7 @@
           </p:nvPr>
         </p:nvPicPr>
         <p:blipFill>
-          <a:blip r:embed="rId3" cstate="print"/>
+          <a:blip r:embed="rId4" cstate="print"/>
           <a:srcRect t="-2302" b="-2302"/>
           <a:stretch>
             <a:fillRect/>
@@ -4702,11 +6451,12 @@
   <p:clrMapOvr>
     <a:masterClrMapping/>
   </p:clrMapOvr>
+  <p:transition/>
 </p:sld>
 </file>
 
 <file path=ppt/slides/slide11.xml><?xml version="1.0" encoding="utf-8"?>
-<p:sld xmlns:a="http://schemas.openxmlformats.org/drawingml/2006/main" xmlns:r="http://schemas.openxmlformats.org/officeDocument/2006/relationships" xmlns:mc="http://schemas.openxmlformats.org/markup-compatibility/2006" xmlns:mv="urn:schemas-microsoft-com:mac:vml" xmlns:p="http://schemas.openxmlformats.org/presentationml/2006/main" mc:Ignorable="mv" mc:PreserveAttributes="mv:*">
+<p:sld xmlns:a="http://schemas.openxmlformats.org/drawingml/2006/main" xmlns:r="http://schemas.openxmlformats.org/officeDocument/2006/relationships" xmlns:p="http://schemas.openxmlformats.org/presentationml/2006/main">
   <p:cSld>
     <p:spTree>
       <p:nvGrpSpPr>
@@ -4741,7 +6491,7 @@
           <a:p>
             <a:r>
               <a:rPr lang="en-US" dirty="0" smtClean="0"/>
-              <a:t>Rollers… Mounts… LED bank</a:t>
+              <a:t>Film Gates</a:t>
             </a:r>
             <a:endParaRPr lang="en-US" dirty="0"/>
           </a:p>
@@ -4806,16 +6556,124 @@
           </a:p>
         </p:txBody>
       </p:sp>
+      <p:pic>
+        <p:nvPicPr>
+          <p:cNvPr id="41985" name="Picture 1"/>
+          <p:cNvPicPr>
+            <a:picLocks noChangeAspect="1" noChangeArrowheads="1"/>
+          </p:cNvPicPr>
+          <p:nvPr/>
+        </p:nvPicPr>
+        <p:blipFill>
+          <a:blip r:embed="rId3"/>
+          <a:srcRect/>
+          <a:stretch>
+            <a:fillRect/>
+          </a:stretch>
+        </p:blipFill>
+        <p:spPr bwMode="auto">
+          <a:xfrm>
+            <a:off x="4933846" y="3643314"/>
+            <a:ext cx="3624367" cy="2909886"/>
+          </a:xfrm>
+          <a:prstGeom prst="rect">
+            <a:avLst/>
+          </a:prstGeom>
+          <a:noFill/>
+          <a:ln w="9525">
+            <a:noFill/>
+            <a:miter lim="800000"/>
+            <a:headEnd/>
+            <a:tailEnd/>
+          </a:ln>
+          <a:effectLst/>
+        </p:spPr>
+      </p:pic>
+      <p:pic>
+        <p:nvPicPr>
+          <p:cNvPr id="41986" name="Picture 2"/>
+          <p:cNvPicPr>
+            <a:picLocks noChangeAspect="1" noChangeArrowheads="1"/>
+          </p:cNvPicPr>
+          <p:nvPr/>
+        </p:nvPicPr>
+        <p:blipFill>
+          <a:blip r:embed="rId4"/>
+          <a:srcRect/>
+          <a:stretch>
+            <a:fillRect/>
+          </a:stretch>
+        </p:blipFill>
+        <p:spPr bwMode="auto">
+          <a:xfrm>
+            <a:off x="633409" y="1243029"/>
+            <a:ext cx="3438525" cy="4543425"/>
+          </a:xfrm>
+          <a:prstGeom prst="rect">
+            <a:avLst/>
+          </a:prstGeom>
+          <a:noFill/>
+          <a:ln w="9525">
+            <a:solidFill>
+              <a:schemeClr val="tx1"/>
+            </a:solidFill>
+            <a:miter lim="800000"/>
+            <a:headEnd/>
+            <a:tailEnd/>
+          </a:ln>
+          <a:effectLst/>
+        </p:spPr>
+      </p:pic>
+      <p:pic>
+        <p:nvPicPr>
+          <p:cNvPr id="41987" name="Picture 3"/>
+          <p:cNvPicPr>
+            <a:picLocks noChangeAspect="1" noChangeArrowheads="1"/>
+          </p:cNvPicPr>
+          <p:nvPr/>
+        </p:nvPicPr>
+        <p:blipFill>
+          <a:blip r:embed="rId5"/>
+          <a:srcRect/>
+          <a:stretch>
+            <a:fillRect/>
+          </a:stretch>
+        </p:blipFill>
+        <p:spPr bwMode="auto">
+          <a:xfrm>
+            <a:off x="4451003" y="1243029"/>
+            <a:ext cx="4235797" cy="2400285"/>
+          </a:xfrm>
+          <a:prstGeom prst="rect">
+            <a:avLst/>
+          </a:prstGeom>
+          <a:noFill/>
+          <a:ln w="9525">
+            <a:noFill/>
+            <a:miter lim="800000"/>
+            <a:headEnd/>
+            <a:tailEnd/>
+          </a:ln>
+          <a:effectLst/>
+        </p:spPr>
+      </p:pic>
     </p:spTree>
   </p:cSld>
   <p:clrMapOvr>
     <a:masterClrMapping/>
   </p:clrMapOvr>
+  <p:timing>
+    <p:tnLst>
+      <p:par>
+        <p:cTn id="1" dur="indefinite" restart="never" nodeType="tmRoot"/>
+      </p:par>
+    </p:tnLst>
+  </p:timing>
 </p:sld>
 </file>
 
-<file path=ppt/slides/slide2.xml><?xml version="1.0" encoding="utf-8"?>
-<p:sld xmlns:a="http://schemas.openxmlformats.org/drawingml/2006/main" xmlns:r="http://schemas.openxmlformats.org/officeDocument/2006/relationships" xmlns:mc="http://schemas.openxmlformats.org/markup-compatibility/2006" xmlns:mv="urn:schemas-microsoft-com:mac:vml" xmlns:p="http://schemas.openxmlformats.org/presentationml/2006/main" mc:Ignorable="mv" mc:PreserveAttributes="mv:*">
+<file path=ppt/slides/slide12.xml><?xml version="1.0" encoding="utf-8"?>
+<p:sld xmlns:a="http://schemas.openxmlformats.org/drawingml/2006/main" xmlns:r="http://schemas.openxmlformats.org/officeDocument/2006/relationships" xmlns:p="http://schemas.openxmlformats.org/presentationml/2006/main">
   <p:cSld>
     <p:spTree>
       <p:nvGrpSpPr>
@@ -4833,6 +6691,2232 @@
       </p:grpSpPr>
       <p:sp>
         <p:nvSpPr>
+          <p:cNvPr id="3" name="Title 2"/>
+          <p:cNvSpPr>
+            <a:spLocks noGrp="1"/>
+          </p:cNvSpPr>
+          <p:nvPr>
+            <p:ph type="title"/>
+          </p:nvPr>
+        </p:nvSpPr>
+        <p:spPr/>
+        <p:txBody>
+          <a:bodyPr/>
+          <a:lstStyle/>
+          <a:p>
+            <a:r>
+              <a:rPr lang="en-CA" dirty="0" err="1" smtClean="0"/>
+              <a:t>Flim</a:t>
+            </a:r>
+            <a:r>
+              <a:rPr lang="en-CA" dirty="0" smtClean="0"/>
+              <a:t> Gate – Design #1</a:t>
+            </a:r>
+            <a:endParaRPr lang="en-CA" dirty="0"/>
+          </a:p>
+        </p:txBody>
+      </p:sp>
+      <p:pic>
+        <p:nvPicPr>
+          <p:cNvPr id="4" name="Picture 3"/>
+          <p:cNvPicPr/>
+          <p:nvPr/>
+        </p:nvPicPr>
+        <p:blipFill>
+          <a:blip r:embed="rId3">
+            <a:clrChange>
+              <a:clrFrom>
+                <a:srgbClr val="C3C8D2"/>
+              </a:clrFrom>
+              <a:clrTo>
+                <a:srgbClr val="C3C8D2">
+                  <a:alpha val="0"/>
+                </a:srgbClr>
+              </a:clrTo>
+            </a:clrChange>
+          </a:blip>
+          <a:srcRect/>
+          <a:stretch>
+            <a:fillRect/>
+          </a:stretch>
+        </p:blipFill>
+        <p:spPr bwMode="auto">
+          <a:xfrm>
+            <a:off x="2786050" y="1214422"/>
+            <a:ext cx="6500858" cy="5474246"/>
+          </a:xfrm>
+          <a:prstGeom prst="rect">
+            <a:avLst/>
+          </a:prstGeom>
+          <a:noFill/>
+          <a:ln w="9525">
+            <a:noFill/>
+            <a:miter lim="800000"/>
+            <a:headEnd/>
+            <a:tailEnd/>
+          </a:ln>
+        </p:spPr>
+      </p:pic>
+      <p:sp>
+        <p:nvSpPr>
+          <p:cNvPr id="5" name="Content Placeholder 7"/>
+          <p:cNvSpPr>
+            <a:spLocks noGrp="1"/>
+          </p:cNvSpPr>
+          <p:nvPr>
+            <p:ph idx="1"/>
+          </p:nvPr>
+        </p:nvSpPr>
+        <p:spPr>
+          <a:xfrm>
+            <a:off x="457201" y="1417638"/>
+            <a:ext cx="2686040" cy="4525963"/>
+          </a:xfrm>
+        </p:spPr>
+        <p:txBody>
+          <a:bodyPr>
+            <a:normAutofit/>
+          </a:bodyPr>
+          <a:lstStyle/>
+          <a:p>
+            <a:r>
+              <a:rPr lang="en-US" dirty="0" smtClean="0"/>
+              <a:t>Pressure plate on top</a:t>
+            </a:r>
+          </a:p>
+          <a:p>
+            <a:endParaRPr lang="en-US" dirty="0" smtClean="0"/>
+          </a:p>
+          <a:p>
+            <a:r>
+              <a:rPr lang="en-US" dirty="0" smtClean="0"/>
+              <a:t>Easier to machine</a:t>
+            </a:r>
+          </a:p>
+          <a:p>
+            <a:endParaRPr lang="en-US" dirty="0" smtClean="0"/>
+          </a:p>
+          <a:p>
+            <a:r>
+              <a:rPr lang="en-US" dirty="0" smtClean="0"/>
+              <a:t>Missing side to side alignment</a:t>
+            </a:r>
+            <a:endParaRPr lang="en-US" dirty="0"/>
+          </a:p>
+        </p:txBody>
+      </p:sp>
+    </p:spTree>
+  </p:cSld>
+  <p:clrMapOvr>
+    <a:masterClrMapping/>
+  </p:clrMapOvr>
+</p:sld>
+</file>
+
+<file path=ppt/slides/slide13.xml><?xml version="1.0" encoding="utf-8"?>
+<p:sld xmlns:a="http://schemas.openxmlformats.org/drawingml/2006/main" xmlns:r="http://schemas.openxmlformats.org/officeDocument/2006/relationships" xmlns:p="http://schemas.openxmlformats.org/presentationml/2006/main">
+  <p:cSld>
+    <p:spTree>
+      <p:nvGrpSpPr>
+        <p:cNvPr id="1" name=""/>
+        <p:cNvGrpSpPr/>
+        <p:nvPr/>
+      </p:nvGrpSpPr>
+      <p:grpSpPr>
+        <a:xfrm>
+          <a:off x="0" y="0"/>
+          <a:ext cx="0" cy="0"/>
+          <a:chOff x="0" y="0"/>
+          <a:chExt cx="0" cy="0"/>
+        </a:xfrm>
+      </p:grpSpPr>
+      <p:sp>
+        <p:nvSpPr>
+          <p:cNvPr id="2" name="Content Placeholder 1"/>
+          <p:cNvSpPr>
+            <a:spLocks noGrp="1"/>
+          </p:cNvSpPr>
+          <p:nvPr>
+            <p:ph idx="1"/>
+          </p:nvPr>
+        </p:nvSpPr>
+        <p:spPr>
+          <a:xfrm>
+            <a:off x="457200" y="1481328"/>
+            <a:ext cx="2614602" cy="4525963"/>
+          </a:xfrm>
+        </p:spPr>
+        <p:txBody>
+          <a:bodyPr/>
+          <a:lstStyle/>
+          <a:p>
+            <a:r>
+              <a:rPr lang="en-CA" dirty="0" smtClean="0"/>
+              <a:t>Forced side alignment</a:t>
+            </a:r>
+          </a:p>
+          <a:p>
+            <a:endParaRPr lang="en-CA" dirty="0" smtClean="0"/>
+          </a:p>
+          <a:p>
+            <a:r>
+              <a:rPr lang="en-CA" dirty="0" smtClean="0"/>
+              <a:t>Similar to pressure plate design</a:t>
+            </a:r>
+          </a:p>
+          <a:p>
+            <a:endParaRPr lang="en-CA" dirty="0" smtClean="0"/>
+          </a:p>
+          <a:p>
+            <a:r>
+              <a:rPr lang="en-CA" dirty="0" smtClean="0"/>
+              <a:t>Possible film catching</a:t>
+            </a:r>
+          </a:p>
+          <a:p>
+            <a:endParaRPr lang="en-CA" dirty="0" smtClean="0"/>
+          </a:p>
+          <a:p>
+            <a:endParaRPr lang="en-CA" dirty="0"/>
+          </a:p>
+        </p:txBody>
+      </p:sp>
+      <p:sp>
+        <p:nvSpPr>
+          <p:cNvPr id="3" name="Title 2"/>
+          <p:cNvSpPr>
+            <a:spLocks noGrp="1"/>
+          </p:cNvSpPr>
+          <p:nvPr>
+            <p:ph type="title"/>
+          </p:nvPr>
+        </p:nvSpPr>
+        <p:spPr/>
+        <p:txBody>
+          <a:bodyPr/>
+          <a:lstStyle/>
+          <a:p>
+            <a:r>
+              <a:rPr lang="en-CA" dirty="0" smtClean="0"/>
+              <a:t>Film Gate – Design #2</a:t>
+            </a:r>
+            <a:endParaRPr lang="en-CA" dirty="0"/>
+          </a:p>
+        </p:txBody>
+      </p:sp>
+      <p:pic>
+        <p:nvPicPr>
+          <p:cNvPr id="4" name="Picture 3"/>
+          <p:cNvPicPr/>
+          <p:nvPr/>
+        </p:nvPicPr>
+        <p:blipFill>
+          <a:blip r:embed="rId3">
+            <a:clrChange>
+              <a:clrFrom>
+                <a:srgbClr val="C3C8D2"/>
+              </a:clrFrom>
+              <a:clrTo>
+                <a:srgbClr val="C3C8D2">
+                  <a:alpha val="0"/>
+                </a:srgbClr>
+              </a:clrTo>
+            </a:clrChange>
+          </a:blip>
+          <a:srcRect/>
+          <a:stretch>
+            <a:fillRect/>
+          </a:stretch>
+        </p:blipFill>
+        <p:spPr bwMode="auto">
+          <a:xfrm>
+            <a:off x="2856048" y="1299846"/>
+            <a:ext cx="6430860" cy="5415302"/>
+          </a:xfrm>
+          <a:prstGeom prst="rect">
+            <a:avLst/>
+          </a:prstGeom>
+          <a:noFill/>
+          <a:ln w="9525">
+            <a:noFill/>
+            <a:miter lim="800000"/>
+            <a:headEnd/>
+            <a:tailEnd/>
+          </a:ln>
+        </p:spPr>
+      </p:pic>
+      <p:sp>
+        <p:nvSpPr>
+          <p:cNvPr id="5" name="Oval 4"/>
+          <p:cNvSpPr/>
+          <p:nvPr/>
+        </p:nvSpPr>
+        <p:spPr>
+          <a:xfrm>
+            <a:off x="7072330" y="3143248"/>
+            <a:ext cx="714380" cy="714380"/>
+          </a:xfrm>
+          <a:prstGeom prst="ellipse">
+            <a:avLst/>
+          </a:prstGeom>
+          <a:noFill/>
+          <a:ln w="76200">
+            <a:solidFill>
+              <a:srgbClr val="FF0000"/>
+            </a:solidFill>
+          </a:ln>
+        </p:spPr>
+        <p:style>
+          <a:lnRef idx="1">
+            <a:schemeClr val="accent1"/>
+          </a:lnRef>
+          <a:fillRef idx="3">
+            <a:schemeClr val="accent1"/>
+          </a:fillRef>
+          <a:effectRef idx="2">
+            <a:schemeClr val="accent1"/>
+          </a:effectRef>
+          <a:fontRef idx="minor">
+            <a:schemeClr val="lt1"/>
+          </a:fontRef>
+        </p:style>
+        <p:txBody>
+          <a:bodyPr rtlCol="0" anchor="ctr"/>
+          <a:lstStyle/>
+          <a:p>
+            <a:pPr algn="ctr"/>
+            <a:endParaRPr lang="en-CA"/>
+          </a:p>
+        </p:txBody>
+      </p:sp>
+    </p:spTree>
+  </p:cSld>
+  <p:clrMapOvr>
+    <a:masterClrMapping/>
+  </p:clrMapOvr>
+</p:sld>
+</file>
+
+<file path=ppt/slides/slide14.xml><?xml version="1.0" encoding="utf-8"?>
+<p:sld xmlns:a="http://schemas.openxmlformats.org/drawingml/2006/main" xmlns:r="http://schemas.openxmlformats.org/officeDocument/2006/relationships" xmlns:p="http://schemas.openxmlformats.org/presentationml/2006/main">
+  <p:cSld>
+    <p:spTree>
+      <p:nvGrpSpPr>
+        <p:cNvPr id="1" name=""/>
+        <p:cNvGrpSpPr/>
+        <p:nvPr/>
+      </p:nvGrpSpPr>
+      <p:grpSpPr>
+        <a:xfrm>
+          <a:off x="0" y="0"/>
+          <a:ext cx="0" cy="0"/>
+          <a:chOff x="0" y="0"/>
+          <a:chExt cx="0" cy="0"/>
+        </a:xfrm>
+      </p:grpSpPr>
+      <p:sp>
+        <p:nvSpPr>
+          <p:cNvPr id="2" name="Content Placeholder 1"/>
+          <p:cNvSpPr>
+            <a:spLocks noGrp="1"/>
+          </p:cNvSpPr>
+          <p:nvPr>
+            <p:ph idx="1"/>
+          </p:nvPr>
+        </p:nvSpPr>
+        <p:spPr>
+          <a:xfrm>
+            <a:off x="457200" y="1481328"/>
+            <a:ext cx="2971792" cy="4525963"/>
+          </a:xfrm>
+        </p:spPr>
+        <p:txBody>
+          <a:bodyPr/>
+          <a:lstStyle/>
+          <a:p>
+            <a:r>
+              <a:rPr lang="en-CA" dirty="0" smtClean="0"/>
+              <a:t>Flexible 2 piece side alignment</a:t>
+            </a:r>
+          </a:p>
+          <a:p>
+            <a:endParaRPr lang="en-CA" dirty="0" smtClean="0"/>
+          </a:p>
+          <a:p>
+            <a:r>
+              <a:rPr lang="en-CA" dirty="0" smtClean="0"/>
+              <a:t>Slot on the base plate for side plate to overlap</a:t>
+            </a:r>
+          </a:p>
+          <a:p>
+            <a:endParaRPr lang="en-CA" dirty="0" smtClean="0"/>
+          </a:p>
+          <a:p>
+            <a:r>
+              <a:rPr lang="en-CA" dirty="0" smtClean="0"/>
+              <a:t>More machine tolerance</a:t>
+            </a:r>
+          </a:p>
+          <a:p>
+            <a:endParaRPr lang="en-CA" dirty="0" smtClean="0"/>
+          </a:p>
+          <a:p>
+            <a:endParaRPr lang="en-CA" dirty="0"/>
+          </a:p>
+        </p:txBody>
+      </p:sp>
+      <p:sp>
+        <p:nvSpPr>
+          <p:cNvPr id="3" name="Title 2"/>
+          <p:cNvSpPr>
+            <a:spLocks noGrp="1"/>
+          </p:cNvSpPr>
+          <p:nvPr>
+            <p:ph type="title"/>
+          </p:nvPr>
+        </p:nvSpPr>
+        <p:spPr/>
+        <p:txBody>
+          <a:bodyPr/>
+          <a:lstStyle/>
+          <a:p>
+            <a:r>
+              <a:rPr lang="en-CA" dirty="0" smtClean="0"/>
+              <a:t>Film Gate – Design #3</a:t>
+            </a:r>
+            <a:endParaRPr lang="en-CA" dirty="0"/>
+          </a:p>
+        </p:txBody>
+      </p:sp>
+      <p:pic>
+        <p:nvPicPr>
+          <p:cNvPr id="4" name="Picture 3"/>
+          <p:cNvPicPr/>
+          <p:nvPr/>
+        </p:nvPicPr>
+        <p:blipFill>
+          <a:blip r:embed="rId3">
+            <a:clrChange>
+              <a:clrFrom>
+                <a:srgbClr val="C3C8D2"/>
+              </a:clrFrom>
+              <a:clrTo>
+                <a:srgbClr val="C3C8D2">
+                  <a:alpha val="0"/>
+                </a:srgbClr>
+              </a:clrTo>
+            </a:clrChange>
+          </a:blip>
+          <a:srcRect/>
+          <a:stretch>
+            <a:fillRect/>
+          </a:stretch>
+        </p:blipFill>
+        <p:spPr bwMode="auto">
+          <a:xfrm>
+            <a:off x="2714612" y="1156970"/>
+            <a:ext cx="6430860" cy="5415302"/>
+          </a:xfrm>
+          <a:prstGeom prst="rect">
+            <a:avLst/>
+          </a:prstGeom>
+          <a:noFill/>
+          <a:ln w="9525">
+            <a:noFill/>
+            <a:miter lim="800000"/>
+            <a:headEnd/>
+            <a:tailEnd/>
+          </a:ln>
+        </p:spPr>
+      </p:pic>
+      <p:cxnSp>
+        <p:nvCxnSpPr>
+          <p:cNvPr id="6" name="Straight Arrow Connector 5"/>
+          <p:cNvCxnSpPr/>
+          <p:nvPr/>
+        </p:nvCxnSpPr>
+        <p:spPr>
+          <a:xfrm rot="16200000" flipV="1">
+            <a:off x="7215207" y="4071942"/>
+            <a:ext cx="928694" cy="928694"/>
+          </a:xfrm>
+          <a:prstGeom prst="straightConnector1">
+            <a:avLst/>
+          </a:prstGeom>
+          <a:ln>
+            <a:tailEnd type="arrow"/>
+          </a:ln>
+        </p:spPr>
+        <p:style>
+          <a:lnRef idx="2">
+            <a:schemeClr val="accent1"/>
+          </a:lnRef>
+          <a:fillRef idx="0">
+            <a:schemeClr val="accent1"/>
+          </a:fillRef>
+          <a:effectRef idx="1">
+            <a:schemeClr val="accent1"/>
+          </a:effectRef>
+          <a:fontRef idx="minor">
+            <a:schemeClr val="tx1"/>
+          </a:fontRef>
+        </p:style>
+      </p:cxnSp>
+    </p:spTree>
+  </p:cSld>
+  <p:clrMapOvr>
+    <a:masterClrMapping/>
+  </p:clrMapOvr>
+</p:sld>
+</file>
+
+<file path=ppt/slides/slide15.xml><?xml version="1.0" encoding="utf-8"?>
+<p:sld xmlns:a="http://schemas.openxmlformats.org/drawingml/2006/main" xmlns:r="http://schemas.openxmlformats.org/officeDocument/2006/relationships" xmlns:p="http://schemas.openxmlformats.org/presentationml/2006/main">
+  <p:cSld>
+    <p:spTree>
+      <p:nvGrpSpPr>
+        <p:cNvPr id="1" name=""/>
+        <p:cNvGrpSpPr/>
+        <p:nvPr/>
+      </p:nvGrpSpPr>
+      <p:grpSpPr>
+        <a:xfrm>
+          <a:off x="0" y="0"/>
+          <a:ext cx="0" cy="0"/>
+          <a:chOff x="0" y="0"/>
+          <a:chExt cx="0" cy="0"/>
+        </a:xfrm>
+      </p:grpSpPr>
+      <p:sp>
+        <p:nvSpPr>
+          <p:cNvPr id="3" name="Title 2"/>
+          <p:cNvSpPr>
+            <a:spLocks noGrp="1"/>
+          </p:cNvSpPr>
+          <p:nvPr>
+            <p:ph type="title"/>
+          </p:nvPr>
+        </p:nvSpPr>
+        <p:spPr/>
+        <p:txBody>
+          <a:bodyPr>
+            <a:normAutofit/>
+          </a:bodyPr>
+          <a:lstStyle/>
+          <a:p>
+            <a:r>
+              <a:rPr lang="en-CA" dirty="0" smtClean="0"/>
+              <a:t>Frame &amp; Component </a:t>
+            </a:r>
+            <a:r>
+              <a:rPr lang="en-CA" dirty="0" smtClean="0"/>
+              <a:t>M</a:t>
+            </a:r>
+            <a:r>
+              <a:rPr lang="en-CA" dirty="0" smtClean="0"/>
+              <a:t>ounting</a:t>
+            </a:r>
+            <a:endParaRPr lang="en-CA" dirty="0"/>
+          </a:p>
+        </p:txBody>
+      </p:sp>
+      <p:pic>
+        <p:nvPicPr>
+          <p:cNvPr id="5" name="Picture 4"/>
+          <p:cNvPicPr/>
+          <p:nvPr/>
+        </p:nvPicPr>
+        <p:blipFill>
+          <a:blip r:embed="rId3"/>
+          <a:srcRect/>
+          <a:stretch>
+            <a:fillRect/>
+          </a:stretch>
+        </p:blipFill>
+        <p:spPr bwMode="auto">
+          <a:xfrm>
+            <a:off x="457200" y="1417638"/>
+            <a:ext cx="5257808" cy="3225808"/>
+          </a:xfrm>
+          <a:prstGeom prst="rect">
+            <a:avLst/>
+          </a:prstGeom>
+          <a:noFill/>
+          <a:ln w="9525">
+            <a:noFill/>
+            <a:miter lim="800000"/>
+            <a:headEnd/>
+            <a:tailEnd/>
+          </a:ln>
+        </p:spPr>
+      </p:pic>
+      <p:pic>
+        <p:nvPicPr>
+          <p:cNvPr id="6" name="Picture 5"/>
+          <p:cNvPicPr/>
+          <p:nvPr/>
+        </p:nvPicPr>
+        <p:blipFill>
+          <a:blip r:embed="rId4">
+            <a:clrChange>
+              <a:clrFrom>
+                <a:srgbClr val="FFFFFF"/>
+              </a:clrFrom>
+              <a:clrTo>
+                <a:srgbClr val="FFFFFF">
+                  <a:alpha val="0"/>
+                </a:srgbClr>
+              </a:clrTo>
+            </a:clrChange>
+          </a:blip>
+          <a:srcRect/>
+          <a:stretch>
+            <a:fillRect/>
+          </a:stretch>
+        </p:blipFill>
+        <p:spPr bwMode="auto">
+          <a:xfrm>
+            <a:off x="3500430" y="3429000"/>
+            <a:ext cx="5472122" cy="2894535"/>
+          </a:xfrm>
+          <a:prstGeom prst="rect">
+            <a:avLst/>
+          </a:prstGeom>
+          <a:noFill/>
+          <a:ln w="9525">
+            <a:noFill/>
+            <a:miter lim="800000"/>
+            <a:headEnd/>
+            <a:tailEnd/>
+          </a:ln>
+        </p:spPr>
+      </p:pic>
+    </p:spTree>
+  </p:cSld>
+  <p:clrMapOvr>
+    <a:masterClrMapping/>
+  </p:clrMapOvr>
+</p:sld>
+</file>
+
+<file path=ppt/slides/slide16.xml><?xml version="1.0" encoding="utf-8"?>
+<p:sld xmlns:a="http://schemas.openxmlformats.org/drawingml/2006/main" xmlns:r="http://schemas.openxmlformats.org/officeDocument/2006/relationships" xmlns:p="http://schemas.openxmlformats.org/presentationml/2006/main">
+  <p:cSld>
+    <p:spTree>
+      <p:nvGrpSpPr>
+        <p:cNvPr id="1" name=""/>
+        <p:cNvGrpSpPr/>
+        <p:nvPr/>
+      </p:nvGrpSpPr>
+      <p:grpSpPr>
+        <a:xfrm>
+          <a:off x="0" y="0"/>
+          <a:ext cx="0" cy="0"/>
+          <a:chOff x="0" y="0"/>
+          <a:chExt cx="0" cy="0"/>
+        </a:xfrm>
+      </p:grpSpPr>
+      <p:sp>
+        <p:nvSpPr>
+          <p:cNvPr id="2" name="Content Placeholder 1"/>
+          <p:cNvSpPr>
+            <a:spLocks noGrp="1"/>
+          </p:cNvSpPr>
+          <p:nvPr>
+            <p:ph idx="1"/>
+          </p:nvPr>
+        </p:nvSpPr>
+        <p:spPr>
+          <a:xfrm>
+            <a:off x="457200" y="1481328"/>
+            <a:ext cx="2686040" cy="4525963"/>
+          </a:xfrm>
+        </p:spPr>
+        <p:txBody>
+          <a:bodyPr/>
+          <a:lstStyle/>
+          <a:p>
+            <a:r>
+              <a:rPr lang="en-CA" dirty="0" smtClean="0"/>
+              <a:t>LEDs with light filter</a:t>
+            </a:r>
+          </a:p>
+          <a:p>
+            <a:endParaRPr lang="en-CA" dirty="0" smtClean="0"/>
+          </a:p>
+          <a:p>
+            <a:r>
+              <a:rPr lang="en-CA" dirty="0" smtClean="0"/>
+              <a:t>Available in flashlights</a:t>
+            </a:r>
+          </a:p>
+          <a:p>
+            <a:endParaRPr lang="en-CA" dirty="0" smtClean="0"/>
+          </a:p>
+          <a:p>
+            <a:r>
+              <a:rPr lang="en-CA" dirty="0" smtClean="0"/>
+              <a:t>Long lasting</a:t>
+            </a:r>
+          </a:p>
+          <a:p>
+            <a:endParaRPr lang="en-CA" dirty="0" smtClean="0"/>
+          </a:p>
+          <a:p>
+            <a:r>
+              <a:rPr lang="en-CA" dirty="0" smtClean="0"/>
+              <a:t>Low heat output</a:t>
+            </a:r>
+            <a:endParaRPr lang="en-CA" dirty="0"/>
+          </a:p>
+        </p:txBody>
+      </p:sp>
+      <p:sp>
+        <p:nvSpPr>
+          <p:cNvPr id="3" name="Title 2"/>
+          <p:cNvSpPr>
+            <a:spLocks noGrp="1"/>
+          </p:cNvSpPr>
+          <p:nvPr>
+            <p:ph type="title"/>
+          </p:nvPr>
+        </p:nvSpPr>
+        <p:spPr/>
+        <p:txBody>
+          <a:bodyPr/>
+          <a:lstStyle/>
+          <a:p>
+            <a:r>
+              <a:rPr lang="en-CA" dirty="0" smtClean="0"/>
+              <a:t>Illumination</a:t>
+            </a:r>
+            <a:endParaRPr lang="en-CA" dirty="0"/>
+          </a:p>
+        </p:txBody>
+      </p:sp>
+      <p:graphicFrame>
+        <p:nvGraphicFramePr>
+          <p:cNvPr id="4" name="Table 3"/>
+          <p:cNvGraphicFramePr>
+            <a:graphicFrameLocks noGrp="1"/>
+          </p:cNvGraphicFramePr>
+          <p:nvPr/>
+        </p:nvGraphicFramePr>
+        <p:xfrm>
+          <a:off x="3143240" y="1417638"/>
+          <a:ext cx="5549156" cy="3058098"/>
+        </p:xfrm>
+        <a:graphic>
+          <a:graphicData uri="http://schemas.openxmlformats.org/drawingml/2006/table">
+            <a:tbl>
+              <a:tblPr/>
+              <a:tblGrid>
+                <a:gridCol w="1528028"/>
+                <a:gridCol w="1479775"/>
+                <a:gridCol w="992725"/>
+                <a:gridCol w="1548628"/>
+              </a:tblGrid>
+              <a:tr h="431769">
+                <a:tc>
+                  <a:txBody>
+                    <a:bodyPr/>
+                    <a:lstStyle/>
+                    <a:p>
+                      <a:pPr>
+                        <a:spcAft>
+                          <a:spcPts val="0"/>
+                        </a:spcAft>
+                      </a:pPr>
+                      <a:r>
+                        <a:rPr lang="en-CA" sz="1800" dirty="0">
+                          <a:solidFill>
+                            <a:srgbClr val="000000"/>
+                          </a:solidFill>
+                          <a:latin typeface="Calibri"/>
+                          <a:ea typeface="Times New Roman"/>
+                          <a:cs typeface="Times New Roman"/>
+                        </a:rPr>
+                        <a:t> </a:t>
+                      </a:r>
+                      <a:endParaRPr lang="en-CA" sz="1800" dirty="0">
+                        <a:latin typeface="Times"/>
+                        <a:ea typeface="Times New Roman"/>
+                        <a:cs typeface="Times New Roman"/>
+                      </a:endParaRPr>
+                    </a:p>
+                  </a:txBody>
+                  <a:tcPr marL="86856" marR="86856" marT="0" marB="0" anchor="b">
+                    <a:lnL>
+                      <a:noFill/>
+                    </a:lnL>
+                    <a:lnR w="12700" cap="flat" cmpd="sng" algn="ctr">
+                      <a:solidFill>
+                        <a:srgbClr val="000000"/>
+                      </a:solidFill>
+                      <a:prstDash val="solid"/>
+                      <a:round/>
+                      <a:headEnd type="none" w="med" len="med"/>
+                      <a:tailEnd type="none" w="med" len="med"/>
+                    </a:lnR>
+                    <a:lnT>
+                      <a:noFill/>
+                    </a:lnT>
+                    <a:lnB w="12700" cap="flat" cmpd="sng" algn="ctr">
+                      <a:solidFill>
+                        <a:srgbClr val="000000"/>
+                      </a:solidFill>
+                      <a:prstDash val="solid"/>
+                      <a:round/>
+                      <a:headEnd type="none" w="med" len="med"/>
+                      <a:tailEnd type="none" w="med" len="med"/>
+                    </a:lnB>
+                  </a:tcPr>
+                </a:tc>
+                <a:tc>
+                  <a:txBody>
+                    <a:bodyPr/>
+                    <a:lstStyle/>
+                    <a:p>
+                      <a:pPr algn="ctr">
+                        <a:spcAft>
+                          <a:spcPts val="0"/>
+                        </a:spcAft>
+                      </a:pPr>
+                      <a:r>
+                        <a:rPr lang="en-CA" sz="1800" b="1" dirty="0">
+                          <a:solidFill>
+                            <a:srgbClr val="000000"/>
+                          </a:solidFill>
+                          <a:latin typeface="Calibri"/>
+                          <a:ea typeface="Times New Roman"/>
+                          <a:cs typeface="Times New Roman"/>
+                        </a:rPr>
+                        <a:t>LEDs</a:t>
+                      </a:r>
+                      <a:endParaRPr lang="en-CA" sz="1800" dirty="0">
+                        <a:latin typeface="Times"/>
+                        <a:ea typeface="Times New Roman"/>
+                        <a:cs typeface="Times New Roman"/>
+                      </a:endParaRPr>
+                    </a:p>
+                  </a:txBody>
+                  <a:tcPr marL="86856" marR="86856" marT="0" marB="0" anchor="b">
+                    <a:lnL w="12700" cap="flat" cmpd="sng" algn="ctr">
+                      <a:solidFill>
+                        <a:srgbClr val="000000"/>
+                      </a:solidFill>
+                      <a:prstDash val="solid"/>
+                      <a:round/>
+                      <a:headEnd type="none" w="med" len="med"/>
+                      <a:tailEnd type="none" w="med" len="med"/>
+                    </a:lnL>
+                    <a:lnR>
+                      <a:noFill/>
+                    </a:lnR>
+                    <a:lnT>
+                      <a:noFill/>
+                    </a:lnT>
+                    <a:lnB w="12700" cap="flat" cmpd="sng" algn="ctr">
+                      <a:solidFill>
+                        <a:srgbClr val="000000"/>
+                      </a:solidFill>
+                      <a:prstDash val="solid"/>
+                      <a:round/>
+                      <a:headEnd type="none" w="med" len="med"/>
+                      <a:tailEnd type="none" w="med" len="med"/>
+                    </a:lnB>
+                  </a:tcPr>
+                </a:tc>
+                <a:tc>
+                  <a:txBody>
+                    <a:bodyPr/>
+                    <a:lstStyle/>
+                    <a:p>
+                      <a:pPr algn="ctr">
+                        <a:spcAft>
+                          <a:spcPts val="0"/>
+                        </a:spcAft>
+                      </a:pPr>
+                      <a:r>
+                        <a:rPr lang="en-CA" sz="1800" b="1" dirty="0">
+                          <a:solidFill>
+                            <a:srgbClr val="000000"/>
+                          </a:solidFill>
+                          <a:latin typeface="Calibri"/>
+                          <a:ea typeface="Times New Roman"/>
+                          <a:cs typeface="Times New Roman"/>
+                        </a:rPr>
+                        <a:t>CFLs</a:t>
+                      </a:r>
+                      <a:endParaRPr lang="en-CA" sz="1800" dirty="0">
+                        <a:latin typeface="Times"/>
+                        <a:ea typeface="Times New Roman"/>
+                        <a:cs typeface="Times New Roman"/>
+                      </a:endParaRPr>
+                    </a:p>
+                  </a:txBody>
+                  <a:tcPr marL="86856" marR="86856" marT="0" marB="0" anchor="b">
+                    <a:lnL>
+                      <a:noFill/>
+                    </a:lnL>
+                    <a:lnR>
+                      <a:noFill/>
+                    </a:lnR>
+                    <a:lnT>
+                      <a:noFill/>
+                    </a:lnT>
+                    <a:lnB w="12700" cap="flat" cmpd="sng" algn="ctr">
+                      <a:solidFill>
+                        <a:srgbClr val="000000"/>
+                      </a:solidFill>
+                      <a:prstDash val="solid"/>
+                      <a:round/>
+                      <a:headEnd type="none" w="med" len="med"/>
+                      <a:tailEnd type="none" w="med" len="med"/>
+                    </a:lnB>
+                  </a:tcPr>
+                </a:tc>
+                <a:tc>
+                  <a:txBody>
+                    <a:bodyPr/>
+                    <a:lstStyle/>
+                    <a:p>
+                      <a:pPr algn="ctr">
+                        <a:spcAft>
+                          <a:spcPts val="0"/>
+                        </a:spcAft>
+                      </a:pPr>
+                      <a:r>
+                        <a:rPr lang="en-CA" sz="1800" b="1" dirty="0" err="1">
+                          <a:solidFill>
+                            <a:srgbClr val="000000"/>
+                          </a:solidFill>
+                          <a:latin typeface="Calibri"/>
+                          <a:ea typeface="Times New Roman"/>
+                          <a:cs typeface="Times New Roman"/>
+                        </a:rPr>
+                        <a:t>Incadescents</a:t>
+                      </a:r>
+                      <a:endParaRPr lang="en-CA" sz="1800" dirty="0">
+                        <a:latin typeface="Times"/>
+                        <a:ea typeface="Times New Roman"/>
+                        <a:cs typeface="Times New Roman"/>
+                      </a:endParaRPr>
+                    </a:p>
+                  </a:txBody>
+                  <a:tcPr marL="86856" marR="86856" marT="0" marB="0" anchor="b">
+                    <a:lnL>
+                      <a:noFill/>
+                    </a:lnL>
+                    <a:lnR>
+                      <a:noFill/>
+                    </a:lnR>
+                    <a:lnT>
+                      <a:noFill/>
+                    </a:lnT>
+                    <a:lnB w="12700" cap="flat" cmpd="sng" algn="ctr">
+                      <a:solidFill>
+                        <a:srgbClr val="000000"/>
+                      </a:solidFill>
+                      <a:prstDash val="solid"/>
+                      <a:round/>
+                      <a:headEnd type="none" w="med" len="med"/>
+                      <a:tailEnd type="none" w="med" len="med"/>
+                    </a:lnB>
+                  </a:tcPr>
+                </a:tc>
+              </a:tr>
+              <a:tr h="431769">
+                <a:tc>
+                  <a:txBody>
+                    <a:bodyPr/>
+                    <a:lstStyle/>
+                    <a:p>
+                      <a:pPr>
+                        <a:spcAft>
+                          <a:spcPts val="0"/>
+                        </a:spcAft>
+                      </a:pPr>
+                      <a:r>
+                        <a:rPr lang="en-CA" sz="1800" b="1">
+                          <a:solidFill>
+                            <a:srgbClr val="000000"/>
+                          </a:solidFill>
+                          <a:latin typeface="Calibri"/>
+                          <a:ea typeface="Times New Roman"/>
+                          <a:cs typeface="Times New Roman"/>
+                        </a:rPr>
+                        <a:t>Lifespan</a:t>
+                      </a:r>
+                      <a:endParaRPr lang="en-CA" sz="1800">
+                        <a:latin typeface="Times"/>
+                        <a:ea typeface="Times New Roman"/>
+                        <a:cs typeface="Times New Roman"/>
+                      </a:endParaRPr>
+                    </a:p>
+                  </a:txBody>
+                  <a:tcPr marL="86856" marR="86856" marT="0" marB="0" anchor="b">
+                    <a:lnL>
+                      <a:noFill/>
+                    </a:lnL>
+                    <a:lnR w="12700" cap="flat" cmpd="sng" algn="ctr">
+                      <a:solidFill>
+                        <a:srgbClr val="000000"/>
+                      </a:solidFill>
+                      <a:prstDash val="solid"/>
+                      <a:round/>
+                      <a:headEnd type="none" w="med" len="med"/>
+                      <a:tailEnd type="none" w="med" len="med"/>
+                    </a:lnR>
+                    <a:lnT w="12700" cap="flat" cmpd="sng" algn="ctr">
+                      <a:solidFill>
+                        <a:srgbClr val="000000"/>
+                      </a:solidFill>
+                      <a:prstDash val="solid"/>
+                      <a:round/>
+                      <a:headEnd type="none" w="med" len="med"/>
+                      <a:tailEnd type="none" w="med" len="med"/>
+                    </a:lnT>
+                    <a:lnB>
+                      <a:noFill/>
+                    </a:lnB>
+                  </a:tcPr>
+                </a:tc>
+                <a:tc>
+                  <a:txBody>
+                    <a:bodyPr/>
+                    <a:lstStyle/>
+                    <a:p>
+                      <a:pPr algn="ctr">
+                        <a:spcAft>
+                          <a:spcPts val="0"/>
+                        </a:spcAft>
+                      </a:pPr>
+                      <a:r>
+                        <a:rPr lang="en-CA" sz="1800" dirty="0">
+                          <a:solidFill>
+                            <a:srgbClr val="000000"/>
+                          </a:solidFill>
+                          <a:latin typeface="Calibri"/>
+                          <a:ea typeface="Times New Roman"/>
+                          <a:cs typeface="Times New Roman"/>
+                        </a:rPr>
+                        <a:t>50,000 hours</a:t>
+                      </a:r>
+                      <a:endParaRPr lang="en-CA" sz="1800" dirty="0">
+                        <a:latin typeface="Times"/>
+                        <a:ea typeface="Times New Roman"/>
+                        <a:cs typeface="Times New Roman"/>
+                      </a:endParaRPr>
+                    </a:p>
+                  </a:txBody>
+                  <a:tcPr marL="86856" marR="86856" marT="0" marB="0" anchor="b">
+                    <a:lnL w="12700" cap="flat" cmpd="sng" algn="ctr">
+                      <a:solidFill>
+                        <a:srgbClr val="000000"/>
+                      </a:solidFill>
+                      <a:prstDash val="solid"/>
+                      <a:round/>
+                      <a:headEnd type="none" w="med" len="med"/>
+                      <a:tailEnd type="none" w="med" len="med"/>
+                    </a:lnL>
+                    <a:lnR>
+                      <a:noFill/>
+                    </a:lnR>
+                    <a:lnT w="12700" cap="flat" cmpd="sng" algn="ctr">
+                      <a:solidFill>
+                        <a:srgbClr val="000000"/>
+                      </a:solidFill>
+                      <a:prstDash val="solid"/>
+                      <a:round/>
+                      <a:headEnd type="none" w="med" len="med"/>
+                      <a:tailEnd type="none" w="med" len="med"/>
+                    </a:lnT>
+                    <a:lnB>
+                      <a:noFill/>
+                    </a:lnB>
+                  </a:tcPr>
+                </a:tc>
+                <a:tc>
+                  <a:txBody>
+                    <a:bodyPr/>
+                    <a:lstStyle/>
+                    <a:p>
+                      <a:pPr algn="ctr">
+                        <a:spcAft>
+                          <a:spcPts val="0"/>
+                        </a:spcAft>
+                      </a:pPr>
+                      <a:r>
+                        <a:rPr lang="en-CA" sz="1800">
+                          <a:solidFill>
+                            <a:srgbClr val="000000"/>
+                          </a:solidFill>
+                          <a:latin typeface="Calibri"/>
+                          <a:ea typeface="Times New Roman"/>
+                          <a:cs typeface="Times New Roman"/>
+                        </a:rPr>
+                        <a:t>10,000 hours</a:t>
+                      </a:r>
+                      <a:endParaRPr lang="en-CA" sz="1800">
+                        <a:latin typeface="Times"/>
+                        <a:ea typeface="Times New Roman"/>
+                        <a:cs typeface="Times New Roman"/>
+                      </a:endParaRPr>
+                    </a:p>
+                  </a:txBody>
+                  <a:tcPr marL="86856" marR="86856" marT="0" marB="0" anchor="b">
+                    <a:lnL>
+                      <a:noFill/>
+                    </a:lnL>
+                    <a:lnR>
+                      <a:noFill/>
+                    </a:lnR>
+                    <a:lnT w="12700" cap="flat" cmpd="sng" algn="ctr">
+                      <a:solidFill>
+                        <a:srgbClr val="000000"/>
+                      </a:solidFill>
+                      <a:prstDash val="solid"/>
+                      <a:round/>
+                      <a:headEnd type="none" w="med" len="med"/>
+                      <a:tailEnd type="none" w="med" len="med"/>
+                    </a:lnT>
+                    <a:lnB>
+                      <a:noFill/>
+                    </a:lnB>
+                  </a:tcPr>
+                </a:tc>
+                <a:tc>
+                  <a:txBody>
+                    <a:bodyPr/>
+                    <a:lstStyle/>
+                    <a:p>
+                      <a:pPr algn="ctr">
+                        <a:spcAft>
+                          <a:spcPts val="0"/>
+                        </a:spcAft>
+                      </a:pPr>
+                      <a:r>
+                        <a:rPr lang="en-CA" sz="1800">
+                          <a:solidFill>
+                            <a:srgbClr val="000000"/>
+                          </a:solidFill>
+                          <a:latin typeface="Calibri"/>
+                          <a:ea typeface="Times New Roman"/>
+                          <a:cs typeface="Times New Roman"/>
+                        </a:rPr>
+                        <a:t>1,200 hours</a:t>
+                      </a:r>
+                      <a:endParaRPr lang="en-CA" sz="1800">
+                        <a:latin typeface="Times"/>
+                        <a:ea typeface="Times New Roman"/>
+                        <a:cs typeface="Times New Roman"/>
+                      </a:endParaRPr>
+                    </a:p>
+                  </a:txBody>
+                  <a:tcPr marL="86856" marR="86856" marT="0" marB="0" anchor="b">
+                    <a:lnL>
+                      <a:noFill/>
+                    </a:lnL>
+                    <a:lnR>
+                      <a:noFill/>
+                    </a:lnR>
+                    <a:lnT w="12700" cap="flat" cmpd="sng" algn="ctr">
+                      <a:solidFill>
+                        <a:srgbClr val="000000"/>
+                      </a:solidFill>
+                      <a:prstDash val="solid"/>
+                      <a:round/>
+                      <a:headEnd type="none" w="med" len="med"/>
+                      <a:tailEnd type="none" w="med" len="med"/>
+                    </a:lnT>
+                    <a:lnB>
+                      <a:noFill/>
+                    </a:lnB>
+                  </a:tcPr>
+                </a:tc>
+              </a:tr>
+              <a:tr h="431769">
+                <a:tc>
+                  <a:txBody>
+                    <a:bodyPr/>
+                    <a:lstStyle/>
+                    <a:p>
+                      <a:pPr>
+                        <a:spcAft>
+                          <a:spcPts val="0"/>
+                        </a:spcAft>
+                      </a:pPr>
+                      <a:r>
+                        <a:rPr lang="en-CA" sz="1800" b="1">
+                          <a:solidFill>
+                            <a:srgbClr val="000000"/>
+                          </a:solidFill>
+                          <a:latin typeface="Calibri"/>
+                          <a:ea typeface="Times New Roman"/>
+                          <a:cs typeface="Times New Roman"/>
+                        </a:rPr>
+                        <a:t>Cost</a:t>
+                      </a:r>
+                      <a:endParaRPr lang="en-CA" sz="1800">
+                        <a:latin typeface="Times"/>
+                        <a:ea typeface="Times New Roman"/>
+                        <a:cs typeface="Times New Roman"/>
+                      </a:endParaRPr>
+                    </a:p>
+                  </a:txBody>
+                  <a:tcPr marL="86856" marR="86856" marT="0" marB="0" anchor="b">
+                    <a:lnL>
+                      <a:noFill/>
+                    </a:lnL>
+                    <a:lnR w="12700" cap="flat" cmpd="sng" algn="ctr">
+                      <a:solidFill>
+                        <a:srgbClr val="000000"/>
+                      </a:solidFill>
+                      <a:prstDash val="solid"/>
+                      <a:round/>
+                      <a:headEnd type="none" w="med" len="med"/>
+                      <a:tailEnd type="none" w="med" len="med"/>
+                    </a:lnR>
+                    <a:lnT>
+                      <a:noFill/>
+                    </a:lnT>
+                    <a:lnB>
+                      <a:noFill/>
+                    </a:lnB>
+                  </a:tcPr>
+                </a:tc>
+                <a:tc>
+                  <a:txBody>
+                    <a:bodyPr/>
+                    <a:lstStyle/>
+                    <a:p>
+                      <a:pPr algn="ctr">
+                        <a:spcAft>
+                          <a:spcPts val="0"/>
+                        </a:spcAft>
+                      </a:pPr>
+                      <a:r>
+                        <a:rPr lang="en-CA" sz="1800" dirty="0">
+                          <a:solidFill>
+                            <a:srgbClr val="000000"/>
+                          </a:solidFill>
+                          <a:latin typeface="Calibri"/>
+                          <a:ea typeface="Times New Roman"/>
+                          <a:cs typeface="Times New Roman"/>
+                        </a:rPr>
+                        <a:t>$35.95</a:t>
+                      </a:r>
+                      <a:endParaRPr lang="en-CA" sz="1800" dirty="0">
+                        <a:latin typeface="Times"/>
+                        <a:ea typeface="Times New Roman"/>
+                        <a:cs typeface="Times New Roman"/>
+                      </a:endParaRPr>
+                    </a:p>
+                  </a:txBody>
+                  <a:tcPr marL="86856" marR="86856" marT="0" marB="0" anchor="b">
+                    <a:lnL w="12700" cap="flat" cmpd="sng" algn="ctr">
+                      <a:solidFill>
+                        <a:srgbClr val="000000"/>
+                      </a:solidFill>
+                      <a:prstDash val="solid"/>
+                      <a:round/>
+                      <a:headEnd type="none" w="med" len="med"/>
+                      <a:tailEnd type="none" w="med" len="med"/>
+                    </a:lnL>
+                    <a:lnR>
+                      <a:noFill/>
+                    </a:lnR>
+                    <a:lnT>
+                      <a:noFill/>
+                    </a:lnT>
+                    <a:lnB>
+                      <a:noFill/>
+                    </a:lnB>
+                  </a:tcPr>
+                </a:tc>
+                <a:tc>
+                  <a:txBody>
+                    <a:bodyPr/>
+                    <a:lstStyle/>
+                    <a:p>
+                      <a:pPr algn="ctr">
+                        <a:spcAft>
+                          <a:spcPts val="0"/>
+                        </a:spcAft>
+                      </a:pPr>
+                      <a:r>
+                        <a:rPr lang="en-CA" sz="1800">
+                          <a:solidFill>
+                            <a:srgbClr val="000000"/>
+                          </a:solidFill>
+                          <a:latin typeface="Calibri"/>
+                          <a:ea typeface="Times New Roman"/>
+                          <a:cs typeface="Times New Roman"/>
+                        </a:rPr>
+                        <a:t>$3.95</a:t>
+                      </a:r>
+                      <a:endParaRPr lang="en-CA" sz="1800">
+                        <a:latin typeface="Times"/>
+                        <a:ea typeface="Times New Roman"/>
+                        <a:cs typeface="Times New Roman"/>
+                      </a:endParaRPr>
+                    </a:p>
+                  </a:txBody>
+                  <a:tcPr marL="86856" marR="86856" marT="0" marB="0" anchor="b">
+                    <a:lnL>
+                      <a:noFill/>
+                    </a:lnL>
+                    <a:lnR>
+                      <a:noFill/>
+                    </a:lnR>
+                    <a:lnT>
+                      <a:noFill/>
+                    </a:lnT>
+                    <a:lnB>
+                      <a:noFill/>
+                    </a:lnB>
+                  </a:tcPr>
+                </a:tc>
+                <a:tc>
+                  <a:txBody>
+                    <a:bodyPr/>
+                    <a:lstStyle/>
+                    <a:p>
+                      <a:pPr algn="ctr">
+                        <a:spcAft>
+                          <a:spcPts val="0"/>
+                        </a:spcAft>
+                      </a:pPr>
+                      <a:r>
+                        <a:rPr lang="en-CA" sz="1800">
+                          <a:solidFill>
+                            <a:srgbClr val="000000"/>
+                          </a:solidFill>
+                          <a:latin typeface="Calibri"/>
+                          <a:ea typeface="Times New Roman"/>
+                          <a:cs typeface="Times New Roman"/>
+                        </a:rPr>
+                        <a:t>$1.25</a:t>
+                      </a:r>
+                      <a:endParaRPr lang="en-CA" sz="1800">
+                        <a:latin typeface="Times"/>
+                        <a:ea typeface="Times New Roman"/>
+                        <a:cs typeface="Times New Roman"/>
+                      </a:endParaRPr>
+                    </a:p>
+                  </a:txBody>
+                  <a:tcPr marL="86856" marR="86856" marT="0" marB="0" anchor="b">
+                    <a:lnL>
+                      <a:noFill/>
+                    </a:lnL>
+                    <a:lnR>
+                      <a:noFill/>
+                    </a:lnR>
+                    <a:lnT>
+                      <a:noFill/>
+                    </a:lnT>
+                    <a:lnB>
+                      <a:noFill/>
+                    </a:lnB>
+                  </a:tcPr>
+                </a:tc>
+              </a:tr>
+              <a:tr h="431769">
+                <a:tc>
+                  <a:txBody>
+                    <a:bodyPr/>
+                    <a:lstStyle/>
+                    <a:p>
+                      <a:pPr>
+                        <a:spcAft>
+                          <a:spcPts val="0"/>
+                        </a:spcAft>
+                      </a:pPr>
+                      <a:r>
+                        <a:rPr lang="en-CA" sz="1800" b="1">
+                          <a:solidFill>
+                            <a:srgbClr val="000000"/>
+                          </a:solidFill>
+                          <a:latin typeface="Calibri"/>
+                          <a:ea typeface="Times New Roman"/>
+                          <a:cs typeface="Times New Roman"/>
+                        </a:rPr>
+                        <a:t>450 Lumens</a:t>
+                      </a:r>
+                      <a:endParaRPr lang="en-CA" sz="1800">
+                        <a:latin typeface="Times"/>
+                        <a:ea typeface="Times New Roman"/>
+                        <a:cs typeface="Times New Roman"/>
+                      </a:endParaRPr>
+                    </a:p>
+                  </a:txBody>
+                  <a:tcPr marL="86856" marR="86856" marT="0" marB="0" anchor="b">
+                    <a:lnL>
+                      <a:noFill/>
+                    </a:lnL>
+                    <a:lnR w="12700" cap="flat" cmpd="sng" algn="ctr">
+                      <a:solidFill>
+                        <a:srgbClr val="000000"/>
+                      </a:solidFill>
+                      <a:prstDash val="solid"/>
+                      <a:round/>
+                      <a:headEnd type="none" w="med" len="med"/>
+                      <a:tailEnd type="none" w="med" len="med"/>
+                    </a:lnR>
+                    <a:lnT>
+                      <a:noFill/>
+                    </a:lnT>
+                    <a:lnB>
+                      <a:noFill/>
+                    </a:lnB>
+                  </a:tcPr>
+                </a:tc>
+                <a:tc>
+                  <a:txBody>
+                    <a:bodyPr/>
+                    <a:lstStyle/>
+                    <a:p>
+                      <a:pPr algn="ctr">
+                        <a:spcAft>
+                          <a:spcPts val="0"/>
+                        </a:spcAft>
+                      </a:pPr>
+                      <a:r>
+                        <a:rPr lang="en-CA" sz="1800" dirty="0">
+                          <a:solidFill>
+                            <a:srgbClr val="000000"/>
+                          </a:solidFill>
+                          <a:latin typeface="Calibri"/>
+                          <a:ea typeface="Times New Roman"/>
+                          <a:cs typeface="Times New Roman"/>
+                        </a:rPr>
+                        <a:t>4-5 Watts</a:t>
+                      </a:r>
+                      <a:endParaRPr lang="en-CA" sz="1800" dirty="0">
+                        <a:latin typeface="Times"/>
+                        <a:ea typeface="Times New Roman"/>
+                        <a:cs typeface="Times New Roman"/>
+                      </a:endParaRPr>
+                    </a:p>
+                  </a:txBody>
+                  <a:tcPr marL="86856" marR="86856" marT="0" marB="0" anchor="b">
+                    <a:lnL w="12700" cap="flat" cmpd="sng" algn="ctr">
+                      <a:solidFill>
+                        <a:srgbClr val="000000"/>
+                      </a:solidFill>
+                      <a:prstDash val="solid"/>
+                      <a:round/>
+                      <a:headEnd type="none" w="med" len="med"/>
+                      <a:tailEnd type="none" w="med" len="med"/>
+                    </a:lnL>
+                    <a:lnR>
+                      <a:noFill/>
+                    </a:lnR>
+                    <a:lnT>
+                      <a:noFill/>
+                    </a:lnT>
+                    <a:lnB>
+                      <a:noFill/>
+                    </a:lnB>
+                  </a:tcPr>
+                </a:tc>
+                <a:tc>
+                  <a:txBody>
+                    <a:bodyPr/>
+                    <a:lstStyle/>
+                    <a:p>
+                      <a:pPr algn="ctr">
+                        <a:spcAft>
+                          <a:spcPts val="0"/>
+                        </a:spcAft>
+                      </a:pPr>
+                      <a:r>
+                        <a:rPr lang="en-CA" sz="1800">
+                          <a:solidFill>
+                            <a:srgbClr val="000000"/>
+                          </a:solidFill>
+                          <a:latin typeface="Calibri"/>
+                          <a:ea typeface="Times New Roman"/>
+                          <a:cs typeface="Times New Roman"/>
+                        </a:rPr>
+                        <a:t>8-12 Watts</a:t>
+                      </a:r>
+                      <a:endParaRPr lang="en-CA" sz="1800">
+                        <a:latin typeface="Times"/>
+                        <a:ea typeface="Times New Roman"/>
+                        <a:cs typeface="Times New Roman"/>
+                      </a:endParaRPr>
+                    </a:p>
+                  </a:txBody>
+                  <a:tcPr marL="86856" marR="86856" marT="0" marB="0" anchor="b">
+                    <a:lnL>
+                      <a:noFill/>
+                    </a:lnL>
+                    <a:lnR>
+                      <a:noFill/>
+                    </a:lnR>
+                    <a:lnT>
+                      <a:noFill/>
+                    </a:lnT>
+                    <a:lnB>
+                      <a:noFill/>
+                    </a:lnB>
+                  </a:tcPr>
+                </a:tc>
+                <a:tc>
+                  <a:txBody>
+                    <a:bodyPr/>
+                    <a:lstStyle/>
+                    <a:p>
+                      <a:pPr algn="ctr">
+                        <a:spcAft>
+                          <a:spcPts val="0"/>
+                        </a:spcAft>
+                      </a:pPr>
+                      <a:r>
+                        <a:rPr lang="en-CA" sz="1800">
+                          <a:solidFill>
+                            <a:srgbClr val="000000"/>
+                          </a:solidFill>
+                          <a:latin typeface="Calibri"/>
+                          <a:ea typeface="Times New Roman"/>
+                          <a:cs typeface="Times New Roman"/>
+                        </a:rPr>
+                        <a:t>40 Watts</a:t>
+                      </a:r>
+                      <a:endParaRPr lang="en-CA" sz="1800">
+                        <a:latin typeface="Times"/>
+                        <a:ea typeface="Times New Roman"/>
+                        <a:cs typeface="Times New Roman"/>
+                      </a:endParaRPr>
+                    </a:p>
+                  </a:txBody>
+                  <a:tcPr marL="86856" marR="86856" marT="0" marB="0" anchor="b">
+                    <a:lnL>
+                      <a:noFill/>
+                    </a:lnL>
+                    <a:lnR>
+                      <a:noFill/>
+                    </a:lnR>
+                    <a:lnT>
+                      <a:noFill/>
+                    </a:lnT>
+                    <a:lnB>
+                      <a:noFill/>
+                    </a:lnB>
+                  </a:tcPr>
+                </a:tc>
+              </a:tr>
+              <a:tr h="431769">
+                <a:tc>
+                  <a:txBody>
+                    <a:bodyPr/>
+                    <a:lstStyle/>
+                    <a:p>
+                      <a:pPr>
+                        <a:spcAft>
+                          <a:spcPts val="0"/>
+                        </a:spcAft>
+                      </a:pPr>
+                      <a:r>
+                        <a:rPr lang="en-CA" sz="1800" b="1">
+                          <a:solidFill>
+                            <a:srgbClr val="000000"/>
+                          </a:solidFill>
+                          <a:latin typeface="Calibri"/>
+                          <a:ea typeface="Times New Roman"/>
+                          <a:cs typeface="Times New Roman"/>
+                        </a:rPr>
+                        <a:t>Turns on Instantly</a:t>
+                      </a:r>
+                      <a:endParaRPr lang="en-CA" sz="1800">
+                        <a:latin typeface="Times"/>
+                        <a:ea typeface="Times New Roman"/>
+                        <a:cs typeface="Times New Roman"/>
+                      </a:endParaRPr>
+                    </a:p>
+                  </a:txBody>
+                  <a:tcPr marL="86856" marR="86856" marT="0" marB="0" anchor="b">
+                    <a:lnL>
+                      <a:noFill/>
+                    </a:lnL>
+                    <a:lnR w="12700" cap="flat" cmpd="sng" algn="ctr">
+                      <a:solidFill>
+                        <a:srgbClr val="000000"/>
+                      </a:solidFill>
+                      <a:prstDash val="solid"/>
+                      <a:round/>
+                      <a:headEnd type="none" w="med" len="med"/>
+                      <a:tailEnd type="none" w="med" len="med"/>
+                    </a:lnR>
+                    <a:lnT>
+                      <a:noFill/>
+                    </a:lnT>
+                    <a:lnB>
+                      <a:noFill/>
+                    </a:lnB>
+                  </a:tcPr>
+                </a:tc>
+                <a:tc>
+                  <a:txBody>
+                    <a:bodyPr/>
+                    <a:lstStyle/>
+                    <a:p>
+                      <a:pPr algn="ctr">
+                        <a:spcAft>
+                          <a:spcPts val="0"/>
+                        </a:spcAft>
+                      </a:pPr>
+                      <a:r>
+                        <a:rPr lang="en-CA" sz="1800" dirty="0">
+                          <a:solidFill>
+                            <a:srgbClr val="000000"/>
+                          </a:solidFill>
+                          <a:latin typeface="Calibri"/>
+                          <a:ea typeface="Times New Roman"/>
+                          <a:cs typeface="Times New Roman"/>
+                        </a:rPr>
+                        <a:t>Yes</a:t>
+                      </a:r>
+                      <a:endParaRPr lang="en-CA" sz="1800" dirty="0">
+                        <a:latin typeface="Times"/>
+                        <a:ea typeface="Times New Roman"/>
+                        <a:cs typeface="Times New Roman"/>
+                      </a:endParaRPr>
+                    </a:p>
+                  </a:txBody>
+                  <a:tcPr marL="86856" marR="86856" marT="0" marB="0" anchor="b">
+                    <a:lnL w="12700" cap="flat" cmpd="sng" algn="ctr">
+                      <a:solidFill>
+                        <a:srgbClr val="000000"/>
+                      </a:solidFill>
+                      <a:prstDash val="solid"/>
+                      <a:round/>
+                      <a:headEnd type="none" w="med" len="med"/>
+                      <a:tailEnd type="none" w="med" len="med"/>
+                    </a:lnL>
+                    <a:lnR>
+                      <a:noFill/>
+                    </a:lnR>
+                    <a:lnT>
+                      <a:noFill/>
+                    </a:lnT>
+                    <a:lnB>
+                      <a:noFill/>
+                    </a:lnB>
+                  </a:tcPr>
+                </a:tc>
+                <a:tc>
+                  <a:txBody>
+                    <a:bodyPr/>
+                    <a:lstStyle/>
+                    <a:p>
+                      <a:pPr algn="ctr">
+                        <a:spcAft>
+                          <a:spcPts val="0"/>
+                        </a:spcAft>
+                      </a:pPr>
+                      <a:r>
+                        <a:rPr lang="en-CA" sz="1800" dirty="0">
+                          <a:solidFill>
+                            <a:srgbClr val="000000"/>
+                          </a:solidFill>
+                          <a:latin typeface="Calibri"/>
+                          <a:ea typeface="Times New Roman"/>
+                          <a:cs typeface="Times New Roman"/>
+                        </a:rPr>
+                        <a:t>Slight Delay</a:t>
+                      </a:r>
+                      <a:endParaRPr lang="en-CA" sz="1800" dirty="0">
+                        <a:latin typeface="Times"/>
+                        <a:ea typeface="Times New Roman"/>
+                        <a:cs typeface="Times New Roman"/>
+                      </a:endParaRPr>
+                    </a:p>
+                  </a:txBody>
+                  <a:tcPr marL="86856" marR="86856" marT="0" marB="0" anchor="b">
+                    <a:lnL>
+                      <a:noFill/>
+                    </a:lnL>
+                    <a:lnR>
+                      <a:noFill/>
+                    </a:lnR>
+                    <a:lnT>
+                      <a:noFill/>
+                    </a:lnT>
+                    <a:lnB>
+                      <a:noFill/>
+                    </a:lnB>
+                  </a:tcPr>
+                </a:tc>
+                <a:tc>
+                  <a:txBody>
+                    <a:bodyPr/>
+                    <a:lstStyle/>
+                    <a:p>
+                      <a:pPr algn="ctr">
+                        <a:spcAft>
+                          <a:spcPts val="0"/>
+                        </a:spcAft>
+                      </a:pPr>
+                      <a:r>
+                        <a:rPr lang="en-CA" sz="1800" dirty="0">
+                          <a:solidFill>
+                            <a:srgbClr val="000000"/>
+                          </a:solidFill>
+                          <a:latin typeface="Calibri"/>
+                          <a:ea typeface="Times New Roman"/>
+                          <a:cs typeface="Times New Roman"/>
+                        </a:rPr>
+                        <a:t>Yes</a:t>
+                      </a:r>
+                      <a:endParaRPr lang="en-CA" sz="1800" dirty="0">
+                        <a:latin typeface="Times"/>
+                        <a:ea typeface="Times New Roman"/>
+                        <a:cs typeface="Times New Roman"/>
+                      </a:endParaRPr>
+                    </a:p>
+                  </a:txBody>
+                  <a:tcPr marL="86856" marR="86856" marT="0" marB="0" anchor="b">
+                    <a:lnL>
+                      <a:noFill/>
+                    </a:lnL>
+                    <a:lnR>
+                      <a:noFill/>
+                    </a:lnR>
+                    <a:lnT>
+                      <a:noFill/>
+                    </a:lnT>
+                    <a:lnB>
+                      <a:noFill/>
+                    </a:lnB>
+                  </a:tcPr>
+                </a:tc>
+              </a:tr>
+              <a:tr h="431769">
+                <a:tc>
+                  <a:txBody>
+                    <a:bodyPr/>
+                    <a:lstStyle/>
+                    <a:p>
+                      <a:pPr>
+                        <a:spcAft>
+                          <a:spcPts val="0"/>
+                        </a:spcAft>
+                      </a:pPr>
+                      <a:r>
+                        <a:rPr lang="en-CA" sz="1800" b="1">
+                          <a:solidFill>
+                            <a:srgbClr val="000000"/>
+                          </a:solidFill>
+                          <a:latin typeface="Calibri"/>
+                          <a:ea typeface="Times New Roman"/>
+                          <a:cs typeface="Times New Roman"/>
+                        </a:rPr>
+                        <a:t>Heat Emitted</a:t>
+                      </a:r>
+                      <a:endParaRPr lang="en-CA" sz="1800">
+                        <a:latin typeface="Times"/>
+                        <a:ea typeface="Times New Roman"/>
+                        <a:cs typeface="Times New Roman"/>
+                      </a:endParaRPr>
+                    </a:p>
+                  </a:txBody>
+                  <a:tcPr marL="86856" marR="86856" marT="0" marB="0" anchor="b">
+                    <a:lnL>
+                      <a:noFill/>
+                    </a:lnL>
+                    <a:lnR w="12700" cap="flat" cmpd="sng" algn="ctr">
+                      <a:solidFill>
+                        <a:srgbClr val="000000"/>
+                      </a:solidFill>
+                      <a:prstDash val="solid"/>
+                      <a:round/>
+                      <a:headEnd type="none" w="med" len="med"/>
+                      <a:tailEnd type="none" w="med" len="med"/>
+                    </a:lnR>
+                    <a:lnT>
+                      <a:noFill/>
+                    </a:lnT>
+                    <a:lnB>
+                      <a:noFill/>
+                    </a:lnB>
+                  </a:tcPr>
+                </a:tc>
+                <a:tc>
+                  <a:txBody>
+                    <a:bodyPr/>
+                    <a:lstStyle/>
+                    <a:p>
+                      <a:pPr algn="ctr">
+                        <a:spcAft>
+                          <a:spcPts val="0"/>
+                        </a:spcAft>
+                      </a:pPr>
+                      <a:r>
+                        <a:rPr lang="en-CA" sz="1800" dirty="0">
+                          <a:solidFill>
+                            <a:srgbClr val="000000"/>
+                          </a:solidFill>
+                          <a:latin typeface="Calibri"/>
+                          <a:ea typeface="Times New Roman"/>
+                          <a:cs typeface="Times New Roman"/>
+                        </a:rPr>
+                        <a:t>3 </a:t>
+                      </a:r>
+                      <a:r>
+                        <a:rPr lang="en-CA" sz="1800" dirty="0" err="1">
+                          <a:solidFill>
+                            <a:srgbClr val="000000"/>
+                          </a:solidFill>
+                          <a:latin typeface="Calibri"/>
+                          <a:ea typeface="Times New Roman"/>
+                          <a:cs typeface="Times New Roman"/>
+                        </a:rPr>
+                        <a:t>btu</a:t>
+                      </a:r>
+                      <a:r>
+                        <a:rPr lang="en-CA" sz="1800" dirty="0">
+                          <a:solidFill>
+                            <a:srgbClr val="000000"/>
+                          </a:solidFill>
+                          <a:latin typeface="Calibri"/>
+                          <a:ea typeface="Times New Roman"/>
+                          <a:cs typeface="Times New Roman"/>
+                        </a:rPr>
+                        <a:t>/hr</a:t>
+                      </a:r>
+                      <a:endParaRPr lang="en-CA" sz="1800" dirty="0">
+                        <a:latin typeface="Times"/>
+                        <a:ea typeface="Times New Roman"/>
+                        <a:cs typeface="Times New Roman"/>
+                      </a:endParaRPr>
+                    </a:p>
+                  </a:txBody>
+                  <a:tcPr marL="86856" marR="86856" marT="0" marB="0" anchor="b">
+                    <a:lnL w="12700" cap="flat" cmpd="sng" algn="ctr">
+                      <a:solidFill>
+                        <a:srgbClr val="000000"/>
+                      </a:solidFill>
+                      <a:prstDash val="solid"/>
+                      <a:round/>
+                      <a:headEnd type="none" w="med" len="med"/>
+                      <a:tailEnd type="none" w="med" len="med"/>
+                    </a:lnL>
+                    <a:lnR>
+                      <a:noFill/>
+                    </a:lnR>
+                    <a:lnT>
+                      <a:noFill/>
+                    </a:lnT>
+                    <a:lnB>
+                      <a:noFill/>
+                    </a:lnB>
+                  </a:tcPr>
+                </a:tc>
+                <a:tc>
+                  <a:txBody>
+                    <a:bodyPr/>
+                    <a:lstStyle/>
+                    <a:p>
+                      <a:pPr algn="ctr">
+                        <a:spcAft>
+                          <a:spcPts val="0"/>
+                        </a:spcAft>
+                      </a:pPr>
+                      <a:r>
+                        <a:rPr lang="en-CA" sz="1800">
+                          <a:solidFill>
+                            <a:srgbClr val="000000"/>
+                          </a:solidFill>
+                          <a:latin typeface="Calibri"/>
+                          <a:ea typeface="Times New Roman"/>
+                          <a:cs typeface="Times New Roman"/>
+                        </a:rPr>
+                        <a:t>30 btu/hr</a:t>
+                      </a:r>
+                      <a:endParaRPr lang="en-CA" sz="1800">
+                        <a:latin typeface="Times"/>
+                        <a:ea typeface="Times New Roman"/>
+                        <a:cs typeface="Times New Roman"/>
+                      </a:endParaRPr>
+                    </a:p>
+                  </a:txBody>
+                  <a:tcPr marL="86856" marR="86856" marT="0" marB="0" anchor="b">
+                    <a:lnL>
+                      <a:noFill/>
+                    </a:lnL>
+                    <a:lnR>
+                      <a:noFill/>
+                    </a:lnR>
+                    <a:lnT>
+                      <a:noFill/>
+                    </a:lnT>
+                    <a:lnB>
+                      <a:noFill/>
+                    </a:lnB>
+                  </a:tcPr>
+                </a:tc>
+                <a:tc>
+                  <a:txBody>
+                    <a:bodyPr/>
+                    <a:lstStyle/>
+                    <a:p>
+                      <a:pPr algn="ctr">
+                        <a:spcAft>
+                          <a:spcPts val="0"/>
+                        </a:spcAft>
+                      </a:pPr>
+                      <a:r>
+                        <a:rPr lang="en-CA" sz="1800" dirty="0">
+                          <a:solidFill>
+                            <a:srgbClr val="000000"/>
+                          </a:solidFill>
+                          <a:latin typeface="Calibri"/>
+                          <a:ea typeface="Times New Roman"/>
+                          <a:cs typeface="Times New Roman"/>
+                        </a:rPr>
+                        <a:t>85 </a:t>
+                      </a:r>
+                      <a:r>
+                        <a:rPr lang="en-CA" sz="1800" dirty="0" err="1">
+                          <a:solidFill>
+                            <a:srgbClr val="000000"/>
+                          </a:solidFill>
+                          <a:latin typeface="Calibri"/>
+                          <a:ea typeface="Times New Roman"/>
+                          <a:cs typeface="Times New Roman"/>
+                        </a:rPr>
+                        <a:t>btu</a:t>
+                      </a:r>
+                      <a:r>
+                        <a:rPr lang="en-CA" sz="1800" dirty="0">
+                          <a:solidFill>
+                            <a:srgbClr val="000000"/>
+                          </a:solidFill>
+                          <a:latin typeface="Calibri"/>
+                          <a:ea typeface="Times New Roman"/>
+                          <a:cs typeface="Times New Roman"/>
+                        </a:rPr>
+                        <a:t>/hr</a:t>
+                      </a:r>
+                      <a:endParaRPr lang="en-CA" sz="1800" dirty="0">
+                        <a:latin typeface="Times"/>
+                        <a:ea typeface="Times New Roman"/>
+                        <a:cs typeface="Times New Roman"/>
+                      </a:endParaRPr>
+                    </a:p>
+                  </a:txBody>
+                  <a:tcPr marL="86856" marR="86856" marT="0" marB="0" anchor="b">
+                    <a:lnL>
+                      <a:noFill/>
+                    </a:lnL>
+                    <a:lnR>
+                      <a:noFill/>
+                    </a:lnR>
+                    <a:lnT>
+                      <a:noFill/>
+                    </a:lnT>
+                    <a:lnB>
+                      <a:noFill/>
+                    </a:lnB>
+                  </a:tcPr>
+                </a:tc>
+              </a:tr>
+            </a:tbl>
+          </a:graphicData>
+        </a:graphic>
+      </p:graphicFrame>
+      <p:pic>
+        <p:nvPicPr>
+          <p:cNvPr id="52225" name="Picture 1"/>
+          <p:cNvPicPr>
+            <a:picLocks noChangeAspect="1" noChangeArrowheads="1"/>
+          </p:cNvPicPr>
+          <p:nvPr/>
+        </p:nvPicPr>
+        <p:blipFill>
+          <a:blip r:embed="rId3"/>
+          <a:srcRect/>
+          <a:stretch>
+            <a:fillRect/>
+          </a:stretch>
+        </p:blipFill>
+        <p:spPr bwMode="auto">
+          <a:xfrm>
+            <a:off x="5429256" y="4714884"/>
+            <a:ext cx="2580981" cy="1960553"/>
+          </a:xfrm>
+          <a:prstGeom prst="rect">
+            <a:avLst/>
+          </a:prstGeom>
+          <a:noFill/>
+          <a:ln w="9525">
+            <a:noFill/>
+            <a:miter lim="800000"/>
+            <a:headEnd/>
+            <a:tailEnd/>
+          </a:ln>
+          <a:effectLst/>
+        </p:spPr>
+      </p:pic>
+    </p:spTree>
+  </p:cSld>
+  <p:clrMapOvr>
+    <a:masterClrMapping/>
+  </p:clrMapOvr>
+</p:sld>
+</file>
+
+<file path=ppt/slides/slide17.xml><?xml version="1.0" encoding="utf-8"?>
+<p:sld xmlns:a="http://schemas.openxmlformats.org/drawingml/2006/main" xmlns:r="http://schemas.openxmlformats.org/officeDocument/2006/relationships" xmlns:p="http://schemas.openxmlformats.org/presentationml/2006/main">
+  <p:cSld>
+    <p:spTree>
+      <p:nvGrpSpPr>
+        <p:cNvPr id="1" name=""/>
+        <p:cNvGrpSpPr/>
+        <p:nvPr/>
+      </p:nvGrpSpPr>
+      <p:grpSpPr>
+        <a:xfrm>
+          <a:off x="0" y="0"/>
+          <a:ext cx="0" cy="0"/>
+          <a:chOff x="0" y="0"/>
+          <a:chExt cx="0" cy="0"/>
+        </a:xfrm>
+      </p:grpSpPr>
+      <p:sp>
+        <p:nvSpPr>
+          <p:cNvPr id="2" name="Content Placeholder 1"/>
+          <p:cNvSpPr>
+            <a:spLocks noGrp="1"/>
+          </p:cNvSpPr>
+          <p:nvPr>
+            <p:ph idx="1"/>
+          </p:nvPr>
+        </p:nvSpPr>
+        <p:spPr>
+          <a:xfrm>
+            <a:off x="457200" y="1481328"/>
+            <a:ext cx="3614734" cy="4525963"/>
+          </a:xfrm>
+        </p:spPr>
+        <p:txBody>
+          <a:bodyPr/>
+          <a:lstStyle/>
+          <a:p>
+            <a:r>
+              <a:rPr lang="en-CA" dirty="0" err="1" smtClean="0"/>
+              <a:t>Arduino</a:t>
+            </a:r>
+            <a:r>
+              <a:rPr lang="en-CA" dirty="0" smtClean="0"/>
+              <a:t> </a:t>
+            </a:r>
+            <a:r>
+              <a:rPr lang="en-CA" dirty="0" smtClean="0"/>
+              <a:t>Uno</a:t>
+            </a:r>
+          </a:p>
+          <a:p>
+            <a:endParaRPr lang="en-CA" dirty="0" smtClean="0"/>
+          </a:p>
+          <a:p>
+            <a:r>
+              <a:rPr lang="en-CA" dirty="0" smtClean="0"/>
+              <a:t>Easy to implement</a:t>
+            </a:r>
+          </a:p>
+          <a:p>
+            <a:endParaRPr lang="en-CA" dirty="0" smtClean="0"/>
+          </a:p>
+          <a:p>
+            <a:r>
+              <a:rPr lang="en-CA" dirty="0" smtClean="0"/>
+              <a:t>Large supporting library of code</a:t>
+            </a:r>
+          </a:p>
+          <a:p>
+            <a:endParaRPr lang="en-CA" dirty="0" smtClean="0"/>
+          </a:p>
+          <a:p>
+            <a:r>
+              <a:rPr lang="en-CA" dirty="0" smtClean="0"/>
+              <a:t>Past experience with the controller</a:t>
+            </a:r>
+            <a:endParaRPr lang="en-CA" dirty="0"/>
+          </a:p>
+        </p:txBody>
+      </p:sp>
+      <p:sp>
+        <p:nvSpPr>
+          <p:cNvPr id="3" name="Title 2"/>
+          <p:cNvSpPr>
+            <a:spLocks noGrp="1"/>
+          </p:cNvSpPr>
+          <p:nvPr>
+            <p:ph type="title"/>
+          </p:nvPr>
+        </p:nvSpPr>
+        <p:spPr/>
+        <p:txBody>
+          <a:bodyPr/>
+          <a:lstStyle/>
+          <a:p>
+            <a:r>
+              <a:rPr lang="en-CA" dirty="0" smtClean="0"/>
+              <a:t>Micro controller</a:t>
+            </a:r>
+            <a:endParaRPr lang="en-CA" dirty="0"/>
+          </a:p>
+        </p:txBody>
+      </p:sp>
+      <p:pic>
+        <p:nvPicPr>
+          <p:cNvPr id="4" name="Picture 3" descr="Lab HD:Users:abornste:Desktop:Picture 5.png"/>
+          <p:cNvPicPr/>
+          <p:nvPr/>
+        </p:nvPicPr>
+        <p:blipFill>
+          <a:blip r:embed="rId3" cstate="print"/>
+          <a:srcRect/>
+          <a:stretch>
+            <a:fillRect/>
+          </a:stretch>
+        </p:blipFill>
+        <p:spPr bwMode="auto">
+          <a:xfrm>
+            <a:off x="4500562" y="2143116"/>
+            <a:ext cx="3963855" cy="2857520"/>
+          </a:xfrm>
+          <a:prstGeom prst="rect">
+            <a:avLst/>
+          </a:prstGeom>
+          <a:noFill/>
+          <a:ln w="9525">
+            <a:noFill/>
+            <a:miter lim="800000"/>
+            <a:headEnd/>
+            <a:tailEnd/>
+          </a:ln>
+        </p:spPr>
+      </p:pic>
+    </p:spTree>
+  </p:cSld>
+  <p:clrMapOvr>
+    <a:masterClrMapping/>
+  </p:clrMapOvr>
+</p:sld>
+</file>
+
+<file path=ppt/slides/slide18.xml><?xml version="1.0" encoding="utf-8"?>
+<p:sld xmlns:a="http://schemas.openxmlformats.org/drawingml/2006/main" xmlns:r="http://schemas.openxmlformats.org/officeDocument/2006/relationships" xmlns:p="http://schemas.openxmlformats.org/presentationml/2006/main">
+  <p:cSld>
+    <p:spTree>
+      <p:nvGrpSpPr>
+        <p:cNvPr id="1" name=""/>
+        <p:cNvGrpSpPr/>
+        <p:nvPr/>
+      </p:nvGrpSpPr>
+      <p:grpSpPr>
+        <a:xfrm>
+          <a:off x="0" y="0"/>
+          <a:ext cx="0" cy="0"/>
+          <a:chOff x="0" y="0"/>
+          <a:chExt cx="0" cy="0"/>
+        </a:xfrm>
+      </p:grpSpPr>
+      <p:sp>
+        <p:nvSpPr>
+          <p:cNvPr id="3" name="Title 2"/>
+          <p:cNvSpPr>
+            <a:spLocks noGrp="1"/>
+          </p:cNvSpPr>
+          <p:nvPr>
+            <p:ph type="title"/>
+          </p:nvPr>
+        </p:nvSpPr>
+        <p:spPr>
+          <a:xfrm>
+            <a:off x="3214678" y="285728"/>
+            <a:ext cx="3471858" cy="1143000"/>
+          </a:xfrm>
+        </p:spPr>
+        <p:txBody>
+          <a:bodyPr/>
+          <a:lstStyle/>
+          <a:p>
+            <a:r>
+              <a:rPr lang="en-CA" dirty="0" smtClean="0"/>
+              <a:t>Questions?</a:t>
+            </a:r>
+            <a:endParaRPr lang="en-CA" dirty="0"/>
+          </a:p>
+        </p:txBody>
+      </p:sp>
+      <p:pic>
+        <p:nvPicPr>
+          <p:cNvPr id="57346" name="Picture 2"/>
+          <p:cNvPicPr>
+            <a:picLocks noChangeAspect="1" noChangeArrowheads="1"/>
+          </p:cNvPicPr>
+          <p:nvPr/>
+        </p:nvPicPr>
+        <p:blipFill>
+          <a:blip r:embed="rId3"/>
+          <a:srcRect/>
+          <a:stretch>
+            <a:fillRect/>
+          </a:stretch>
+        </p:blipFill>
+        <p:spPr bwMode="auto">
+          <a:xfrm>
+            <a:off x="1876425" y="1571612"/>
+            <a:ext cx="5391150" cy="4143375"/>
+          </a:xfrm>
+          <a:prstGeom prst="rect">
+            <a:avLst/>
+          </a:prstGeom>
+          <a:noFill/>
+          <a:ln w="9525">
+            <a:solidFill>
+              <a:schemeClr val="tx1"/>
+            </a:solidFill>
+            <a:miter lim="800000"/>
+            <a:headEnd/>
+            <a:tailEnd/>
+          </a:ln>
+          <a:effectLst/>
+        </p:spPr>
+      </p:pic>
+    </p:spTree>
+  </p:cSld>
+  <p:clrMapOvr>
+    <a:masterClrMapping/>
+  </p:clrMapOvr>
+</p:sld>
+</file>
+
+<file path=ppt/slides/slide2.xml><?xml version="1.0" encoding="utf-8"?>
+<p:sld xmlns:a="http://schemas.openxmlformats.org/drawingml/2006/main" xmlns:r="http://schemas.openxmlformats.org/officeDocument/2006/relationships" xmlns:p="http://schemas.openxmlformats.org/presentationml/2006/main">
+  <p:cSld>
+    <p:spTree>
+      <p:nvGrpSpPr>
+        <p:cNvPr id="1" name=""/>
+        <p:cNvGrpSpPr/>
+        <p:nvPr/>
+      </p:nvGrpSpPr>
+      <p:grpSpPr>
+        <a:xfrm>
+          <a:off x="0" y="0"/>
+          <a:ext cx="0" cy="0"/>
+          <a:chOff x="0" y="0"/>
+          <a:chExt cx="0" cy="0"/>
+        </a:xfrm>
+      </p:grpSpPr>
+      <p:sp>
+        <p:nvSpPr>
           <p:cNvPr id="8" name="Content Placeholder 7"/>
           <p:cNvSpPr>
             <a:spLocks noGrp="1"/>
@@ -4914,7 +8998,7 @@
           <p:nvPr/>
         </p:nvPicPr>
         <p:blipFill>
-          <a:blip r:embed="rId2"/>
+          <a:blip r:embed="rId3"/>
           <a:stretch>
             <a:fillRect/>
           </a:stretch>
@@ -4938,7 +9022,7 @@
 </file>
 
 <file path=ppt/slides/slide3.xml><?xml version="1.0" encoding="utf-8"?>
-<p:sld xmlns:a="http://schemas.openxmlformats.org/drawingml/2006/main" xmlns:r="http://schemas.openxmlformats.org/officeDocument/2006/relationships" xmlns:mc="http://schemas.openxmlformats.org/markup-compatibility/2006" xmlns:mv="urn:schemas-microsoft-com:mac:vml" xmlns:p="http://schemas.openxmlformats.org/presentationml/2006/main" mc:Ignorable="mv" mc:PreserveAttributes="mv:*">
+<p:sld xmlns:a="http://schemas.openxmlformats.org/drawingml/2006/main" xmlns:r="http://schemas.openxmlformats.org/officeDocument/2006/relationships" xmlns:p="http://schemas.openxmlformats.org/presentationml/2006/main">
   <p:cSld>
     <p:spTree>
       <p:nvGrpSpPr>
@@ -5042,7 +9126,7 @@
           <p:nvPr/>
         </p:nvPicPr>
         <p:blipFill>
-          <a:blip r:embed="rId2"/>
+          <a:blip r:embed="rId3"/>
           <a:stretch>
             <a:fillRect/>
           </a:stretch>
@@ -5066,7 +9150,7 @@
 </file>
 
 <file path=ppt/slides/slide4.xml><?xml version="1.0" encoding="utf-8"?>
-<p:sld xmlns:a="http://schemas.openxmlformats.org/drawingml/2006/main" xmlns:r="http://schemas.openxmlformats.org/officeDocument/2006/relationships" xmlns:mc="http://schemas.openxmlformats.org/markup-compatibility/2006" xmlns:mv="urn:schemas-microsoft-com:mac:vml" xmlns:p="http://schemas.openxmlformats.org/presentationml/2006/main" mc:Ignorable="mv" mc:PreserveAttributes="mv:*">
+<p:sld xmlns:a="http://schemas.openxmlformats.org/drawingml/2006/main" xmlns:r="http://schemas.openxmlformats.org/officeDocument/2006/relationships" xmlns:p="http://schemas.openxmlformats.org/presentationml/2006/main">
   <p:cSld>
     <p:spTree>
       <p:nvGrpSpPr>
@@ -5207,12 +9291,45 @@
         </p:xfrm>
         <a:graphic>
           <a:graphicData uri="http://schemas.openxmlformats.org/presentationml/2006/ole">
-            <p:oleObj spid="_x0000_s28674" name="Document" r:id="rId3" imgW="4495800" imgH="3162300" progId="Word.Document.12">
+            <p:oleObj spid="_x0000_s28674" name="Document" r:id="rId3" imgW="0" imgH="0" progId="Word.Document.12">
               <p:link updateAutomatic="1"/>
             </p:oleObj>
           </a:graphicData>
         </a:graphic>
       </p:graphicFrame>
+      <p:pic>
+        <p:nvPicPr>
+          <p:cNvPr id="28675" name="Picture 3"/>
+          <p:cNvPicPr>
+            <a:picLocks noChangeAspect="1" noChangeArrowheads="1"/>
+          </p:cNvPicPr>
+          <p:nvPr/>
+        </p:nvPicPr>
+        <p:blipFill>
+          <a:blip r:embed="rId4"/>
+          <a:srcRect/>
+          <a:stretch>
+            <a:fillRect/>
+          </a:stretch>
+        </p:blipFill>
+        <p:spPr bwMode="auto">
+          <a:xfrm>
+            <a:off x="161796" y="1714488"/>
+            <a:ext cx="5477004" cy="3781436"/>
+          </a:xfrm>
+          <a:prstGeom prst="rect">
+            <a:avLst/>
+          </a:prstGeom>
+          <a:noFill/>
+          <a:ln w="9525">
+            <a:noFill/>
+            <a:miter lim="800000"/>
+            <a:headEnd/>
+            <a:tailEnd/>
+          </a:ln>
+          <a:effectLst/>
+        </p:spPr>
+      </p:pic>
     </p:spTree>
   </p:cSld>
   <p:clrMapOvr>
@@ -5222,7 +9339,7 @@
 </file>
 
 <file path=ppt/slides/slide5.xml><?xml version="1.0" encoding="utf-8"?>
-<p:sld xmlns:a="http://schemas.openxmlformats.org/drawingml/2006/main" xmlns:r="http://schemas.openxmlformats.org/officeDocument/2006/relationships" xmlns:mc="http://schemas.openxmlformats.org/markup-compatibility/2006" xmlns:mv="urn:schemas-microsoft-com:mac:vml" xmlns:p="http://schemas.openxmlformats.org/presentationml/2006/main" mc:Ignorable="mv" mc:PreserveAttributes="mv:*">
+<p:sld xmlns:a="http://schemas.openxmlformats.org/drawingml/2006/main" xmlns:r="http://schemas.openxmlformats.org/officeDocument/2006/relationships" xmlns:p="http://schemas.openxmlformats.org/presentationml/2006/main">
   <p:cSld>
     <p:spTree>
       <p:nvGrpSpPr>
@@ -5270,7 +9387,7 @@
           <p:nvPr/>
         </p:nvPicPr>
         <p:blipFill>
-          <a:blip r:embed="rId2" cstate="print"/>
+          <a:blip r:embed="rId3" cstate="print"/>
           <a:srcRect r="50000"/>
           <a:stretch>
             <a:fillRect/>
@@ -5302,7 +9419,7 @@
           <p:nvPr/>
         </p:nvPicPr>
         <p:blipFill>
-          <a:blip r:embed="rId3"/>
+          <a:blip r:embed="rId4"/>
           <a:stretch>
             <a:fillRect/>
           </a:stretch>
@@ -5326,7 +9443,7 @@
           <p:nvPr/>
         </p:nvPicPr>
         <p:blipFill>
-          <a:blip r:embed="rId4"/>
+          <a:blip r:embed="rId5"/>
           <a:stretch>
             <a:fillRect/>
           </a:stretch>
@@ -5517,7 +9634,7 @@
 </file>
 
 <file path=ppt/slides/slide6.xml><?xml version="1.0" encoding="utf-8"?>
-<p:sld xmlns:a="http://schemas.openxmlformats.org/drawingml/2006/main" xmlns:r="http://schemas.openxmlformats.org/officeDocument/2006/relationships" xmlns:mc="http://schemas.openxmlformats.org/markup-compatibility/2006" xmlns:mv="urn:schemas-microsoft-com:mac:vml" xmlns:p="http://schemas.openxmlformats.org/presentationml/2006/main" mc:Ignorable="mv" mc:PreserveAttributes="mv:*">
+<p:sld xmlns:a="http://schemas.openxmlformats.org/drawingml/2006/main" xmlns:r="http://schemas.openxmlformats.org/officeDocument/2006/relationships" xmlns:p="http://schemas.openxmlformats.org/presentationml/2006/main">
   <p:cSld>
     <p:spTree>
       <p:nvGrpSpPr>
@@ -5904,7 +10021,7 @@
 </file>
 
 <file path=ppt/slides/slide7.xml><?xml version="1.0" encoding="utf-8"?>
-<p:sld xmlns:a="http://schemas.openxmlformats.org/drawingml/2006/main" xmlns:r="http://schemas.openxmlformats.org/officeDocument/2006/relationships" xmlns:mc="http://schemas.openxmlformats.org/markup-compatibility/2006" xmlns:mv="urn:schemas-microsoft-com:mac:vml" xmlns:p="http://schemas.openxmlformats.org/presentationml/2006/main" mc:Ignorable="mv" mc:PreserveAttributes="mv:*">
+<p:sld xmlns:a="http://schemas.openxmlformats.org/drawingml/2006/main" xmlns:r="http://schemas.openxmlformats.org/officeDocument/2006/relationships" xmlns:p="http://schemas.openxmlformats.org/presentationml/2006/main">
   <p:cSld>
     <p:spTree>
       <p:nvGrpSpPr>
@@ -5952,10 +10069,10 @@
           <p:nvPr/>
         </p:nvPicPr>
         <p:blipFill>
-          <a:blip r:embed="rId2" cstate="print">
+          <a:blip r:embed="rId3" cstate="print">
             <a:extLst>
               <a:ext uri="{28A0092B-C50C-407E-A947-70E740481C1C}">
-                <a14:useLocalDpi xmlns:ve="http://schemas.openxmlformats.org/markup-compatibility/2006" xmlns:r="http://schemas.openxmlformats.org/officeDocument/2006/relationships" xmlns:m="http://schemas.openxmlformats.org/officeDocument/2006/math" xmlns:wp="http://schemas.openxmlformats.org/drawingml/2006/wordprocessingDrawing" xmlns:wne="http://schemas.microsoft.com/office/word/2006/wordml" xmlns:a="http://schemas.openxmlformats.org/drawingml/2006/main" xmlns:pic="http://schemas.openxmlformats.org/drawingml/2006/picture" xmlns:mv="urn:schemas-microsoft-com:mac:vml" xmlns:mo="http://schemas.microsoft.com/office/mac/office/2008/main" xmlns:a14="http://schemas.microsoft.com/office/drawing/2010/main" xmlns:wps="http://schemas.microsoft.com/office/word/2010/wordprocessingShape" xmlns:wpi="http://schemas.microsoft.com/office/word/2010/wordprocessingInk" xmlns:wpg="http://schemas.microsoft.com/office/word/2010/wordprocessingGroup" xmlns:w14="http://schemas.microsoft.com/office/word/2010/wordml" xmlns:w="http://schemas.openxmlformats.org/wordprocessingml/2006/main" xmlns:w10="urn:schemas-microsoft-com:office:word" xmlns:wp14="http://schemas.microsoft.com/office/word/2010/wordprocessingDrawing" xmlns:v="urn:schemas-microsoft-com:vml" xmlns:o="urn:schemas-microsoft-com:office:office" xmlns:mc="http://schemas.openxmlformats.org/markup-compatibility/2006" xmlns:wpc="http://schemas.microsoft.com/office/word/2010/wordprocessingCanvas" xmlns="" xmlns:lc="http://schemas.openxmlformats.org/drawingml/2006/lockedCanvas" val="0"/>
+                <a14:useLocalDpi xmlns:ve="http://schemas.openxmlformats.org/markup-compatibility/2006" xmlns:m="http://schemas.openxmlformats.org/officeDocument/2006/math" xmlns:wp="http://schemas.openxmlformats.org/drawingml/2006/wordprocessingDrawing" xmlns:wne="http://schemas.microsoft.com/office/word/2006/wordml" xmlns:pic="http://schemas.openxmlformats.org/drawingml/2006/picture" xmlns:mv="urn:schemas-microsoft-com:mac:vml" xmlns:mo="http://schemas.microsoft.com/office/mac/office/2008/main" xmlns:a14="http://schemas.microsoft.com/office/drawing/2010/main" xmlns:wps="http://schemas.microsoft.com/office/word/2010/wordprocessingShape" xmlns:wpi="http://schemas.microsoft.com/office/word/2010/wordprocessingInk" xmlns:wpg="http://schemas.microsoft.com/office/word/2010/wordprocessingGroup" xmlns:w14="http://schemas.microsoft.com/office/word/2010/wordml" xmlns:w="http://schemas.openxmlformats.org/wordprocessingml/2006/main" xmlns:w10="urn:schemas-microsoft-com:office:word" xmlns:wp14="http://schemas.microsoft.com/office/word/2010/wordprocessingDrawing" xmlns:v="urn:schemas-microsoft-com:vml" xmlns:o="urn:schemas-microsoft-com:office:office" xmlns:mc="http://schemas.openxmlformats.org/markup-compatibility/2006" xmlns:wpc="http://schemas.microsoft.com/office/word/2010/wordprocessingCanvas" xmlns="" xmlns:lc="http://schemas.openxmlformats.org/drawingml/2006/lockedCanvas" val="0"/>
               </a:ext>
             </a:extLst>
           </a:blip>
@@ -6307,10 +10424,10 @@
           <p:nvPr/>
         </p:nvPicPr>
         <p:blipFill>
-          <a:blip r:embed="rId3" cstate="print">
+          <a:blip r:embed="rId4" cstate="print">
             <a:extLst>
               <a:ext uri="{28A0092B-C50C-407E-A947-70E740481C1C}">
-                <a14:useLocalDpi xmlns:ve="http://schemas.openxmlformats.org/markup-compatibility/2006" xmlns:r="http://schemas.openxmlformats.org/officeDocument/2006/relationships" xmlns:m="http://schemas.openxmlformats.org/officeDocument/2006/math" xmlns:wp="http://schemas.openxmlformats.org/drawingml/2006/wordprocessingDrawing" xmlns:wne="http://schemas.microsoft.com/office/word/2006/wordml" xmlns:a="http://schemas.openxmlformats.org/drawingml/2006/main" xmlns:pic="http://schemas.openxmlformats.org/drawingml/2006/picture" xmlns:mv="urn:schemas-microsoft-com:mac:vml" xmlns:mo="http://schemas.microsoft.com/office/mac/office/2008/main" xmlns:a14="http://schemas.microsoft.com/office/drawing/2010/main" xmlns:wps="http://schemas.microsoft.com/office/word/2010/wordprocessingShape" xmlns:wpi="http://schemas.microsoft.com/office/word/2010/wordprocessingInk" xmlns:wpg="http://schemas.microsoft.com/office/word/2010/wordprocessingGroup" xmlns:w14="http://schemas.microsoft.com/office/word/2010/wordml" xmlns:w="http://schemas.openxmlformats.org/wordprocessingml/2006/main" xmlns:w10="urn:schemas-microsoft-com:office:word" xmlns:wp14="http://schemas.microsoft.com/office/word/2010/wordprocessingDrawing" xmlns:v="urn:schemas-microsoft-com:vml" xmlns:o="urn:schemas-microsoft-com:office:office" xmlns:mc="http://schemas.openxmlformats.org/markup-compatibility/2006" xmlns:wpc="http://schemas.microsoft.com/office/word/2010/wordprocessingCanvas" xmlns="" xmlns:lc="http://schemas.openxmlformats.org/drawingml/2006/lockedCanvas" val="0"/>
+                <a14:useLocalDpi xmlns:ve="http://schemas.openxmlformats.org/markup-compatibility/2006" xmlns:m="http://schemas.openxmlformats.org/officeDocument/2006/math" xmlns:wp="http://schemas.openxmlformats.org/drawingml/2006/wordprocessingDrawing" xmlns:wne="http://schemas.microsoft.com/office/word/2006/wordml" xmlns:pic="http://schemas.openxmlformats.org/drawingml/2006/picture" xmlns:mv="urn:schemas-microsoft-com:mac:vml" xmlns:mo="http://schemas.microsoft.com/office/mac/office/2008/main" xmlns:a14="http://schemas.microsoft.com/office/drawing/2010/main" xmlns:wps="http://schemas.microsoft.com/office/word/2010/wordprocessingShape" xmlns:wpi="http://schemas.microsoft.com/office/word/2010/wordprocessingInk" xmlns:wpg="http://schemas.microsoft.com/office/word/2010/wordprocessingGroup" xmlns:w14="http://schemas.microsoft.com/office/word/2010/wordml" xmlns:w="http://schemas.openxmlformats.org/wordprocessingml/2006/main" xmlns:w10="urn:schemas-microsoft-com:office:word" xmlns:wp14="http://schemas.microsoft.com/office/word/2010/wordprocessingDrawing" xmlns:v="urn:schemas-microsoft-com:vml" xmlns:o="urn:schemas-microsoft-com:office:office" xmlns:mc="http://schemas.openxmlformats.org/markup-compatibility/2006" xmlns:wpc="http://schemas.microsoft.com/office/word/2010/wordprocessingCanvas" xmlns="" xmlns:lc="http://schemas.openxmlformats.org/drawingml/2006/lockedCanvas" val="0"/>
               </a:ext>
             </a:extLst>
           </a:blip>
@@ -6342,7 +10459,7 @@
 </file>
 
 <file path=ppt/slides/slide8.xml><?xml version="1.0" encoding="utf-8"?>
-<p:sld xmlns:a="http://schemas.openxmlformats.org/drawingml/2006/main" xmlns:r="http://schemas.openxmlformats.org/officeDocument/2006/relationships" xmlns:mc="http://schemas.openxmlformats.org/markup-compatibility/2006" xmlns:mv="urn:schemas-microsoft-com:mac:vml" xmlns:p="http://schemas.openxmlformats.org/presentationml/2006/main" mc:Ignorable="mv" mc:PreserveAttributes="mv:*">
+<p:sld xmlns:a="http://schemas.openxmlformats.org/drawingml/2006/main" xmlns:r="http://schemas.openxmlformats.org/officeDocument/2006/relationships" xmlns:p="http://schemas.openxmlformats.org/presentationml/2006/main">
   <p:cSld>
     <p:spTree>
       <p:nvGrpSpPr>
@@ -6410,11 +10527,7 @@
             </a:pPr>
             <a:r>
               <a:rPr lang="en-US" sz="2700" dirty="0" smtClean="0"/>
-              <a:t>A </a:t>
-            </a:r>
-            <a:r>
-              <a:rPr lang="en-US" sz="2700" dirty="0" smtClean="0"/>
-              <a:t>Compromise </a:t>
+              <a:t>A Compromise </a:t>
             </a:r>
           </a:p>
           <a:p>
@@ -6449,15 +10562,7 @@
             </a:pPr>
             <a:r>
               <a:rPr lang="en-US" sz="2700" dirty="0" smtClean="0"/>
-              <a:t>High</a:t>
-            </a:r>
-            <a:r>
-              <a:rPr lang="en-US" sz="2700" dirty="0" smtClean="0"/>
-              <a:t> angular resolution </a:t>
-            </a:r>
-            <a:r>
-              <a:rPr lang="en-US" sz="2700" dirty="0" smtClean="0"/>
-              <a:t>(stepper only)</a:t>
+              <a:t>High angular resolution (stepper only)</a:t>
             </a:r>
           </a:p>
           <a:p>
@@ -6621,10 +10726,10 @@
           <p:nvPr/>
         </p:nvPicPr>
         <p:blipFill>
-          <a:blip r:embed="rId2" cstate="print">
+          <a:blip r:embed="rId3" cstate="print">
             <a:extLst>
               <a:ext uri="{28A0092B-C50C-407E-A947-70E740481C1C}">
-                <a14:useLocalDpi xmlns:ve="http://schemas.openxmlformats.org/markup-compatibility/2006" xmlns:r="http://schemas.openxmlformats.org/officeDocument/2006/relationships" xmlns:m="http://schemas.openxmlformats.org/officeDocument/2006/math" xmlns:wp="http://schemas.openxmlformats.org/drawingml/2006/wordprocessingDrawing" xmlns:wne="http://schemas.microsoft.com/office/word/2006/wordml" xmlns:a="http://schemas.openxmlformats.org/drawingml/2006/main" xmlns:pic="http://schemas.openxmlformats.org/drawingml/2006/picture" xmlns:mv="urn:schemas-microsoft-com:mac:vml" xmlns:mo="http://schemas.microsoft.com/office/mac/office/2008/main" xmlns:a14="http://schemas.microsoft.com/office/drawing/2010/main" xmlns:wps="http://schemas.microsoft.com/office/word/2010/wordprocessingShape" xmlns:wpi="http://schemas.microsoft.com/office/word/2010/wordprocessingInk" xmlns:wpg="http://schemas.microsoft.com/office/word/2010/wordprocessingGroup" xmlns:w14="http://schemas.microsoft.com/office/word/2010/wordml" xmlns:w="http://schemas.openxmlformats.org/wordprocessingml/2006/main" xmlns:w10="urn:schemas-microsoft-com:office:word" xmlns:wp14="http://schemas.microsoft.com/office/word/2010/wordprocessingDrawing" xmlns:v="urn:schemas-microsoft-com:vml" xmlns:o="urn:schemas-microsoft-com:office:office" xmlns:mc="http://schemas.openxmlformats.org/markup-compatibility/2006" xmlns:wpc="http://schemas.microsoft.com/office/word/2010/wordprocessingCanvas" xmlns="" xmlns:lc="http://schemas.openxmlformats.org/drawingml/2006/lockedCanvas" val="0"/>
+                <a14:useLocalDpi xmlns:ve="http://schemas.openxmlformats.org/markup-compatibility/2006" xmlns:m="http://schemas.openxmlformats.org/officeDocument/2006/math" xmlns:wp="http://schemas.openxmlformats.org/drawingml/2006/wordprocessingDrawing" xmlns:wne="http://schemas.microsoft.com/office/word/2006/wordml" xmlns:pic="http://schemas.openxmlformats.org/drawingml/2006/picture" xmlns:mv="urn:schemas-microsoft-com:mac:vml" xmlns:mo="http://schemas.microsoft.com/office/mac/office/2008/main" xmlns:a14="http://schemas.microsoft.com/office/drawing/2010/main" xmlns:wps="http://schemas.microsoft.com/office/word/2010/wordprocessingShape" xmlns:wpi="http://schemas.microsoft.com/office/word/2010/wordprocessingInk" xmlns:wpg="http://schemas.microsoft.com/office/word/2010/wordprocessingGroup" xmlns:w14="http://schemas.microsoft.com/office/word/2010/wordml" xmlns:w="http://schemas.openxmlformats.org/wordprocessingml/2006/main" xmlns:w10="urn:schemas-microsoft-com:office:word" xmlns:wp14="http://schemas.microsoft.com/office/word/2010/wordprocessingDrawing" xmlns:v="urn:schemas-microsoft-com:vml" xmlns:o="urn:schemas-microsoft-com:office:office" xmlns:mc="http://schemas.openxmlformats.org/markup-compatibility/2006" xmlns:wpc="http://schemas.microsoft.com/office/word/2010/wordprocessingCanvas" xmlns="" xmlns:lc="http://schemas.openxmlformats.org/drawingml/2006/lockedCanvas" val="0"/>
               </a:ext>
             </a:extLst>
           </a:blip>
@@ -6656,7 +10761,7 @@
 </file>
 
 <file path=ppt/slides/slide9.xml><?xml version="1.0" encoding="utf-8"?>
-<p:sld xmlns:a="http://schemas.openxmlformats.org/drawingml/2006/main" xmlns:r="http://schemas.openxmlformats.org/officeDocument/2006/relationships" xmlns:mc="http://schemas.openxmlformats.org/markup-compatibility/2006" xmlns:mv="urn:schemas-microsoft-com:mac:vml" xmlns:p="http://schemas.openxmlformats.org/presentationml/2006/main" mc:Ignorable="mv" mc:PreserveAttributes="mv:*">
+<p:sld xmlns:a="http://schemas.openxmlformats.org/drawingml/2006/main" xmlns:r="http://schemas.openxmlformats.org/officeDocument/2006/relationships" xmlns:p="http://schemas.openxmlformats.org/presentationml/2006/main">
   <p:cSld>
     <p:spTree>
       <p:nvGrpSpPr>
@@ -6754,7 +10859,7 @@
           </p:nvPr>
         </p:nvPicPr>
         <p:blipFill>
-          <a:blip r:embed="rId2" cstate="print"/>
+          <a:blip r:embed="rId3" cstate="print"/>
           <a:srcRect t="-12591" b="-12591"/>
           <a:stretch>
             <a:fillRect/>
@@ -6784,7 +10889,7 @@
           </p:nvPr>
         </p:nvPicPr>
         <p:blipFill>
-          <a:blip r:embed="rId3" cstate="print"/>
+          <a:blip r:embed="rId4" cstate="print"/>
           <a:srcRect t="-4754" b="36914"/>
           <a:stretch>
             <a:fillRect/>
@@ -6816,7 +10921,7 @@
           <p:nvPr/>
         </p:nvPicPr>
         <p:blipFill>
-          <a:blip r:embed="rId4"/>
+          <a:blip r:embed="rId5"/>
           <a:srcRect l="64336" t="46392"/>
           <a:stretch>
             <a:fillRect/>
@@ -6837,6 +10942,13 @@
   <p:clrMapOvr>
     <a:masterClrMapping/>
   </p:clrMapOvr>
+  <p:timing>
+    <p:tnLst>
+      <p:par>
+        <p:cTn id="1" dur="indefinite" restart="never" nodeType="tmRoot"/>
+      </p:par>
+    </p:tnLst>
+  </p:timing>
 </p:sld>
 </file>
 
@@ -7166,4 +11278,287 @@
   </a:objectDefaults>
   <a:extraClrSchemeLst/>
 </a:theme>
+</file>
+
+<file path=ppt/theme/theme2.xml><?xml version="1.0" encoding="utf-8"?>
+<a:theme xmlns:a="http://schemas.openxmlformats.org/drawingml/2006/main" name="Office Theme">
+  <a:themeElements>
+    <a:clrScheme name="Office">
+      <a:dk1>
+        <a:sysClr val="windowText" lastClr="000000"/>
+      </a:dk1>
+      <a:lt1>
+        <a:sysClr val="window" lastClr="FFFFFF"/>
+      </a:lt1>
+      <a:dk2>
+        <a:srgbClr val="1F497D"/>
+      </a:dk2>
+      <a:lt2>
+        <a:srgbClr val="EEECE1"/>
+      </a:lt2>
+      <a:accent1>
+        <a:srgbClr val="4F81BD"/>
+      </a:accent1>
+      <a:accent2>
+        <a:srgbClr val="C0504D"/>
+      </a:accent2>
+      <a:accent3>
+        <a:srgbClr val="9BBB59"/>
+      </a:accent3>
+      <a:accent4>
+        <a:srgbClr val="8064A2"/>
+      </a:accent4>
+      <a:accent5>
+        <a:srgbClr val="4BACC6"/>
+      </a:accent5>
+      <a:accent6>
+        <a:srgbClr val="F79646"/>
+      </a:accent6>
+      <a:hlink>
+        <a:srgbClr val="0000FF"/>
+      </a:hlink>
+      <a:folHlink>
+        <a:srgbClr val="800080"/>
+      </a:folHlink>
+    </a:clrScheme>
+    <a:fontScheme name="Office">
+      <a:majorFont>
+        <a:latin typeface="Calibri"/>
+        <a:ea typeface=""/>
+        <a:cs typeface=""/>
+        <a:font script="Jpan" typeface="ＭＳ Ｐゴシック"/>
+        <a:font script="Hang" typeface="맑은 고딕"/>
+        <a:font script="Hans" typeface="宋体"/>
+        <a:font script="Hant" typeface="新細明體"/>
+        <a:font script="Arab" typeface="Times New Roman"/>
+        <a:font script="Hebr" typeface="Times New Roman"/>
+        <a:font script="Thai" typeface="Angsana New"/>
+        <a:font script="Ethi" typeface="Nyala"/>
+        <a:font script="Beng" typeface="Vrinda"/>
+        <a:font script="Gujr" typeface="Shruti"/>
+        <a:font script="Khmr" typeface="MoolBoran"/>
+        <a:font script="Knda" typeface="Tunga"/>
+        <a:font script="Guru" typeface="Raavi"/>
+        <a:font script="Cans" typeface="Euphemia"/>
+        <a:font script="Cher" typeface="Plantagenet Cherokee"/>
+        <a:font script="Yiii" typeface="Microsoft Yi Baiti"/>
+        <a:font script="Tibt" typeface="Microsoft Himalaya"/>
+        <a:font script="Thaa" typeface="MV Boli"/>
+        <a:font script="Deva" typeface="Mangal"/>
+        <a:font script="Telu" typeface="Gautami"/>
+        <a:font script="Taml" typeface="Latha"/>
+        <a:font script="Syrc" typeface="Estrangelo Edessa"/>
+        <a:font script="Orya" typeface="Kalinga"/>
+        <a:font script="Mlym" typeface="Kartika"/>
+        <a:font script="Laoo" typeface="DokChampa"/>
+        <a:font script="Sinh" typeface="Iskoola Pota"/>
+        <a:font script="Mong" typeface="Mongolian Baiti"/>
+        <a:font script="Viet" typeface="Times New Roman"/>
+        <a:font script="Uigh" typeface="Microsoft Uighur"/>
+      </a:majorFont>
+      <a:minorFont>
+        <a:latin typeface="Calibri"/>
+        <a:ea typeface=""/>
+        <a:cs typeface=""/>
+        <a:font script="Jpan" typeface="ＭＳ Ｐゴシック"/>
+        <a:font script="Hang" typeface="맑은 고딕"/>
+        <a:font script="Hans" typeface="宋体"/>
+        <a:font script="Hant" typeface="新細明體"/>
+        <a:font script="Arab" typeface="Arial"/>
+        <a:font script="Hebr" typeface="Arial"/>
+        <a:font script="Thai" typeface="Cordia New"/>
+        <a:font script="Ethi" typeface="Nyala"/>
+        <a:font script="Beng" typeface="Vrinda"/>
+        <a:font script="Gujr" typeface="Shruti"/>
+        <a:font script="Khmr" typeface="DaunPenh"/>
+        <a:font script="Knda" typeface="Tunga"/>
+        <a:font script="Guru" typeface="Raavi"/>
+        <a:font script="Cans" typeface="Euphemia"/>
+        <a:font script="Cher" typeface="Plantagenet Cherokee"/>
+        <a:font script="Yiii" typeface="Microsoft Yi Baiti"/>
+        <a:font script="Tibt" typeface="Microsoft Himalaya"/>
+        <a:font script="Thaa" typeface="MV Boli"/>
+        <a:font script="Deva" typeface="Mangal"/>
+        <a:font script="Telu" typeface="Gautami"/>
+        <a:font script="Taml" typeface="Latha"/>
+        <a:font script="Syrc" typeface="Estrangelo Edessa"/>
+        <a:font script="Orya" typeface="Kalinga"/>
+        <a:font script="Mlym" typeface="Kartika"/>
+        <a:font script="Laoo" typeface="DokChampa"/>
+        <a:font script="Sinh" typeface="Iskoola Pota"/>
+        <a:font script="Mong" typeface="Mongolian Baiti"/>
+        <a:font script="Viet" typeface="Arial"/>
+        <a:font script="Uigh" typeface="Microsoft Uighur"/>
+      </a:minorFont>
+    </a:fontScheme>
+    <a:fmtScheme name="Office">
+      <a:fillStyleLst>
+        <a:solidFill>
+          <a:schemeClr val="phClr"/>
+        </a:solidFill>
+        <a:gradFill rotWithShape="1">
+          <a:gsLst>
+            <a:gs pos="0">
+              <a:schemeClr val="phClr">
+                <a:tint val="50000"/>
+                <a:satMod val="300000"/>
+              </a:schemeClr>
+            </a:gs>
+            <a:gs pos="35000">
+              <a:schemeClr val="phClr">
+                <a:tint val="37000"/>
+                <a:satMod val="300000"/>
+              </a:schemeClr>
+            </a:gs>
+            <a:gs pos="100000">
+              <a:schemeClr val="phClr">
+                <a:tint val="15000"/>
+                <a:satMod val="350000"/>
+              </a:schemeClr>
+            </a:gs>
+          </a:gsLst>
+          <a:lin ang="16200000" scaled="1"/>
+        </a:gradFill>
+        <a:gradFill rotWithShape="1">
+          <a:gsLst>
+            <a:gs pos="0">
+              <a:schemeClr val="phClr">
+                <a:shade val="51000"/>
+                <a:satMod val="130000"/>
+              </a:schemeClr>
+            </a:gs>
+            <a:gs pos="80000">
+              <a:schemeClr val="phClr">
+                <a:shade val="93000"/>
+                <a:satMod val="130000"/>
+              </a:schemeClr>
+            </a:gs>
+            <a:gs pos="100000">
+              <a:schemeClr val="phClr">
+                <a:shade val="94000"/>
+                <a:satMod val="135000"/>
+              </a:schemeClr>
+            </a:gs>
+          </a:gsLst>
+          <a:lin ang="16200000" scaled="0"/>
+        </a:gradFill>
+      </a:fillStyleLst>
+      <a:lnStyleLst>
+        <a:ln w="9525" cap="flat" cmpd="sng" algn="ctr">
+          <a:solidFill>
+            <a:schemeClr val="phClr">
+              <a:shade val="95000"/>
+              <a:satMod val="105000"/>
+            </a:schemeClr>
+          </a:solidFill>
+          <a:prstDash val="solid"/>
+        </a:ln>
+        <a:ln w="25400" cap="flat" cmpd="sng" algn="ctr">
+          <a:solidFill>
+            <a:schemeClr val="phClr"/>
+          </a:solidFill>
+          <a:prstDash val="solid"/>
+        </a:ln>
+        <a:ln w="38100" cap="flat" cmpd="sng" algn="ctr">
+          <a:solidFill>
+            <a:schemeClr val="phClr"/>
+          </a:solidFill>
+          <a:prstDash val="solid"/>
+        </a:ln>
+      </a:lnStyleLst>
+      <a:effectStyleLst>
+        <a:effectStyle>
+          <a:effectLst>
+            <a:outerShdw blurRad="40000" dist="20000" dir="5400000" rotWithShape="0">
+              <a:srgbClr val="000000">
+                <a:alpha val="38000"/>
+              </a:srgbClr>
+            </a:outerShdw>
+          </a:effectLst>
+        </a:effectStyle>
+        <a:effectStyle>
+          <a:effectLst>
+            <a:outerShdw blurRad="40000" dist="23000" dir="5400000" rotWithShape="0">
+              <a:srgbClr val="000000">
+                <a:alpha val="35000"/>
+              </a:srgbClr>
+            </a:outerShdw>
+          </a:effectLst>
+        </a:effectStyle>
+        <a:effectStyle>
+          <a:effectLst>
+            <a:outerShdw blurRad="40000" dist="23000" dir="5400000" rotWithShape="0">
+              <a:srgbClr val="000000">
+                <a:alpha val="35000"/>
+              </a:srgbClr>
+            </a:outerShdw>
+          </a:effectLst>
+          <a:scene3d>
+            <a:camera prst="orthographicFront">
+              <a:rot lat="0" lon="0" rev="0"/>
+            </a:camera>
+            <a:lightRig rig="threePt" dir="t">
+              <a:rot lat="0" lon="0" rev="1200000"/>
+            </a:lightRig>
+          </a:scene3d>
+          <a:sp3d>
+            <a:bevelT w="63500" h="25400"/>
+          </a:sp3d>
+        </a:effectStyle>
+      </a:effectStyleLst>
+      <a:bgFillStyleLst>
+        <a:solidFill>
+          <a:schemeClr val="phClr"/>
+        </a:solidFill>
+        <a:gradFill rotWithShape="1">
+          <a:gsLst>
+            <a:gs pos="0">
+              <a:schemeClr val="phClr">
+                <a:tint val="40000"/>
+                <a:satMod val="350000"/>
+              </a:schemeClr>
+            </a:gs>
+            <a:gs pos="40000">
+              <a:schemeClr val="phClr">
+                <a:tint val="45000"/>
+                <a:shade val="99000"/>
+                <a:satMod val="350000"/>
+              </a:schemeClr>
+            </a:gs>
+            <a:gs pos="100000">
+              <a:schemeClr val="phClr">
+                <a:shade val="20000"/>
+                <a:satMod val="255000"/>
+              </a:schemeClr>
+            </a:gs>
+          </a:gsLst>
+          <a:path path="circle">
+            <a:fillToRect l="50000" t="-80000" r="50000" b="180000"/>
+          </a:path>
+        </a:gradFill>
+        <a:gradFill rotWithShape="1">
+          <a:gsLst>
+            <a:gs pos="0">
+              <a:schemeClr val="phClr">
+                <a:tint val="80000"/>
+                <a:satMod val="300000"/>
+              </a:schemeClr>
+            </a:gs>
+            <a:gs pos="100000">
+              <a:schemeClr val="phClr">
+                <a:shade val="30000"/>
+                <a:satMod val="200000"/>
+              </a:schemeClr>
+            </a:gs>
+          </a:gsLst>
+          <a:path path="circle">
+            <a:fillToRect l="50000" t="50000" r="50000" b="50000"/>
+          </a:path>
+        </a:gradFill>
+      </a:bgFillStyleLst>
+    </a:fmtScheme>
+  </a:themeElements>
+  <a:objectDefaults/>
+  <a:extraClrSchemeLst/>
+</a:theme>
 </file>